--- a/PPts.pptx
+++ b/PPts.pptx
@@ -8,6 +8,9 @@
     <p:sldId id="256" r:id="rId2"/>
     <p:sldId id="257" r:id="rId3"/>
     <p:sldId id="258" r:id="rId4"/>
+    <p:sldId id="259" r:id="rId5"/>
+    <p:sldId id="260" r:id="rId6"/>
+    <p:sldId id="261" r:id="rId7"/>
   </p:sldIdLst>
   <p:sldSz cx="12192000" cy="6858000"/>
   <p:notesSz cx="6858000" cy="9144000"/>
@@ -106,6 +109,11 @@
       </a:defRPr>
     </a:lvl9pPr>
   </p:defaultTextStyle>
+  <p:extLst>
+    <p:ext uri="{EFAFB233-063F-42B5-8137-9DF3F51BA10A}">
+      <p15:sldGuideLst xmlns:p15="http://schemas.microsoft.com/office/powerpoint/2012/main"/>
+    </p:ext>
+  </p:extLst>
 </p:presentation>
 </file>
 
@@ -256,7 +264,7 @@
           <a:p>
             <a:fld id="{56C5A6DE-F3FE-450E-B6D7-DFB343F61E0E}" type="datetimeFigureOut">
               <a:rPr lang="en-US" smtClean="0"/>
-              <a:t>3/7/2023</a:t>
+              <a:t>3/9/2023</a:t>
             </a:fld>
             <a:endParaRPr lang="en-US"/>
           </a:p>
@@ -454,7 +462,7 @@
           <a:p>
             <a:fld id="{56C5A6DE-F3FE-450E-B6D7-DFB343F61E0E}" type="datetimeFigureOut">
               <a:rPr lang="en-US" smtClean="0"/>
-              <a:t>3/7/2023</a:t>
+              <a:t>3/9/2023</a:t>
             </a:fld>
             <a:endParaRPr lang="en-US"/>
           </a:p>
@@ -662,7 +670,7 @@
           <a:p>
             <a:fld id="{56C5A6DE-F3FE-450E-B6D7-DFB343F61E0E}" type="datetimeFigureOut">
               <a:rPr lang="en-US" smtClean="0"/>
-              <a:t>3/7/2023</a:t>
+              <a:t>3/9/2023</a:t>
             </a:fld>
             <a:endParaRPr lang="en-US"/>
           </a:p>
@@ -860,7 +868,7 @@
           <a:p>
             <a:fld id="{56C5A6DE-F3FE-450E-B6D7-DFB343F61E0E}" type="datetimeFigureOut">
               <a:rPr lang="en-US" smtClean="0"/>
-              <a:t>3/7/2023</a:t>
+              <a:t>3/9/2023</a:t>
             </a:fld>
             <a:endParaRPr lang="en-US"/>
           </a:p>
@@ -1135,7 +1143,7 @@
           <a:p>
             <a:fld id="{56C5A6DE-F3FE-450E-B6D7-DFB343F61E0E}" type="datetimeFigureOut">
               <a:rPr lang="en-US" smtClean="0"/>
-              <a:t>3/7/2023</a:t>
+              <a:t>3/9/2023</a:t>
             </a:fld>
             <a:endParaRPr lang="en-US"/>
           </a:p>
@@ -1400,7 +1408,7 @@
           <a:p>
             <a:fld id="{56C5A6DE-F3FE-450E-B6D7-DFB343F61E0E}" type="datetimeFigureOut">
               <a:rPr lang="en-US" smtClean="0"/>
-              <a:t>3/7/2023</a:t>
+              <a:t>3/9/2023</a:t>
             </a:fld>
             <a:endParaRPr lang="en-US"/>
           </a:p>
@@ -1812,7 +1820,7 @@
           <a:p>
             <a:fld id="{56C5A6DE-F3FE-450E-B6D7-DFB343F61E0E}" type="datetimeFigureOut">
               <a:rPr lang="en-US" smtClean="0"/>
-              <a:t>3/7/2023</a:t>
+              <a:t>3/9/2023</a:t>
             </a:fld>
             <a:endParaRPr lang="en-US"/>
           </a:p>
@@ -1953,7 +1961,7 @@
           <a:p>
             <a:fld id="{56C5A6DE-F3FE-450E-B6D7-DFB343F61E0E}" type="datetimeFigureOut">
               <a:rPr lang="en-US" smtClean="0"/>
-              <a:t>3/7/2023</a:t>
+              <a:t>3/9/2023</a:t>
             </a:fld>
             <a:endParaRPr lang="en-US"/>
           </a:p>
@@ -2066,7 +2074,7 @@
           <a:p>
             <a:fld id="{56C5A6DE-F3FE-450E-B6D7-DFB343F61E0E}" type="datetimeFigureOut">
               <a:rPr lang="en-US" smtClean="0"/>
-              <a:t>3/7/2023</a:t>
+              <a:t>3/9/2023</a:t>
             </a:fld>
             <a:endParaRPr lang="en-US"/>
           </a:p>
@@ -2377,7 +2385,7 @@
           <a:p>
             <a:fld id="{56C5A6DE-F3FE-450E-B6D7-DFB343F61E0E}" type="datetimeFigureOut">
               <a:rPr lang="en-US" smtClean="0"/>
-              <a:t>3/7/2023</a:t>
+              <a:t>3/9/2023</a:t>
             </a:fld>
             <a:endParaRPr lang="en-US"/>
           </a:p>
@@ -2665,7 +2673,7 @@
           <a:p>
             <a:fld id="{56C5A6DE-F3FE-450E-B6D7-DFB343F61E0E}" type="datetimeFigureOut">
               <a:rPr lang="en-US" smtClean="0"/>
-              <a:t>3/7/2023</a:t>
+              <a:t>3/9/2023</a:t>
             </a:fld>
             <a:endParaRPr lang="en-US"/>
           </a:p>
@@ -2906,7 +2914,7 @@
           <a:p>
             <a:fld id="{56C5A6DE-F3FE-450E-B6D7-DFB343F61E0E}" type="datetimeFigureOut">
               <a:rPr lang="en-US" smtClean="0"/>
-              <a:t>3/7/2023</a:t>
+              <a:t>3/9/2023</a:t>
             </a:fld>
             <a:endParaRPr lang="en-US"/>
           </a:p>
@@ -5349,13 +5357,9 @@
           <a:p>
             <a:r>
               <a:rPr lang="en-IN" dirty="0"/>
-              <a:t>e.g. Version of API that will </a:t>
-            </a:r>
-            <a:r>
-              <a:rPr lang="en-IN"/>
-              <a:t>be accessed</a:t>
-            </a:r>
-            <a:endParaRPr lang="en-US"/>
+              <a:t>e.g. Version of API that will be accessed</a:t>
+            </a:r>
+            <a:endParaRPr lang="en-US" dirty="0"/>
           </a:p>
         </p:txBody>
       </p:sp>
@@ -5363,6 +5367,4300 @@
     <p:extLst>
       <p:ext uri="{BB962C8B-B14F-4D97-AF65-F5344CB8AC3E}">
         <p14:creationId xmlns:p14="http://schemas.microsoft.com/office/powerpoint/2010/main" val="3944887878"/>
+      </p:ext>
+    </p:extLst>
+  </p:cSld>
+  <p:clrMapOvr>
+    <a:masterClrMapping/>
+  </p:clrMapOvr>
+</p:sld>
+</file>
+
+<file path=ppt/slides/slide4.xml><?xml version="1.0" encoding="utf-8"?>
+<p:sld xmlns:a="http://schemas.openxmlformats.org/drawingml/2006/main" xmlns:r="http://schemas.openxmlformats.org/officeDocument/2006/relationships" xmlns:p="http://schemas.openxmlformats.org/presentationml/2006/main">
+  <p:cSld>
+    <p:spTree>
+      <p:nvGrpSpPr>
+        <p:cNvPr id="1" name=""/>
+        <p:cNvGrpSpPr/>
+        <p:nvPr/>
+      </p:nvGrpSpPr>
+      <p:grpSpPr>
+        <a:xfrm>
+          <a:off x="0" y="0"/>
+          <a:ext cx="0" cy="0"/>
+          <a:chOff x="0" y="0"/>
+          <a:chExt cx="0" cy="0"/>
+        </a:xfrm>
+      </p:grpSpPr>
+      <p:sp>
+        <p:nvSpPr>
+          <p:cNvPr id="2" name="Rectangle 1">
+            <a:extLst>
+              <a:ext uri="{FF2B5EF4-FFF2-40B4-BE49-F238E27FC236}">
+                <a16:creationId xmlns:a16="http://schemas.microsoft.com/office/drawing/2014/main" id="{E9924B58-AF52-78D4-725D-E6CE9A99B2B8}"/>
+              </a:ext>
+            </a:extLst>
+          </p:cNvPr>
+          <p:cNvSpPr/>
+          <p:nvPr/>
+        </p:nvSpPr>
+        <p:spPr>
+          <a:xfrm>
+            <a:off x="8574832" y="942391"/>
+            <a:ext cx="3284376" cy="4254759"/>
+          </a:xfrm>
+          <a:prstGeom prst="rect">
+            <a:avLst/>
+          </a:prstGeom>
+        </p:spPr>
+        <p:style>
+          <a:lnRef idx="2">
+            <a:schemeClr val="accent1">
+              <a:shade val="50000"/>
+            </a:schemeClr>
+          </a:lnRef>
+          <a:fillRef idx="1">
+            <a:schemeClr val="accent1"/>
+          </a:fillRef>
+          <a:effectRef idx="0">
+            <a:schemeClr val="accent1"/>
+          </a:effectRef>
+          <a:fontRef idx="minor">
+            <a:schemeClr val="lt1"/>
+          </a:fontRef>
+        </p:style>
+        <p:txBody>
+          <a:bodyPr rtlCol="0" anchor="ctr"/>
+          <a:lstStyle/>
+          <a:p>
+            <a:pPr algn="ctr"/>
+            <a:r>
+              <a:rPr lang="en-IN" b="1" dirty="0"/>
+              <a:t>API</a:t>
+            </a:r>
+            <a:endParaRPr lang="en-US" b="1" dirty="0"/>
+          </a:p>
+        </p:txBody>
+      </p:sp>
+      <p:sp>
+        <p:nvSpPr>
+          <p:cNvPr id="3" name="Rectangle 2">
+            <a:extLst>
+              <a:ext uri="{FF2B5EF4-FFF2-40B4-BE49-F238E27FC236}">
+                <a16:creationId xmlns:a16="http://schemas.microsoft.com/office/drawing/2014/main" id="{DE98503D-1BA6-9035-1669-DFD596B37426}"/>
+              </a:ext>
+            </a:extLst>
+          </p:cNvPr>
+          <p:cNvSpPr/>
+          <p:nvPr/>
+        </p:nvSpPr>
+        <p:spPr>
+          <a:xfrm>
+            <a:off x="497632" y="942392"/>
+            <a:ext cx="3284376" cy="4254759"/>
+          </a:xfrm>
+          <a:prstGeom prst="rect">
+            <a:avLst/>
+          </a:prstGeom>
+        </p:spPr>
+        <p:style>
+          <a:lnRef idx="2">
+            <a:schemeClr val="accent1">
+              <a:shade val="50000"/>
+            </a:schemeClr>
+          </a:lnRef>
+          <a:fillRef idx="1">
+            <a:schemeClr val="accent1"/>
+          </a:fillRef>
+          <a:effectRef idx="0">
+            <a:schemeClr val="accent1"/>
+          </a:effectRef>
+          <a:fontRef idx="minor">
+            <a:schemeClr val="lt1"/>
+          </a:fontRef>
+        </p:style>
+        <p:txBody>
+          <a:bodyPr rtlCol="0" anchor="ctr"/>
+          <a:lstStyle/>
+          <a:p>
+            <a:pPr algn="ctr"/>
+            <a:r>
+              <a:rPr lang="en-IN" b="1" dirty="0"/>
+              <a:t>Client</a:t>
+            </a:r>
+            <a:endParaRPr lang="en-US" b="1" dirty="0"/>
+          </a:p>
+        </p:txBody>
+      </p:sp>
+      <p:sp>
+        <p:nvSpPr>
+          <p:cNvPr id="4" name="Arrow: Right 3">
+            <a:extLst>
+              <a:ext uri="{FF2B5EF4-FFF2-40B4-BE49-F238E27FC236}">
+                <a16:creationId xmlns:a16="http://schemas.microsoft.com/office/drawing/2014/main" id="{7D97EC70-78BD-382E-3451-6570164B8D24}"/>
+              </a:ext>
+            </a:extLst>
+          </p:cNvPr>
+          <p:cNvSpPr/>
+          <p:nvPr/>
+        </p:nvSpPr>
+        <p:spPr>
+          <a:xfrm>
+            <a:off x="3782008" y="1642188"/>
+            <a:ext cx="4876800" cy="839755"/>
+          </a:xfrm>
+          <a:prstGeom prst="rightArrow">
+            <a:avLst/>
+          </a:prstGeom>
+        </p:spPr>
+        <p:style>
+          <a:lnRef idx="2">
+            <a:schemeClr val="accent1">
+              <a:shade val="50000"/>
+            </a:schemeClr>
+          </a:lnRef>
+          <a:fillRef idx="1">
+            <a:schemeClr val="accent1"/>
+          </a:fillRef>
+          <a:effectRef idx="0">
+            <a:schemeClr val="accent1"/>
+          </a:effectRef>
+          <a:fontRef idx="minor">
+            <a:schemeClr val="lt1"/>
+          </a:fontRef>
+        </p:style>
+        <p:txBody>
+          <a:bodyPr rtlCol="0" anchor="ctr"/>
+          <a:lstStyle/>
+          <a:p>
+            <a:pPr algn="ctr"/>
+            <a:r>
+              <a:rPr lang="en-IN" dirty="0"/>
+              <a:t>HTTP Request (HttpRequest)</a:t>
+            </a:r>
+            <a:endParaRPr lang="en-US" dirty="0"/>
+          </a:p>
+        </p:txBody>
+      </p:sp>
+      <p:sp>
+        <p:nvSpPr>
+          <p:cNvPr id="5" name="Rectangle 4">
+            <a:extLst>
+              <a:ext uri="{FF2B5EF4-FFF2-40B4-BE49-F238E27FC236}">
+                <a16:creationId xmlns:a16="http://schemas.microsoft.com/office/drawing/2014/main" id="{2164F6E0-5987-81C3-10F9-D02805279E99}"/>
+              </a:ext>
+            </a:extLst>
+          </p:cNvPr>
+          <p:cNvSpPr/>
+          <p:nvPr/>
+        </p:nvSpPr>
+        <p:spPr>
+          <a:xfrm>
+            <a:off x="8686800" y="1660849"/>
+            <a:ext cx="1250302" cy="2808514"/>
+          </a:xfrm>
+          <a:prstGeom prst="rect">
+            <a:avLst/>
+          </a:prstGeom>
+        </p:spPr>
+        <p:style>
+          <a:lnRef idx="3">
+            <a:schemeClr val="lt1"/>
+          </a:lnRef>
+          <a:fillRef idx="1">
+            <a:schemeClr val="accent2"/>
+          </a:fillRef>
+          <a:effectRef idx="1">
+            <a:schemeClr val="accent2"/>
+          </a:effectRef>
+          <a:fontRef idx="minor">
+            <a:schemeClr val="lt1"/>
+          </a:fontRef>
+        </p:style>
+        <p:txBody>
+          <a:bodyPr rtlCol="0" anchor="ctr"/>
+          <a:lstStyle/>
+          <a:p>
+            <a:pPr algn="ctr"/>
+            <a:r>
+              <a:rPr lang="en-IN" b="1" dirty="0"/>
+              <a:t>HTTP</a:t>
+            </a:r>
+          </a:p>
+          <a:p>
+            <a:pPr algn="ctr"/>
+            <a:r>
+              <a:rPr lang="en-IN" b="1" dirty="0"/>
+              <a:t>Context</a:t>
+            </a:r>
+          </a:p>
+          <a:p>
+            <a:pPr algn="ctr"/>
+            <a:endParaRPr lang="en-IN" b="1" dirty="0"/>
+          </a:p>
+          <a:p>
+            <a:pPr algn="ctr"/>
+            <a:r>
+              <a:rPr lang="en-IN" b="1" dirty="0"/>
+              <a:t>Aka</a:t>
+            </a:r>
+          </a:p>
+          <a:p>
+            <a:pPr algn="ctr"/>
+            <a:r>
+              <a:rPr lang="en-IN" b="1" dirty="0"/>
+              <a:t>Channel</a:t>
+            </a:r>
+            <a:endParaRPr lang="en-US" b="1" dirty="0"/>
+          </a:p>
+        </p:txBody>
+      </p:sp>
+      <p:sp>
+        <p:nvSpPr>
+          <p:cNvPr id="6" name="Arrow: Left 5">
+            <a:extLst>
+              <a:ext uri="{FF2B5EF4-FFF2-40B4-BE49-F238E27FC236}">
+                <a16:creationId xmlns:a16="http://schemas.microsoft.com/office/drawing/2014/main" id="{205A9F85-7654-ED5C-0BBF-A6CAE9408501}"/>
+              </a:ext>
+            </a:extLst>
+          </p:cNvPr>
+          <p:cNvSpPr/>
+          <p:nvPr/>
+        </p:nvSpPr>
+        <p:spPr>
+          <a:xfrm>
+            <a:off x="3782008" y="3554964"/>
+            <a:ext cx="4792824" cy="839755"/>
+          </a:xfrm>
+          <a:prstGeom prst="leftArrow">
+            <a:avLst/>
+          </a:prstGeom>
+        </p:spPr>
+        <p:style>
+          <a:lnRef idx="2">
+            <a:schemeClr val="accent1">
+              <a:shade val="50000"/>
+            </a:schemeClr>
+          </a:lnRef>
+          <a:fillRef idx="1">
+            <a:schemeClr val="accent1"/>
+          </a:fillRef>
+          <a:effectRef idx="0">
+            <a:schemeClr val="accent1"/>
+          </a:effectRef>
+          <a:fontRef idx="minor">
+            <a:schemeClr val="lt1"/>
+          </a:fontRef>
+        </p:style>
+        <p:txBody>
+          <a:bodyPr rtlCol="0" anchor="ctr"/>
+          <a:lstStyle/>
+          <a:p>
+            <a:pPr algn="ctr"/>
+            <a:r>
+              <a:rPr lang="en-IN" dirty="0"/>
+              <a:t>HTTP Response (HttpResponse)</a:t>
+            </a:r>
+            <a:endParaRPr lang="en-US" dirty="0"/>
+          </a:p>
+        </p:txBody>
+      </p:sp>
+      <p:sp>
+        <p:nvSpPr>
+          <p:cNvPr id="8" name="Left Brace 7">
+            <a:extLst>
+              <a:ext uri="{FF2B5EF4-FFF2-40B4-BE49-F238E27FC236}">
+                <a16:creationId xmlns:a16="http://schemas.microsoft.com/office/drawing/2014/main" id="{EE260D62-926A-2E99-488E-A2538FB2401A}"/>
+              </a:ext>
+            </a:extLst>
+          </p:cNvPr>
+          <p:cNvSpPr/>
+          <p:nvPr/>
+        </p:nvSpPr>
+        <p:spPr>
+          <a:xfrm>
+            <a:off x="3893976" y="2379305"/>
+            <a:ext cx="223934" cy="1007707"/>
+          </a:xfrm>
+          <a:prstGeom prst="leftBrace">
+            <a:avLst/>
+          </a:prstGeom>
+          <a:ln w="76200"/>
+        </p:spPr>
+        <p:style>
+          <a:lnRef idx="1">
+            <a:schemeClr val="accent1"/>
+          </a:lnRef>
+          <a:fillRef idx="0">
+            <a:schemeClr val="accent1"/>
+          </a:fillRef>
+          <a:effectRef idx="0">
+            <a:schemeClr val="accent1"/>
+          </a:effectRef>
+          <a:fontRef idx="minor">
+            <a:schemeClr val="tx1"/>
+          </a:fontRef>
+        </p:style>
+        <p:txBody>
+          <a:bodyPr rtlCol="0" anchor="ctr"/>
+          <a:lstStyle/>
+          <a:p>
+            <a:pPr algn="ctr"/>
+            <a:endParaRPr lang="en-US"/>
+          </a:p>
+        </p:txBody>
+      </p:sp>
+      <p:sp>
+        <p:nvSpPr>
+          <p:cNvPr id="9" name="Right Brace 8">
+            <a:extLst>
+              <a:ext uri="{FF2B5EF4-FFF2-40B4-BE49-F238E27FC236}">
+                <a16:creationId xmlns:a16="http://schemas.microsoft.com/office/drawing/2014/main" id="{C647511A-E32A-A0E4-4465-16D99BF39974}"/>
+              </a:ext>
+            </a:extLst>
+          </p:cNvPr>
+          <p:cNvSpPr/>
+          <p:nvPr/>
+        </p:nvSpPr>
+        <p:spPr>
+          <a:xfrm>
+            <a:off x="8024327" y="2379305"/>
+            <a:ext cx="289249" cy="1049695"/>
+          </a:xfrm>
+          <a:prstGeom prst="rightBrace">
+            <a:avLst/>
+          </a:prstGeom>
+          <a:ln w="76200"/>
+        </p:spPr>
+        <p:style>
+          <a:lnRef idx="1">
+            <a:schemeClr val="accent1"/>
+          </a:lnRef>
+          <a:fillRef idx="0">
+            <a:schemeClr val="accent1"/>
+          </a:fillRef>
+          <a:effectRef idx="0">
+            <a:schemeClr val="accent1"/>
+          </a:effectRef>
+          <a:fontRef idx="minor">
+            <a:schemeClr val="tx1"/>
+          </a:fontRef>
+        </p:style>
+        <p:txBody>
+          <a:bodyPr rtlCol="0" anchor="ctr"/>
+          <a:lstStyle/>
+          <a:p>
+            <a:pPr algn="ctr"/>
+            <a:endParaRPr lang="en-US"/>
+          </a:p>
+        </p:txBody>
+      </p:sp>
+      <p:sp>
+        <p:nvSpPr>
+          <p:cNvPr id="10" name="TextBox 9">
+            <a:extLst>
+              <a:ext uri="{FF2B5EF4-FFF2-40B4-BE49-F238E27FC236}">
+                <a16:creationId xmlns:a16="http://schemas.microsoft.com/office/drawing/2014/main" id="{31880757-C986-EDB9-03CF-6D9CEB659913}"/>
+              </a:ext>
+            </a:extLst>
+          </p:cNvPr>
+          <p:cNvSpPr txBox="1"/>
+          <p:nvPr/>
+        </p:nvSpPr>
+        <p:spPr>
+          <a:xfrm>
+            <a:off x="4282751" y="2481943"/>
+            <a:ext cx="3629608" cy="1292662"/>
+          </a:xfrm>
+          <a:prstGeom prst="rect">
+            <a:avLst/>
+          </a:prstGeom>
+          <a:noFill/>
+        </p:spPr>
+        <p:txBody>
+          <a:bodyPr wrap="square" rtlCol="0">
+            <a:spAutoFit/>
+          </a:bodyPr>
+          <a:lstStyle/>
+          <a:p>
+            <a:r>
+              <a:rPr lang="en-IN" sz="1600" dirty="0"/>
+              <a:t>Authentication and Authorization</a:t>
+            </a:r>
+          </a:p>
+          <a:p>
+            <a:r>
+              <a:rPr lang="en-IN" sz="1600" dirty="0"/>
+              <a:t>Resource Based Execution</a:t>
+            </a:r>
+          </a:p>
+          <a:p>
+            <a:r>
+              <a:rPr lang="en-IN" sz="1600" dirty="0"/>
+              <a:t>Exceptions</a:t>
+            </a:r>
+          </a:p>
+          <a:p>
+            <a:r>
+              <a:rPr lang="en-US" sz="1600" dirty="0"/>
+              <a:t>Files</a:t>
+            </a:r>
+          </a:p>
+          <a:p>
+            <a:r>
+              <a:rPr lang="en-US" sz="1400" dirty="0"/>
+              <a:t>Any other custom Operations</a:t>
+            </a:r>
+          </a:p>
+        </p:txBody>
+      </p:sp>
+    </p:spTree>
+    <p:extLst>
+      <p:ext uri="{BB962C8B-B14F-4D97-AF65-F5344CB8AC3E}">
+        <p14:creationId xmlns:p14="http://schemas.microsoft.com/office/powerpoint/2010/main" val="2362691138"/>
+      </p:ext>
+    </p:extLst>
+  </p:cSld>
+  <p:clrMapOvr>
+    <a:masterClrMapping/>
+  </p:clrMapOvr>
+</p:sld>
+</file>
+
+<file path=ppt/slides/slide5.xml><?xml version="1.0" encoding="utf-8"?>
+<p:sld xmlns:a="http://schemas.openxmlformats.org/drawingml/2006/main" xmlns:r="http://schemas.openxmlformats.org/officeDocument/2006/relationships" xmlns:p="http://schemas.openxmlformats.org/presentationml/2006/main">
+  <p:cSld>
+    <p:spTree>
+      <p:nvGrpSpPr>
+        <p:cNvPr id="1" name=""/>
+        <p:cNvGrpSpPr/>
+        <p:nvPr/>
+      </p:nvGrpSpPr>
+      <p:grpSpPr>
+        <a:xfrm>
+          <a:off x="0" y="0"/>
+          <a:ext cx="0" cy="0"/>
+          <a:chOff x="0" y="0"/>
+          <a:chExt cx="0" cy="0"/>
+        </a:xfrm>
+      </p:grpSpPr>
+      <p:sp>
+        <p:nvSpPr>
+          <p:cNvPr id="2" name="Rectangle 1">
+            <a:extLst>
+              <a:ext uri="{FF2B5EF4-FFF2-40B4-BE49-F238E27FC236}">
+                <a16:creationId xmlns:a16="http://schemas.microsoft.com/office/drawing/2014/main" id="{B880BE46-927B-4306-83B2-675EC1F7D62C}"/>
+              </a:ext>
+            </a:extLst>
+          </p:cNvPr>
+          <p:cNvSpPr/>
+          <p:nvPr/>
+        </p:nvSpPr>
+        <p:spPr>
+          <a:xfrm>
+            <a:off x="1054359" y="634481"/>
+            <a:ext cx="10730204" cy="3219062"/>
+          </a:xfrm>
+          <a:prstGeom prst="rect">
+            <a:avLst/>
+          </a:prstGeom>
+        </p:spPr>
+        <p:style>
+          <a:lnRef idx="2">
+            <a:schemeClr val="dk1"/>
+          </a:lnRef>
+          <a:fillRef idx="1">
+            <a:schemeClr val="lt1"/>
+          </a:fillRef>
+          <a:effectRef idx="0">
+            <a:schemeClr val="dk1"/>
+          </a:effectRef>
+          <a:fontRef idx="minor">
+            <a:schemeClr val="dk1"/>
+          </a:fontRef>
+        </p:style>
+        <p:txBody>
+          <a:bodyPr rtlCol="0" anchor="ctr"/>
+          <a:lstStyle/>
+          <a:p>
+            <a:pPr algn="ctr"/>
+            <a:endParaRPr lang="en-US"/>
+          </a:p>
+        </p:txBody>
+      </p:sp>
+      <p:sp>
+        <p:nvSpPr>
+          <p:cNvPr id="3" name="TextBox 2">
+            <a:extLst>
+              <a:ext uri="{FF2B5EF4-FFF2-40B4-BE49-F238E27FC236}">
+                <a16:creationId xmlns:a16="http://schemas.microsoft.com/office/drawing/2014/main" id="{7A5BF5C4-ECB2-501D-0E73-22C32407BCF4}"/>
+              </a:ext>
+            </a:extLst>
+          </p:cNvPr>
+          <p:cNvSpPr txBox="1"/>
+          <p:nvPr/>
+        </p:nvSpPr>
+        <p:spPr>
+          <a:xfrm>
+            <a:off x="1380931" y="102637"/>
+            <a:ext cx="8024326" cy="382555"/>
+          </a:xfrm>
+          <a:prstGeom prst="rect">
+            <a:avLst/>
+          </a:prstGeom>
+          <a:noFill/>
+        </p:spPr>
+        <p:txBody>
+          <a:bodyPr wrap="square" rtlCol="0">
+            <a:spAutoFit/>
+          </a:bodyPr>
+          <a:lstStyle/>
+          <a:p>
+            <a:r>
+              <a:rPr lang="en-IN" dirty="0"/>
+              <a:t>The Services, The Dependency Container aka DI </a:t>
+            </a:r>
+            <a:endParaRPr lang="en-US" dirty="0"/>
+          </a:p>
+        </p:txBody>
+      </p:sp>
+      <p:sp>
+        <p:nvSpPr>
+          <p:cNvPr id="4" name="Rectangle: Rounded Corners 3">
+            <a:extLst>
+              <a:ext uri="{FF2B5EF4-FFF2-40B4-BE49-F238E27FC236}">
+                <a16:creationId xmlns:a16="http://schemas.microsoft.com/office/drawing/2014/main" id="{CF2FFC80-9342-AFB8-73B1-4CC6B2C076C2}"/>
+              </a:ext>
+            </a:extLst>
+          </p:cNvPr>
+          <p:cNvSpPr/>
+          <p:nvPr/>
+        </p:nvSpPr>
+        <p:spPr>
+          <a:xfrm>
+            <a:off x="1194317" y="765110"/>
+            <a:ext cx="1502229" cy="531845"/>
+          </a:xfrm>
+          <a:prstGeom prst="roundRect">
+            <a:avLst/>
+          </a:prstGeom>
+        </p:spPr>
+        <p:style>
+          <a:lnRef idx="2">
+            <a:schemeClr val="accent1">
+              <a:shade val="50000"/>
+            </a:schemeClr>
+          </a:lnRef>
+          <a:fillRef idx="1">
+            <a:schemeClr val="accent1"/>
+          </a:fillRef>
+          <a:effectRef idx="0">
+            <a:schemeClr val="accent1"/>
+          </a:effectRef>
+          <a:fontRef idx="minor">
+            <a:schemeClr val="lt1"/>
+          </a:fontRef>
+        </p:style>
+        <p:txBody>
+          <a:bodyPr rtlCol="0" anchor="ctr"/>
+          <a:lstStyle/>
+          <a:p>
+            <a:pPr algn="ctr"/>
+            <a:r>
+              <a:rPr lang="en-IN" dirty="0"/>
+              <a:t>DataContext</a:t>
+            </a:r>
+            <a:endParaRPr lang="en-US" dirty="0"/>
+          </a:p>
+        </p:txBody>
+      </p:sp>
+      <p:sp>
+        <p:nvSpPr>
+          <p:cNvPr id="5" name="Rectangle: Rounded Corners 4">
+            <a:extLst>
+              <a:ext uri="{FF2B5EF4-FFF2-40B4-BE49-F238E27FC236}">
+                <a16:creationId xmlns:a16="http://schemas.microsoft.com/office/drawing/2014/main" id="{93208705-7A0E-ED8C-26F5-F604C22841DD}"/>
+              </a:ext>
+            </a:extLst>
+          </p:cNvPr>
+          <p:cNvSpPr/>
+          <p:nvPr/>
+        </p:nvSpPr>
+        <p:spPr>
+          <a:xfrm>
+            <a:off x="2988905" y="765109"/>
+            <a:ext cx="1732385" cy="531845"/>
+          </a:xfrm>
+          <a:prstGeom prst="roundRect">
+            <a:avLst/>
+          </a:prstGeom>
+        </p:spPr>
+        <p:style>
+          <a:lnRef idx="2">
+            <a:schemeClr val="accent1">
+              <a:shade val="50000"/>
+            </a:schemeClr>
+          </a:lnRef>
+          <a:fillRef idx="1">
+            <a:schemeClr val="accent1"/>
+          </a:fillRef>
+          <a:effectRef idx="0">
+            <a:schemeClr val="accent1"/>
+          </a:effectRef>
+          <a:fontRef idx="minor">
+            <a:schemeClr val="lt1"/>
+          </a:fontRef>
+        </p:style>
+        <p:txBody>
+          <a:bodyPr rtlCol="0" anchor="ctr"/>
+          <a:lstStyle/>
+          <a:p>
+            <a:pPr algn="ctr"/>
+            <a:r>
+              <a:rPr lang="en-IN" dirty="0"/>
+              <a:t>Authentication</a:t>
+            </a:r>
+            <a:endParaRPr lang="en-US" dirty="0"/>
+          </a:p>
+        </p:txBody>
+      </p:sp>
+      <p:sp>
+        <p:nvSpPr>
+          <p:cNvPr id="6" name="Rectangle: Rounded Corners 5">
+            <a:extLst>
+              <a:ext uri="{FF2B5EF4-FFF2-40B4-BE49-F238E27FC236}">
+                <a16:creationId xmlns:a16="http://schemas.microsoft.com/office/drawing/2014/main" id="{9C563572-89BB-ADB2-05C4-B52B6D196CD4}"/>
+              </a:ext>
+            </a:extLst>
+          </p:cNvPr>
+          <p:cNvSpPr/>
+          <p:nvPr/>
+        </p:nvSpPr>
+        <p:spPr>
+          <a:xfrm>
+            <a:off x="5138056" y="765109"/>
+            <a:ext cx="1732385" cy="531845"/>
+          </a:xfrm>
+          <a:prstGeom prst="roundRect">
+            <a:avLst/>
+          </a:prstGeom>
+        </p:spPr>
+        <p:style>
+          <a:lnRef idx="2">
+            <a:schemeClr val="accent1">
+              <a:shade val="50000"/>
+            </a:schemeClr>
+          </a:lnRef>
+          <a:fillRef idx="1">
+            <a:schemeClr val="accent1"/>
+          </a:fillRef>
+          <a:effectRef idx="0">
+            <a:schemeClr val="accent1"/>
+          </a:effectRef>
+          <a:fontRef idx="minor">
+            <a:schemeClr val="lt1"/>
+          </a:fontRef>
+        </p:style>
+        <p:txBody>
+          <a:bodyPr rtlCol="0" anchor="ctr"/>
+          <a:lstStyle/>
+          <a:p>
+            <a:pPr algn="ctr"/>
+            <a:r>
+              <a:rPr lang="en-IN" dirty="0"/>
+              <a:t>Authorization</a:t>
+            </a:r>
+          </a:p>
+          <a:p>
+            <a:pPr algn="ctr"/>
+            <a:r>
+              <a:rPr lang="en-IN" dirty="0"/>
+              <a:t>Identity + Token</a:t>
+            </a:r>
+            <a:endParaRPr lang="en-US" dirty="0"/>
+          </a:p>
+        </p:txBody>
+      </p:sp>
+      <p:sp>
+        <p:nvSpPr>
+          <p:cNvPr id="7" name="Rectangle: Rounded Corners 6">
+            <a:extLst>
+              <a:ext uri="{FF2B5EF4-FFF2-40B4-BE49-F238E27FC236}">
+                <a16:creationId xmlns:a16="http://schemas.microsoft.com/office/drawing/2014/main" id="{569EDAED-E3A8-0E1E-0089-2C018E2968D0}"/>
+              </a:ext>
+            </a:extLst>
+          </p:cNvPr>
+          <p:cNvSpPr/>
+          <p:nvPr/>
+        </p:nvSpPr>
+        <p:spPr>
+          <a:xfrm>
+            <a:off x="7203232" y="765109"/>
+            <a:ext cx="1732385" cy="531845"/>
+          </a:xfrm>
+          <a:prstGeom prst="roundRect">
+            <a:avLst/>
+          </a:prstGeom>
+        </p:spPr>
+        <p:style>
+          <a:lnRef idx="2">
+            <a:schemeClr val="accent1">
+              <a:shade val="50000"/>
+            </a:schemeClr>
+          </a:lnRef>
+          <a:fillRef idx="1">
+            <a:schemeClr val="accent1"/>
+          </a:fillRef>
+          <a:effectRef idx="0">
+            <a:schemeClr val="accent1"/>
+          </a:effectRef>
+          <a:fontRef idx="minor">
+            <a:schemeClr val="lt1"/>
+          </a:fontRef>
+        </p:style>
+        <p:txBody>
+          <a:bodyPr rtlCol="0" anchor="ctr"/>
+          <a:lstStyle/>
+          <a:p>
+            <a:pPr algn="ctr"/>
+            <a:r>
+              <a:rPr lang="en-IN" dirty="0"/>
+              <a:t>Session</a:t>
+            </a:r>
+            <a:endParaRPr lang="en-US" dirty="0"/>
+          </a:p>
+        </p:txBody>
+      </p:sp>
+      <p:sp>
+        <p:nvSpPr>
+          <p:cNvPr id="8" name="Rectangle: Rounded Corners 7">
+            <a:extLst>
+              <a:ext uri="{FF2B5EF4-FFF2-40B4-BE49-F238E27FC236}">
+                <a16:creationId xmlns:a16="http://schemas.microsoft.com/office/drawing/2014/main" id="{0E9728EE-B5B5-92C3-7722-777858190876}"/>
+              </a:ext>
+            </a:extLst>
+          </p:cNvPr>
+          <p:cNvSpPr/>
+          <p:nvPr/>
+        </p:nvSpPr>
+        <p:spPr>
+          <a:xfrm>
+            <a:off x="9072465" y="765108"/>
+            <a:ext cx="1732385" cy="531845"/>
+          </a:xfrm>
+          <a:prstGeom prst="roundRect">
+            <a:avLst/>
+          </a:prstGeom>
+        </p:spPr>
+        <p:style>
+          <a:lnRef idx="2">
+            <a:schemeClr val="accent1">
+              <a:shade val="50000"/>
+            </a:schemeClr>
+          </a:lnRef>
+          <a:fillRef idx="1">
+            <a:schemeClr val="accent1"/>
+          </a:fillRef>
+          <a:effectRef idx="0">
+            <a:schemeClr val="accent1"/>
+          </a:effectRef>
+          <a:fontRef idx="minor">
+            <a:schemeClr val="lt1"/>
+          </a:fontRef>
+        </p:style>
+        <p:txBody>
+          <a:bodyPr rtlCol="0" anchor="ctr"/>
+          <a:lstStyle/>
+          <a:p>
+            <a:pPr algn="ctr"/>
+            <a:r>
+              <a:rPr lang="en-IN" dirty="0"/>
+              <a:t>CORS</a:t>
+            </a:r>
+            <a:endParaRPr lang="en-US" dirty="0"/>
+          </a:p>
+        </p:txBody>
+      </p:sp>
+      <p:sp>
+        <p:nvSpPr>
+          <p:cNvPr id="9" name="Rectangle: Rounded Corners 8">
+            <a:extLst>
+              <a:ext uri="{FF2B5EF4-FFF2-40B4-BE49-F238E27FC236}">
+                <a16:creationId xmlns:a16="http://schemas.microsoft.com/office/drawing/2014/main" id="{92870C47-40D0-6F18-E2B7-BA2D2577A033}"/>
+              </a:ext>
+            </a:extLst>
+          </p:cNvPr>
+          <p:cNvSpPr/>
+          <p:nvPr/>
+        </p:nvSpPr>
+        <p:spPr>
+          <a:xfrm>
+            <a:off x="9072465" y="1520889"/>
+            <a:ext cx="1732385" cy="531845"/>
+          </a:xfrm>
+          <a:prstGeom prst="roundRect">
+            <a:avLst/>
+          </a:prstGeom>
+        </p:spPr>
+        <p:style>
+          <a:lnRef idx="2">
+            <a:schemeClr val="accent1">
+              <a:shade val="50000"/>
+            </a:schemeClr>
+          </a:lnRef>
+          <a:fillRef idx="1">
+            <a:schemeClr val="accent1"/>
+          </a:fillRef>
+          <a:effectRef idx="0">
+            <a:schemeClr val="accent1"/>
+          </a:effectRef>
+          <a:fontRef idx="minor">
+            <a:schemeClr val="lt1"/>
+          </a:fontRef>
+        </p:style>
+        <p:txBody>
+          <a:bodyPr rtlCol="0" anchor="ctr"/>
+          <a:lstStyle/>
+          <a:p>
+            <a:pPr algn="ctr"/>
+            <a:r>
+              <a:rPr lang="en-IN" dirty="0"/>
+              <a:t>Caching</a:t>
+            </a:r>
+            <a:endParaRPr lang="en-US" dirty="0"/>
+          </a:p>
+        </p:txBody>
+      </p:sp>
+      <p:sp>
+        <p:nvSpPr>
+          <p:cNvPr id="10" name="Rectangle: Rounded Corners 9">
+            <a:extLst>
+              <a:ext uri="{FF2B5EF4-FFF2-40B4-BE49-F238E27FC236}">
+                <a16:creationId xmlns:a16="http://schemas.microsoft.com/office/drawing/2014/main" id="{24667838-4472-92A9-3CEA-180446F53BDE}"/>
+              </a:ext>
+            </a:extLst>
+          </p:cNvPr>
+          <p:cNvSpPr/>
+          <p:nvPr/>
+        </p:nvSpPr>
+        <p:spPr>
+          <a:xfrm>
+            <a:off x="6870441" y="1520889"/>
+            <a:ext cx="1732385" cy="531845"/>
+          </a:xfrm>
+          <a:prstGeom prst="roundRect">
+            <a:avLst/>
+          </a:prstGeom>
+        </p:spPr>
+        <p:style>
+          <a:lnRef idx="2">
+            <a:schemeClr val="accent1">
+              <a:shade val="50000"/>
+            </a:schemeClr>
+          </a:lnRef>
+          <a:fillRef idx="1">
+            <a:schemeClr val="accent1"/>
+          </a:fillRef>
+          <a:effectRef idx="0">
+            <a:schemeClr val="accent1"/>
+          </a:effectRef>
+          <a:fontRef idx="minor">
+            <a:schemeClr val="lt1"/>
+          </a:fontRef>
+        </p:style>
+        <p:txBody>
+          <a:bodyPr rtlCol="0" anchor="ctr"/>
+          <a:lstStyle/>
+          <a:p>
+            <a:pPr algn="ctr"/>
+            <a:r>
+              <a:rPr lang="en-IN" dirty="0"/>
+              <a:t>Swagger</a:t>
+            </a:r>
+            <a:endParaRPr lang="en-US" dirty="0"/>
+          </a:p>
+        </p:txBody>
+      </p:sp>
+      <p:sp>
+        <p:nvSpPr>
+          <p:cNvPr id="11" name="Rectangle: Rounded Corners 10">
+            <a:extLst>
+              <a:ext uri="{FF2B5EF4-FFF2-40B4-BE49-F238E27FC236}">
+                <a16:creationId xmlns:a16="http://schemas.microsoft.com/office/drawing/2014/main" id="{74F6E363-9D63-7874-58E4-21B58C401060}"/>
+              </a:ext>
+            </a:extLst>
+          </p:cNvPr>
+          <p:cNvSpPr/>
+          <p:nvPr/>
+        </p:nvSpPr>
+        <p:spPr>
+          <a:xfrm>
+            <a:off x="4182447" y="1520888"/>
+            <a:ext cx="2278225" cy="531845"/>
+          </a:xfrm>
+          <a:prstGeom prst="roundRect">
+            <a:avLst/>
+          </a:prstGeom>
+        </p:spPr>
+        <p:style>
+          <a:lnRef idx="2">
+            <a:schemeClr val="accent1">
+              <a:shade val="50000"/>
+            </a:schemeClr>
+          </a:lnRef>
+          <a:fillRef idx="1">
+            <a:schemeClr val="accent1"/>
+          </a:fillRef>
+          <a:effectRef idx="0">
+            <a:schemeClr val="accent1"/>
+          </a:effectRef>
+          <a:fontRef idx="minor">
+            <a:schemeClr val="lt1"/>
+          </a:fontRef>
+        </p:style>
+        <p:txBody>
+          <a:bodyPr rtlCol="0" anchor="ctr"/>
+          <a:lstStyle/>
+          <a:p>
+            <a:pPr algn="ctr"/>
+            <a:r>
+              <a:rPr lang="en-IN" dirty="0"/>
+              <a:t>Custom Application</a:t>
+            </a:r>
+          </a:p>
+          <a:p>
+            <a:pPr algn="ctr"/>
+            <a:r>
+              <a:rPr lang="en-IN" dirty="0"/>
+              <a:t>Services</a:t>
+            </a:r>
+            <a:endParaRPr lang="en-US" dirty="0"/>
+          </a:p>
+        </p:txBody>
+      </p:sp>
+      <p:sp>
+        <p:nvSpPr>
+          <p:cNvPr id="12" name="Rectangle: Rounded Corners 11">
+            <a:extLst>
+              <a:ext uri="{FF2B5EF4-FFF2-40B4-BE49-F238E27FC236}">
+                <a16:creationId xmlns:a16="http://schemas.microsoft.com/office/drawing/2014/main" id="{5C687C5B-F401-638C-2CBA-7648BEC4937A}"/>
+              </a:ext>
+            </a:extLst>
+          </p:cNvPr>
+          <p:cNvSpPr/>
+          <p:nvPr/>
+        </p:nvSpPr>
+        <p:spPr>
+          <a:xfrm>
+            <a:off x="1190819" y="1520887"/>
+            <a:ext cx="2855169" cy="681137"/>
+          </a:xfrm>
+          <a:prstGeom prst="roundRect">
+            <a:avLst/>
+          </a:prstGeom>
+        </p:spPr>
+        <p:style>
+          <a:lnRef idx="2">
+            <a:schemeClr val="accent1">
+              <a:shade val="50000"/>
+            </a:schemeClr>
+          </a:lnRef>
+          <a:fillRef idx="1">
+            <a:schemeClr val="accent1"/>
+          </a:fillRef>
+          <a:effectRef idx="0">
+            <a:schemeClr val="accent1"/>
+          </a:effectRef>
+          <a:fontRef idx="minor">
+            <a:schemeClr val="lt1"/>
+          </a:fontRef>
+        </p:style>
+        <p:txBody>
+          <a:bodyPr rtlCol="0" anchor="ctr"/>
+          <a:lstStyle/>
+          <a:p>
+            <a:pPr algn="ctr"/>
+            <a:r>
+              <a:rPr lang="en-IN" dirty="0"/>
+              <a:t>Third Party ASP.NET Core Services e.g. RabbitMQ </a:t>
+            </a:r>
+            <a:endParaRPr lang="en-US" dirty="0"/>
+          </a:p>
+        </p:txBody>
+      </p:sp>
+      <p:sp>
+        <p:nvSpPr>
+          <p:cNvPr id="13" name="Rectangle 12">
+            <a:extLst>
+              <a:ext uri="{FF2B5EF4-FFF2-40B4-BE49-F238E27FC236}">
+                <a16:creationId xmlns:a16="http://schemas.microsoft.com/office/drawing/2014/main" id="{60242E27-044F-0473-5763-34640D2039BF}"/>
+              </a:ext>
+            </a:extLst>
+          </p:cNvPr>
+          <p:cNvSpPr/>
+          <p:nvPr/>
+        </p:nvSpPr>
+        <p:spPr>
+          <a:xfrm>
+            <a:off x="1190819" y="2444620"/>
+            <a:ext cx="10500438" cy="1240972"/>
+          </a:xfrm>
+          <a:prstGeom prst="rect">
+            <a:avLst/>
+          </a:prstGeom>
+        </p:spPr>
+        <p:style>
+          <a:lnRef idx="1">
+            <a:schemeClr val="accent4"/>
+          </a:lnRef>
+          <a:fillRef idx="2">
+            <a:schemeClr val="accent4"/>
+          </a:fillRef>
+          <a:effectRef idx="1">
+            <a:schemeClr val="accent4"/>
+          </a:effectRef>
+          <a:fontRef idx="minor">
+            <a:schemeClr val="dk1"/>
+          </a:fontRef>
+        </p:style>
+        <p:txBody>
+          <a:bodyPr rtlCol="0" anchor="ctr"/>
+          <a:lstStyle/>
+          <a:p>
+            <a:pPr algn="ctr"/>
+            <a:endParaRPr lang="en-US"/>
+          </a:p>
+        </p:txBody>
+      </p:sp>
+      <p:sp>
+        <p:nvSpPr>
+          <p:cNvPr id="14" name="Rectangle 13">
+            <a:extLst>
+              <a:ext uri="{FF2B5EF4-FFF2-40B4-BE49-F238E27FC236}">
+                <a16:creationId xmlns:a16="http://schemas.microsoft.com/office/drawing/2014/main" id="{F7353A9F-ACBB-EBF2-3763-907A4DF6686E}"/>
+              </a:ext>
+            </a:extLst>
+          </p:cNvPr>
+          <p:cNvSpPr/>
+          <p:nvPr/>
+        </p:nvSpPr>
+        <p:spPr>
+          <a:xfrm>
+            <a:off x="1380931" y="2528596"/>
+            <a:ext cx="2388636" cy="1073020"/>
+          </a:xfrm>
+          <a:prstGeom prst="rect">
+            <a:avLst/>
+          </a:prstGeom>
+        </p:spPr>
+        <p:style>
+          <a:lnRef idx="2">
+            <a:schemeClr val="accent1">
+              <a:shade val="50000"/>
+            </a:schemeClr>
+          </a:lnRef>
+          <a:fillRef idx="1">
+            <a:schemeClr val="accent1"/>
+          </a:fillRef>
+          <a:effectRef idx="0">
+            <a:schemeClr val="accent1"/>
+          </a:effectRef>
+          <a:fontRef idx="minor">
+            <a:schemeClr val="lt1"/>
+          </a:fontRef>
+        </p:style>
+        <p:txBody>
+          <a:bodyPr rtlCol="0" anchor="ctr"/>
+          <a:lstStyle/>
+          <a:p>
+            <a:pPr algn="ctr"/>
+            <a:r>
+              <a:rPr lang="en-IN" dirty="0" err="1"/>
+              <a:t>AddControllers</a:t>
+            </a:r>
+            <a:r>
+              <a:rPr lang="en-IN" dirty="0"/>
+              <a:t>()</a:t>
+            </a:r>
+          </a:p>
+          <a:p>
+            <a:pPr algn="ctr"/>
+            <a:endParaRPr lang="en-IN" dirty="0"/>
+          </a:p>
+          <a:p>
+            <a:pPr algn="ctr"/>
+            <a:r>
+              <a:rPr lang="en-IN" dirty="0"/>
+              <a:t>Processing for API Controllers</a:t>
+            </a:r>
+            <a:endParaRPr lang="en-US" dirty="0"/>
+          </a:p>
+        </p:txBody>
+      </p:sp>
+      <p:sp>
+        <p:nvSpPr>
+          <p:cNvPr id="15" name="Rectangle 14">
+            <a:extLst>
+              <a:ext uri="{FF2B5EF4-FFF2-40B4-BE49-F238E27FC236}">
+                <a16:creationId xmlns:a16="http://schemas.microsoft.com/office/drawing/2014/main" id="{A49F36E5-A1E3-B18D-716C-25B4607B3A4F}"/>
+              </a:ext>
+            </a:extLst>
+          </p:cNvPr>
+          <p:cNvSpPr/>
+          <p:nvPr/>
+        </p:nvSpPr>
+        <p:spPr>
+          <a:xfrm>
+            <a:off x="3855097" y="2551920"/>
+            <a:ext cx="3519586" cy="1073020"/>
+          </a:xfrm>
+          <a:prstGeom prst="rect">
+            <a:avLst/>
+          </a:prstGeom>
+        </p:spPr>
+        <p:style>
+          <a:lnRef idx="2">
+            <a:schemeClr val="accent1">
+              <a:shade val="50000"/>
+            </a:schemeClr>
+          </a:lnRef>
+          <a:fillRef idx="1">
+            <a:schemeClr val="accent1"/>
+          </a:fillRef>
+          <a:effectRef idx="0">
+            <a:schemeClr val="accent1"/>
+          </a:effectRef>
+          <a:fontRef idx="minor">
+            <a:schemeClr val="lt1"/>
+          </a:fontRef>
+        </p:style>
+        <p:txBody>
+          <a:bodyPr rtlCol="0" anchor="ctr"/>
+          <a:lstStyle/>
+          <a:p>
+            <a:pPr algn="ctr"/>
+            <a:r>
+              <a:rPr lang="en-IN" sz="1600" dirty="0" err="1"/>
+              <a:t>AddControllersWithViews</a:t>
+            </a:r>
+            <a:r>
+              <a:rPr lang="en-IN" sz="1600" dirty="0"/>
+              <a:t>()</a:t>
+            </a:r>
+          </a:p>
+          <a:p>
+            <a:pPr algn="ctr"/>
+            <a:endParaRPr lang="en-IN" sz="1600" dirty="0"/>
+          </a:p>
+          <a:p>
+            <a:pPr algn="ctr"/>
+            <a:r>
+              <a:rPr lang="en-IN" sz="1600" dirty="0"/>
+              <a:t>Processing for MVC and API Controllers and They Returns MVC Vies</a:t>
+            </a:r>
+            <a:endParaRPr lang="en-US" sz="1600" dirty="0"/>
+          </a:p>
+        </p:txBody>
+      </p:sp>
+      <p:sp>
+        <p:nvSpPr>
+          <p:cNvPr id="16" name="Rectangle 15">
+            <a:extLst>
+              <a:ext uri="{FF2B5EF4-FFF2-40B4-BE49-F238E27FC236}">
+                <a16:creationId xmlns:a16="http://schemas.microsoft.com/office/drawing/2014/main" id="{9CF40859-0FC2-EA16-A9CF-84B8D9CB6048}"/>
+              </a:ext>
+            </a:extLst>
+          </p:cNvPr>
+          <p:cNvSpPr/>
+          <p:nvPr/>
+        </p:nvSpPr>
+        <p:spPr>
+          <a:xfrm>
+            <a:off x="7568683" y="2542589"/>
+            <a:ext cx="2388636" cy="1073020"/>
+          </a:xfrm>
+          <a:prstGeom prst="rect">
+            <a:avLst/>
+          </a:prstGeom>
+        </p:spPr>
+        <p:style>
+          <a:lnRef idx="2">
+            <a:schemeClr val="accent1">
+              <a:shade val="50000"/>
+            </a:schemeClr>
+          </a:lnRef>
+          <a:fillRef idx="1">
+            <a:schemeClr val="accent1"/>
+          </a:fillRef>
+          <a:effectRef idx="0">
+            <a:schemeClr val="accent1"/>
+          </a:effectRef>
+          <a:fontRef idx="minor">
+            <a:schemeClr val="lt1"/>
+          </a:fontRef>
+        </p:style>
+        <p:txBody>
+          <a:bodyPr rtlCol="0" anchor="ctr"/>
+          <a:lstStyle/>
+          <a:p>
+            <a:pPr algn="ctr"/>
+            <a:r>
+              <a:rPr lang="en-IN" dirty="0" err="1"/>
+              <a:t>AddRazorPages</a:t>
+            </a:r>
+            <a:r>
+              <a:rPr lang="en-IN" dirty="0"/>
+              <a:t>()</a:t>
+            </a:r>
+          </a:p>
+          <a:p>
+            <a:pPr algn="ctr"/>
+            <a:endParaRPr lang="en-IN" dirty="0"/>
+          </a:p>
+          <a:p>
+            <a:pPr algn="ctr"/>
+            <a:r>
+              <a:rPr lang="en-IN" dirty="0"/>
+              <a:t>Processing for Razor Web Pages</a:t>
+            </a:r>
+            <a:endParaRPr lang="en-US" dirty="0"/>
+          </a:p>
+        </p:txBody>
+      </p:sp>
+      <p:sp>
+        <p:nvSpPr>
+          <p:cNvPr id="17" name="Rectangle 16">
+            <a:extLst>
+              <a:ext uri="{FF2B5EF4-FFF2-40B4-BE49-F238E27FC236}">
+                <a16:creationId xmlns:a16="http://schemas.microsoft.com/office/drawing/2014/main" id="{649CA675-FAC4-46CD-F908-813B5D1AC0C1}"/>
+              </a:ext>
+            </a:extLst>
+          </p:cNvPr>
+          <p:cNvSpPr/>
+          <p:nvPr/>
+        </p:nvSpPr>
+        <p:spPr>
+          <a:xfrm>
+            <a:off x="363893" y="3965508"/>
+            <a:ext cx="11551298" cy="2220686"/>
+          </a:xfrm>
+          <a:prstGeom prst="rect">
+            <a:avLst/>
+          </a:prstGeom>
+        </p:spPr>
+        <p:style>
+          <a:lnRef idx="1">
+            <a:schemeClr val="accent3"/>
+          </a:lnRef>
+          <a:fillRef idx="2">
+            <a:schemeClr val="accent3"/>
+          </a:fillRef>
+          <a:effectRef idx="1">
+            <a:schemeClr val="accent3"/>
+          </a:effectRef>
+          <a:fontRef idx="minor">
+            <a:schemeClr val="dk1"/>
+          </a:fontRef>
+        </p:style>
+        <p:txBody>
+          <a:bodyPr rtlCol="0" anchor="ctr"/>
+          <a:lstStyle/>
+          <a:p>
+            <a:pPr algn="ctr"/>
+            <a:endParaRPr lang="en-US"/>
+          </a:p>
+        </p:txBody>
+      </p:sp>
+      <p:sp>
+        <p:nvSpPr>
+          <p:cNvPr id="18" name="Left Brace 17">
+            <a:extLst>
+              <a:ext uri="{FF2B5EF4-FFF2-40B4-BE49-F238E27FC236}">
+                <a16:creationId xmlns:a16="http://schemas.microsoft.com/office/drawing/2014/main" id="{46D9CB68-CE4E-66AA-395B-AF6C46919B93}"/>
+              </a:ext>
+            </a:extLst>
+          </p:cNvPr>
+          <p:cNvSpPr/>
+          <p:nvPr/>
+        </p:nvSpPr>
+        <p:spPr>
+          <a:xfrm>
+            <a:off x="0" y="4002833"/>
+            <a:ext cx="307910" cy="2220686"/>
+          </a:xfrm>
+          <a:prstGeom prst="leftBrace">
+            <a:avLst/>
+          </a:prstGeom>
+          <a:ln w="57150"/>
+        </p:spPr>
+        <p:style>
+          <a:lnRef idx="1">
+            <a:schemeClr val="accent1"/>
+          </a:lnRef>
+          <a:fillRef idx="0">
+            <a:schemeClr val="accent1"/>
+          </a:fillRef>
+          <a:effectRef idx="0">
+            <a:schemeClr val="accent1"/>
+          </a:effectRef>
+          <a:fontRef idx="minor">
+            <a:schemeClr val="tx1"/>
+          </a:fontRef>
+        </p:style>
+        <p:txBody>
+          <a:bodyPr rtlCol="0" anchor="ctr"/>
+          <a:lstStyle/>
+          <a:p>
+            <a:pPr algn="ctr"/>
+            <a:endParaRPr lang="en-US"/>
+          </a:p>
+        </p:txBody>
+      </p:sp>
+      <p:sp>
+        <p:nvSpPr>
+          <p:cNvPr id="19" name="Rectangle 18">
+            <a:extLst>
+              <a:ext uri="{FF2B5EF4-FFF2-40B4-BE49-F238E27FC236}">
+                <a16:creationId xmlns:a16="http://schemas.microsoft.com/office/drawing/2014/main" id="{3A4B52F2-D2C4-2ED7-7D91-7D7362F3569B}"/>
+              </a:ext>
+            </a:extLst>
+          </p:cNvPr>
+          <p:cNvSpPr/>
+          <p:nvPr/>
+        </p:nvSpPr>
+        <p:spPr>
+          <a:xfrm>
+            <a:off x="447869" y="4054151"/>
+            <a:ext cx="1922107" cy="443204"/>
+          </a:xfrm>
+          <a:prstGeom prst="rect">
+            <a:avLst/>
+          </a:prstGeom>
+        </p:spPr>
+        <p:style>
+          <a:lnRef idx="2">
+            <a:schemeClr val="accent1">
+              <a:shade val="50000"/>
+            </a:schemeClr>
+          </a:lnRef>
+          <a:fillRef idx="1">
+            <a:schemeClr val="accent1"/>
+          </a:fillRef>
+          <a:effectRef idx="0">
+            <a:schemeClr val="accent1"/>
+          </a:effectRef>
+          <a:fontRef idx="minor">
+            <a:schemeClr val="lt1"/>
+          </a:fontRef>
+        </p:style>
+        <p:txBody>
+          <a:bodyPr rtlCol="0" anchor="ctr"/>
+          <a:lstStyle/>
+          <a:p>
+            <a:pPr algn="ctr"/>
+            <a:r>
+              <a:rPr lang="en-IN" dirty="0"/>
+              <a:t>Exception</a:t>
+            </a:r>
+            <a:endParaRPr lang="en-US" dirty="0"/>
+          </a:p>
+        </p:txBody>
+      </p:sp>
+      <p:sp>
+        <p:nvSpPr>
+          <p:cNvPr id="20" name="Rectangle 19">
+            <a:extLst>
+              <a:ext uri="{FF2B5EF4-FFF2-40B4-BE49-F238E27FC236}">
+                <a16:creationId xmlns:a16="http://schemas.microsoft.com/office/drawing/2014/main" id="{B8A1A34A-0531-27E9-B2D0-597C022F5D4C}"/>
+              </a:ext>
+            </a:extLst>
+          </p:cNvPr>
+          <p:cNvSpPr/>
+          <p:nvPr/>
+        </p:nvSpPr>
+        <p:spPr>
+          <a:xfrm>
+            <a:off x="2696546" y="4077475"/>
+            <a:ext cx="1922107" cy="443204"/>
+          </a:xfrm>
+          <a:prstGeom prst="rect">
+            <a:avLst/>
+          </a:prstGeom>
+        </p:spPr>
+        <p:style>
+          <a:lnRef idx="2">
+            <a:schemeClr val="accent1">
+              <a:shade val="50000"/>
+            </a:schemeClr>
+          </a:lnRef>
+          <a:fillRef idx="1">
+            <a:schemeClr val="accent1"/>
+          </a:fillRef>
+          <a:effectRef idx="0">
+            <a:schemeClr val="accent1"/>
+          </a:effectRef>
+          <a:fontRef idx="minor">
+            <a:schemeClr val="lt1"/>
+          </a:fontRef>
+        </p:style>
+        <p:txBody>
+          <a:bodyPr rtlCol="0" anchor="ctr"/>
+          <a:lstStyle/>
+          <a:p>
+            <a:pPr algn="ctr"/>
+            <a:r>
+              <a:rPr lang="en-IN" dirty="0" err="1"/>
+              <a:t>HTTPSRedirection</a:t>
+            </a:r>
+            <a:endParaRPr lang="en-US" dirty="0"/>
+          </a:p>
+        </p:txBody>
+      </p:sp>
+      <p:sp>
+        <p:nvSpPr>
+          <p:cNvPr id="21" name="Rectangle 20">
+            <a:extLst>
+              <a:ext uri="{FF2B5EF4-FFF2-40B4-BE49-F238E27FC236}">
+                <a16:creationId xmlns:a16="http://schemas.microsoft.com/office/drawing/2014/main" id="{3B1ACE82-F5D3-F3FF-2A2E-01DB23B3BCFB}"/>
+              </a:ext>
+            </a:extLst>
+          </p:cNvPr>
+          <p:cNvSpPr/>
+          <p:nvPr/>
+        </p:nvSpPr>
+        <p:spPr>
+          <a:xfrm>
+            <a:off x="5138056" y="4054151"/>
+            <a:ext cx="1654627" cy="443204"/>
+          </a:xfrm>
+          <a:prstGeom prst="rect">
+            <a:avLst/>
+          </a:prstGeom>
+        </p:spPr>
+        <p:style>
+          <a:lnRef idx="2">
+            <a:schemeClr val="accent1">
+              <a:shade val="50000"/>
+            </a:schemeClr>
+          </a:lnRef>
+          <a:fillRef idx="1">
+            <a:schemeClr val="accent1"/>
+          </a:fillRef>
+          <a:effectRef idx="0">
+            <a:schemeClr val="accent1"/>
+          </a:effectRef>
+          <a:fontRef idx="minor">
+            <a:schemeClr val="lt1"/>
+          </a:fontRef>
+        </p:style>
+        <p:txBody>
+          <a:bodyPr rtlCol="0" anchor="ctr"/>
+          <a:lstStyle/>
+          <a:p>
+            <a:pPr algn="ctr"/>
+            <a:r>
+              <a:rPr lang="en-IN" dirty="0"/>
+              <a:t>HSTS</a:t>
+            </a:r>
+            <a:endParaRPr lang="en-US" dirty="0"/>
+          </a:p>
+        </p:txBody>
+      </p:sp>
+      <p:sp>
+        <p:nvSpPr>
+          <p:cNvPr id="22" name="Rectangle 21">
+            <a:extLst>
+              <a:ext uri="{FF2B5EF4-FFF2-40B4-BE49-F238E27FC236}">
+                <a16:creationId xmlns:a16="http://schemas.microsoft.com/office/drawing/2014/main" id="{A8B732B3-F3D8-D5D4-84C1-1AD3F19FB582}"/>
+              </a:ext>
+            </a:extLst>
+          </p:cNvPr>
+          <p:cNvSpPr/>
+          <p:nvPr/>
+        </p:nvSpPr>
+        <p:spPr>
+          <a:xfrm>
+            <a:off x="9170440" y="4124133"/>
+            <a:ext cx="1654627" cy="443204"/>
+          </a:xfrm>
+          <a:prstGeom prst="rect">
+            <a:avLst/>
+          </a:prstGeom>
+        </p:spPr>
+        <p:style>
+          <a:lnRef idx="2">
+            <a:schemeClr val="accent1">
+              <a:shade val="50000"/>
+            </a:schemeClr>
+          </a:lnRef>
+          <a:fillRef idx="1">
+            <a:schemeClr val="accent1"/>
+          </a:fillRef>
+          <a:effectRef idx="0">
+            <a:schemeClr val="accent1"/>
+          </a:effectRef>
+          <a:fontRef idx="minor">
+            <a:schemeClr val="lt1"/>
+          </a:fontRef>
+        </p:style>
+        <p:txBody>
+          <a:bodyPr rtlCol="0" anchor="ctr"/>
+          <a:lstStyle/>
+          <a:p>
+            <a:pPr algn="ctr"/>
+            <a:r>
+              <a:rPr lang="en-IN" dirty="0"/>
+              <a:t>Routing</a:t>
+            </a:r>
+            <a:endParaRPr lang="en-US" dirty="0"/>
+          </a:p>
+        </p:txBody>
+      </p:sp>
+      <p:sp>
+        <p:nvSpPr>
+          <p:cNvPr id="23" name="Rectangle 22">
+            <a:extLst>
+              <a:ext uri="{FF2B5EF4-FFF2-40B4-BE49-F238E27FC236}">
+                <a16:creationId xmlns:a16="http://schemas.microsoft.com/office/drawing/2014/main" id="{716F49EB-BB21-BBB1-936B-580D9A07B1C6}"/>
+              </a:ext>
+            </a:extLst>
+          </p:cNvPr>
+          <p:cNvSpPr/>
+          <p:nvPr/>
+        </p:nvSpPr>
+        <p:spPr>
+          <a:xfrm>
+            <a:off x="7280990" y="4079808"/>
+            <a:ext cx="1654627" cy="443204"/>
+          </a:xfrm>
+          <a:prstGeom prst="rect">
+            <a:avLst/>
+          </a:prstGeom>
+        </p:spPr>
+        <p:style>
+          <a:lnRef idx="2">
+            <a:schemeClr val="accent1">
+              <a:shade val="50000"/>
+            </a:schemeClr>
+          </a:lnRef>
+          <a:fillRef idx="1">
+            <a:schemeClr val="accent1"/>
+          </a:fillRef>
+          <a:effectRef idx="0">
+            <a:schemeClr val="accent1"/>
+          </a:effectRef>
+          <a:fontRef idx="minor">
+            <a:schemeClr val="lt1"/>
+          </a:fontRef>
+        </p:style>
+        <p:txBody>
+          <a:bodyPr rtlCol="0" anchor="ctr"/>
+          <a:lstStyle/>
+          <a:p>
+            <a:pPr algn="ctr"/>
+            <a:r>
+              <a:rPr lang="en-IN" dirty="0" err="1"/>
+              <a:t>StaticFiles</a:t>
+            </a:r>
+            <a:endParaRPr lang="en-US" dirty="0"/>
+          </a:p>
+        </p:txBody>
+      </p:sp>
+      <p:sp>
+        <p:nvSpPr>
+          <p:cNvPr id="24" name="Rectangle 23">
+            <a:extLst>
+              <a:ext uri="{FF2B5EF4-FFF2-40B4-BE49-F238E27FC236}">
+                <a16:creationId xmlns:a16="http://schemas.microsoft.com/office/drawing/2014/main" id="{EFE1A778-5A19-4341-26AA-8E65A5752481}"/>
+              </a:ext>
+            </a:extLst>
+          </p:cNvPr>
+          <p:cNvSpPr/>
+          <p:nvPr/>
+        </p:nvSpPr>
+        <p:spPr>
+          <a:xfrm>
+            <a:off x="9187546" y="4814598"/>
+            <a:ext cx="1654627" cy="443204"/>
+          </a:xfrm>
+          <a:prstGeom prst="rect">
+            <a:avLst/>
+          </a:prstGeom>
+        </p:spPr>
+        <p:style>
+          <a:lnRef idx="2">
+            <a:schemeClr val="accent1">
+              <a:shade val="50000"/>
+            </a:schemeClr>
+          </a:lnRef>
+          <a:fillRef idx="1">
+            <a:schemeClr val="accent1"/>
+          </a:fillRef>
+          <a:effectRef idx="0">
+            <a:schemeClr val="accent1"/>
+          </a:effectRef>
+          <a:fontRef idx="minor">
+            <a:schemeClr val="lt1"/>
+          </a:fontRef>
+        </p:style>
+        <p:txBody>
+          <a:bodyPr rtlCol="0" anchor="ctr"/>
+          <a:lstStyle/>
+          <a:p>
+            <a:pPr algn="ctr"/>
+            <a:r>
+              <a:rPr lang="en-IN" dirty="0" err="1"/>
+              <a:t>UseSession</a:t>
+            </a:r>
+            <a:endParaRPr lang="en-US" dirty="0"/>
+          </a:p>
+        </p:txBody>
+      </p:sp>
+      <p:sp>
+        <p:nvSpPr>
+          <p:cNvPr id="25" name="Rectangle 24">
+            <a:extLst>
+              <a:ext uri="{FF2B5EF4-FFF2-40B4-BE49-F238E27FC236}">
+                <a16:creationId xmlns:a16="http://schemas.microsoft.com/office/drawing/2014/main" id="{9177904E-B153-3868-1F00-E9BD9B58F313}"/>
+              </a:ext>
+            </a:extLst>
+          </p:cNvPr>
+          <p:cNvSpPr/>
+          <p:nvPr/>
+        </p:nvSpPr>
+        <p:spPr>
+          <a:xfrm>
+            <a:off x="7089714" y="4823928"/>
+            <a:ext cx="1654627" cy="443204"/>
+          </a:xfrm>
+          <a:prstGeom prst="rect">
+            <a:avLst/>
+          </a:prstGeom>
+        </p:spPr>
+        <p:style>
+          <a:lnRef idx="2">
+            <a:schemeClr val="accent1">
+              <a:shade val="50000"/>
+            </a:schemeClr>
+          </a:lnRef>
+          <a:fillRef idx="1">
+            <a:schemeClr val="accent1"/>
+          </a:fillRef>
+          <a:effectRef idx="0">
+            <a:schemeClr val="accent1"/>
+          </a:effectRef>
+          <a:fontRef idx="minor">
+            <a:schemeClr val="lt1"/>
+          </a:fontRef>
+        </p:style>
+        <p:txBody>
+          <a:bodyPr rtlCol="0" anchor="ctr"/>
+          <a:lstStyle/>
+          <a:p>
+            <a:pPr algn="ctr"/>
+            <a:r>
+              <a:rPr lang="en-IN" dirty="0"/>
+              <a:t>CORS</a:t>
+            </a:r>
+            <a:endParaRPr lang="en-US" dirty="0"/>
+          </a:p>
+        </p:txBody>
+      </p:sp>
+      <p:sp>
+        <p:nvSpPr>
+          <p:cNvPr id="26" name="Rectangle 25">
+            <a:extLst>
+              <a:ext uri="{FF2B5EF4-FFF2-40B4-BE49-F238E27FC236}">
+                <a16:creationId xmlns:a16="http://schemas.microsoft.com/office/drawing/2014/main" id="{BE119ABD-24CA-52B9-4756-BB458335DC72}"/>
+              </a:ext>
+            </a:extLst>
+          </p:cNvPr>
+          <p:cNvSpPr/>
+          <p:nvPr/>
+        </p:nvSpPr>
+        <p:spPr>
+          <a:xfrm>
+            <a:off x="4909461" y="4814598"/>
+            <a:ext cx="1654627" cy="443204"/>
+          </a:xfrm>
+          <a:prstGeom prst="rect">
+            <a:avLst/>
+          </a:prstGeom>
+        </p:spPr>
+        <p:style>
+          <a:lnRef idx="2">
+            <a:schemeClr val="accent1">
+              <a:shade val="50000"/>
+            </a:schemeClr>
+          </a:lnRef>
+          <a:fillRef idx="1">
+            <a:schemeClr val="accent1"/>
+          </a:fillRef>
+          <a:effectRef idx="0">
+            <a:schemeClr val="accent1"/>
+          </a:effectRef>
+          <a:fontRef idx="minor">
+            <a:schemeClr val="lt1"/>
+          </a:fontRef>
+        </p:style>
+        <p:txBody>
+          <a:bodyPr rtlCol="0" anchor="ctr"/>
+          <a:lstStyle/>
+          <a:p>
+            <a:pPr algn="ctr"/>
+            <a:r>
+              <a:rPr lang="en-IN" dirty="0"/>
+              <a:t>Authentication</a:t>
+            </a:r>
+            <a:endParaRPr lang="en-US" dirty="0"/>
+          </a:p>
+        </p:txBody>
+      </p:sp>
+      <p:sp>
+        <p:nvSpPr>
+          <p:cNvPr id="27" name="Rectangle 26">
+            <a:extLst>
+              <a:ext uri="{FF2B5EF4-FFF2-40B4-BE49-F238E27FC236}">
+                <a16:creationId xmlns:a16="http://schemas.microsoft.com/office/drawing/2014/main" id="{19E25D3D-8930-6F75-863E-E393C01F693C}"/>
+              </a:ext>
+            </a:extLst>
+          </p:cNvPr>
+          <p:cNvSpPr/>
+          <p:nvPr/>
+        </p:nvSpPr>
+        <p:spPr>
+          <a:xfrm>
+            <a:off x="2527820" y="4814598"/>
+            <a:ext cx="1654627" cy="443204"/>
+          </a:xfrm>
+          <a:prstGeom prst="rect">
+            <a:avLst/>
+          </a:prstGeom>
+        </p:spPr>
+        <p:style>
+          <a:lnRef idx="2">
+            <a:schemeClr val="accent1">
+              <a:shade val="50000"/>
+            </a:schemeClr>
+          </a:lnRef>
+          <a:fillRef idx="1">
+            <a:schemeClr val="accent1"/>
+          </a:fillRef>
+          <a:effectRef idx="0">
+            <a:schemeClr val="accent1"/>
+          </a:effectRef>
+          <a:fontRef idx="minor">
+            <a:schemeClr val="lt1"/>
+          </a:fontRef>
+        </p:style>
+        <p:txBody>
+          <a:bodyPr rtlCol="0" anchor="ctr"/>
+          <a:lstStyle/>
+          <a:p>
+            <a:pPr algn="ctr"/>
+            <a:r>
+              <a:rPr lang="en-IN" dirty="0"/>
+              <a:t>Authorization</a:t>
+            </a:r>
+            <a:endParaRPr lang="en-US" dirty="0"/>
+          </a:p>
+        </p:txBody>
+      </p:sp>
+      <p:sp>
+        <p:nvSpPr>
+          <p:cNvPr id="28" name="Rectangle 27">
+            <a:extLst>
+              <a:ext uri="{FF2B5EF4-FFF2-40B4-BE49-F238E27FC236}">
+                <a16:creationId xmlns:a16="http://schemas.microsoft.com/office/drawing/2014/main" id="{F5075B72-E873-DA40-1B40-8FF1959D444D}"/>
+              </a:ext>
+            </a:extLst>
+          </p:cNvPr>
+          <p:cNvSpPr/>
+          <p:nvPr/>
+        </p:nvSpPr>
+        <p:spPr>
+          <a:xfrm>
+            <a:off x="905069" y="5495731"/>
+            <a:ext cx="5965372" cy="597159"/>
+          </a:xfrm>
+          <a:prstGeom prst="rect">
+            <a:avLst/>
+          </a:prstGeom>
+          <a:solidFill>
+            <a:schemeClr val="accent2">
+              <a:lumMod val="40000"/>
+              <a:lumOff val="60000"/>
+            </a:schemeClr>
+          </a:solidFill>
+        </p:spPr>
+        <p:style>
+          <a:lnRef idx="2">
+            <a:schemeClr val="accent1">
+              <a:shade val="50000"/>
+            </a:schemeClr>
+          </a:lnRef>
+          <a:fillRef idx="1">
+            <a:schemeClr val="accent1"/>
+          </a:fillRef>
+          <a:effectRef idx="0">
+            <a:schemeClr val="accent1"/>
+          </a:effectRef>
+          <a:fontRef idx="minor">
+            <a:schemeClr val="lt1"/>
+          </a:fontRef>
+        </p:style>
+        <p:txBody>
+          <a:bodyPr rtlCol="0" anchor="ctr"/>
+          <a:lstStyle/>
+          <a:p>
+            <a:pPr algn="ctr"/>
+            <a:endParaRPr lang="en-US"/>
+          </a:p>
+        </p:txBody>
+      </p:sp>
+      <p:sp>
+        <p:nvSpPr>
+          <p:cNvPr id="29" name="Rectangle 28">
+            <a:extLst>
+              <a:ext uri="{FF2B5EF4-FFF2-40B4-BE49-F238E27FC236}">
+                <a16:creationId xmlns:a16="http://schemas.microsoft.com/office/drawing/2014/main" id="{776AA5EF-66E6-8278-1C09-01A50951E7B6}"/>
+              </a:ext>
+            </a:extLst>
+          </p:cNvPr>
+          <p:cNvSpPr/>
+          <p:nvPr/>
+        </p:nvSpPr>
+        <p:spPr>
+          <a:xfrm>
+            <a:off x="1118117" y="5551721"/>
+            <a:ext cx="1654627" cy="443204"/>
+          </a:xfrm>
+          <a:prstGeom prst="rect">
+            <a:avLst/>
+          </a:prstGeom>
+        </p:spPr>
+        <p:style>
+          <a:lnRef idx="2">
+            <a:schemeClr val="accent1">
+              <a:shade val="50000"/>
+            </a:schemeClr>
+          </a:lnRef>
+          <a:fillRef idx="1">
+            <a:schemeClr val="accent1"/>
+          </a:fillRef>
+          <a:effectRef idx="0">
+            <a:schemeClr val="accent1"/>
+          </a:effectRef>
+          <a:fontRef idx="minor">
+            <a:schemeClr val="lt1"/>
+          </a:fontRef>
+        </p:style>
+        <p:txBody>
+          <a:bodyPr rtlCol="0" anchor="ctr"/>
+          <a:lstStyle/>
+          <a:p>
+            <a:pPr algn="ctr"/>
+            <a:r>
+              <a:rPr lang="en-IN" dirty="0"/>
+              <a:t>Custom 1</a:t>
+            </a:r>
+            <a:endParaRPr lang="en-US" dirty="0"/>
+          </a:p>
+        </p:txBody>
+      </p:sp>
+      <p:sp>
+        <p:nvSpPr>
+          <p:cNvPr id="30" name="Rectangle 29">
+            <a:extLst>
+              <a:ext uri="{FF2B5EF4-FFF2-40B4-BE49-F238E27FC236}">
+                <a16:creationId xmlns:a16="http://schemas.microsoft.com/office/drawing/2014/main" id="{E2BFEC0D-1ACF-DE08-55C8-AE6B7E7C2BCD}"/>
+              </a:ext>
+            </a:extLst>
+          </p:cNvPr>
+          <p:cNvSpPr/>
+          <p:nvPr/>
+        </p:nvSpPr>
+        <p:spPr>
+          <a:xfrm>
+            <a:off x="4739951" y="5572708"/>
+            <a:ext cx="1654627" cy="443204"/>
+          </a:xfrm>
+          <a:prstGeom prst="rect">
+            <a:avLst/>
+          </a:prstGeom>
+        </p:spPr>
+        <p:style>
+          <a:lnRef idx="2">
+            <a:schemeClr val="accent1">
+              <a:shade val="50000"/>
+            </a:schemeClr>
+          </a:lnRef>
+          <a:fillRef idx="1">
+            <a:schemeClr val="accent1"/>
+          </a:fillRef>
+          <a:effectRef idx="0">
+            <a:schemeClr val="accent1"/>
+          </a:effectRef>
+          <a:fontRef idx="minor">
+            <a:schemeClr val="lt1"/>
+          </a:fontRef>
+        </p:style>
+        <p:txBody>
+          <a:bodyPr rtlCol="0" anchor="ctr"/>
+          <a:lstStyle/>
+          <a:p>
+            <a:pPr algn="ctr"/>
+            <a:r>
+              <a:rPr lang="en-IN" dirty="0"/>
+              <a:t>Custom n</a:t>
+            </a:r>
+            <a:endParaRPr lang="en-US" dirty="0"/>
+          </a:p>
+        </p:txBody>
+      </p:sp>
+      <p:sp>
+        <p:nvSpPr>
+          <p:cNvPr id="31" name="Rectangle: Rounded Corners 30">
+            <a:extLst>
+              <a:ext uri="{FF2B5EF4-FFF2-40B4-BE49-F238E27FC236}">
+                <a16:creationId xmlns:a16="http://schemas.microsoft.com/office/drawing/2014/main" id="{35139688-2360-376D-4DA9-23D16A3904E7}"/>
+              </a:ext>
+            </a:extLst>
+          </p:cNvPr>
+          <p:cNvSpPr/>
+          <p:nvPr/>
+        </p:nvSpPr>
+        <p:spPr>
+          <a:xfrm>
+            <a:off x="7568683" y="6223519"/>
+            <a:ext cx="2247121" cy="531844"/>
+          </a:xfrm>
+          <a:prstGeom prst="roundRect">
+            <a:avLst/>
+          </a:prstGeom>
+        </p:spPr>
+        <p:style>
+          <a:lnRef idx="2">
+            <a:schemeClr val="accent1">
+              <a:shade val="50000"/>
+            </a:schemeClr>
+          </a:lnRef>
+          <a:fillRef idx="1">
+            <a:schemeClr val="accent1"/>
+          </a:fillRef>
+          <a:effectRef idx="0">
+            <a:schemeClr val="accent1"/>
+          </a:effectRef>
+          <a:fontRef idx="minor">
+            <a:schemeClr val="lt1"/>
+          </a:fontRef>
+        </p:style>
+        <p:txBody>
+          <a:bodyPr rtlCol="0" anchor="ctr"/>
+          <a:lstStyle/>
+          <a:p>
+            <a:pPr algn="ctr"/>
+            <a:r>
+              <a:rPr lang="en-IN" dirty="0"/>
+              <a:t>Controller’s Execution</a:t>
+            </a:r>
+            <a:endParaRPr lang="en-US" dirty="0"/>
+          </a:p>
+        </p:txBody>
+      </p:sp>
+      <p:cxnSp>
+        <p:nvCxnSpPr>
+          <p:cNvPr id="33" name="Connector: Elbow 32">
+            <a:extLst>
+              <a:ext uri="{FF2B5EF4-FFF2-40B4-BE49-F238E27FC236}">
+                <a16:creationId xmlns:a16="http://schemas.microsoft.com/office/drawing/2014/main" id="{3E316DD2-9C03-254C-227C-B88A6171F095}"/>
+              </a:ext>
+            </a:extLst>
+          </p:cNvPr>
+          <p:cNvCxnSpPr>
+            <a:stCxn id="2" idx="3"/>
+            <a:endCxn id="17" idx="1"/>
+          </p:cNvCxnSpPr>
+          <p:nvPr/>
+        </p:nvCxnSpPr>
+        <p:spPr>
+          <a:xfrm flipH="1">
+            <a:off x="363893" y="2244012"/>
+            <a:ext cx="11420670" cy="2831839"/>
+          </a:xfrm>
+          <a:prstGeom prst="bentConnector5">
+            <a:avLst>
+              <a:gd name="adj1" fmla="val -2002"/>
+              <a:gd name="adj2" fmla="val 58814"/>
+              <a:gd name="adj3" fmla="val 102002"/>
+            </a:avLst>
+          </a:prstGeom>
+          <a:ln w="57150">
+            <a:solidFill>
+              <a:srgbClr val="C00000"/>
+            </a:solidFill>
+            <a:tailEnd type="triangle"/>
+          </a:ln>
+        </p:spPr>
+        <p:style>
+          <a:lnRef idx="1">
+            <a:schemeClr val="accent1"/>
+          </a:lnRef>
+          <a:fillRef idx="0">
+            <a:schemeClr val="accent1"/>
+          </a:fillRef>
+          <a:effectRef idx="0">
+            <a:schemeClr val="accent1"/>
+          </a:effectRef>
+          <a:fontRef idx="minor">
+            <a:schemeClr val="tx1"/>
+          </a:fontRef>
+        </p:style>
+      </p:cxnSp>
+      <p:cxnSp>
+        <p:nvCxnSpPr>
+          <p:cNvPr id="35" name="Straight Arrow Connector 34">
+            <a:extLst>
+              <a:ext uri="{FF2B5EF4-FFF2-40B4-BE49-F238E27FC236}">
+                <a16:creationId xmlns:a16="http://schemas.microsoft.com/office/drawing/2014/main" id="{59CDC41A-4945-4961-A4C0-630D60F3B5FC}"/>
+              </a:ext>
+            </a:extLst>
+          </p:cNvPr>
+          <p:cNvCxnSpPr>
+            <a:stCxn id="19" idx="3"/>
+            <a:endCxn id="20" idx="1"/>
+          </p:cNvCxnSpPr>
+          <p:nvPr/>
+        </p:nvCxnSpPr>
+        <p:spPr>
+          <a:xfrm>
+            <a:off x="2369976" y="4275753"/>
+            <a:ext cx="326570" cy="23324"/>
+          </a:xfrm>
+          <a:prstGeom prst="straightConnector1">
+            <a:avLst/>
+          </a:prstGeom>
+          <a:ln w="28575">
+            <a:solidFill>
+              <a:srgbClr val="002060"/>
+            </a:solidFill>
+            <a:tailEnd type="triangle"/>
+          </a:ln>
+        </p:spPr>
+        <p:style>
+          <a:lnRef idx="1">
+            <a:schemeClr val="accent1"/>
+          </a:lnRef>
+          <a:fillRef idx="0">
+            <a:schemeClr val="accent1"/>
+          </a:fillRef>
+          <a:effectRef idx="0">
+            <a:schemeClr val="accent1"/>
+          </a:effectRef>
+          <a:fontRef idx="minor">
+            <a:schemeClr val="tx1"/>
+          </a:fontRef>
+        </p:style>
+      </p:cxnSp>
+      <p:cxnSp>
+        <p:nvCxnSpPr>
+          <p:cNvPr id="37" name="Straight Arrow Connector 36">
+            <a:extLst>
+              <a:ext uri="{FF2B5EF4-FFF2-40B4-BE49-F238E27FC236}">
+                <a16:creationId xmlns:a16="http://schemas.microsoft.com/office/drawing/2014/main" id="{DED480D6-9D00-477C-8E8E-AE28A709547E}"/>
+              </a:ext>
+            </a:extLst>
+          </p:cNvPr>
+          <p:cNvCxnSpPr>
+            <a:stCxn id="20" idx="3"/>
+            <a:endCxn id="21" idx="1"/>
+          </p:cNvCxnSpPr>
+          <p:nvPr/>
+        </p:nvCxnSpPr>
+        <p:spPr>
+          <a:xfrm flipV="1">
+            <a:off x="4618653" y="4275753"/>
+            <a:ext cx="519403" cy="23324"/>
+          </a:xfrm>
+          <a:prstGeom prst="straightConnector1">
+            <a:avLst/>
+          </a:prstGeom>
+          <a:ln w="28575">
+            <a:solidFill>
+              <a:srgbClr val="002060"/>
+            </a:solidFill>
+            <a:tailEnd type="triangle"/>
+          </a:ln>
+        </p:spPr>
+        <p:style>
+          <a:lnRef idx="1">
+            <a:schemeClr val="accent1"/>
+          </a:lnRef>
+          <a:fillRef idx="0">
+            <a:schemeClr val="accent1"/>
+          </a:fillRef>
+          <a:effectRef idx="0">
+            <a:schemeClr val="accent1"/>
+          </a:effectRef>
+          <a:fontRef idx="minor">
+            <a:schemeClr val="tx1"/>
+          </a:fontRef>
+        </p:style>
+      </p:cxnSp>
+      <p:cxnSp>
+        <p:nvCxnSpPr>
+          <p:cNvPr id="39" name="Straight Arrow Connector 38">
+            <a:extLst>
+              <a:ext uri="{FF2B5EF4-FFF2-40B4-BE49-F238E27FC236}">
+                <a16:creationId xmlns:a16="http://schemas.microsoft.com/office/drawing/2014/main" id="{0213D4AC-3793-B2E1-5034-6E11CC9E0EC7}"/>
+              </a:ext>
+            </a:extLst>
+          </p:cNvPr>
+          <p:cNvCxnSpPr>
+            <a:stCxn id="21" idx="3"/>
+            <a:endCxn id="23" idx="1"/>
+          </p:cNvCxnSpPr>
+          <p:nvPr/>
+        </p:nvCxnSpPr>
+        <p:spPr>
+          <a:xfrm>
+            <a:off x="6792683" y="4275753"/>
+            <a:ext cx="488307" cy="25657"/>
+          </a:xfrm>
+          <a:prstGeom prst="straightConnector1">
+            <a:avLst/>
+          </a:prstGeom>
+          <a:ln w="28575">
+            <a:solidFill>
+              <a:srgbClr val="002060"/>
+            </a:solidFill>
+            <a:tailEnd type="triangle"/>
+          </a:ln>
+        </p:spPr>
+        <p:style>
+          <a:lnRef idx="1">
+            <a:schemeClr val="accent1"/>
+          </a:lnRef>
+          <a:fillRef idx="0">
+            <a:schemeClr val="accent1"/>
+          </a:fillRef>
+          <a:effectRef idx="0">
+            <a:schemeClr val="accent1"/>
+          </a:effectRef>
+          <a:fontRef idx="minor">
+            <a:schemeClr val="tx1"/>
+          </a:fontRef>
+        </p:style>
+      </p:cxnSp>
+      <p:cxnSp>
+        <p:nvCxnSpPr>
+          <p:cNvPr id="41" name="Straight Arrow Connector 40">
+            <a:extLst>
+              <a:ext uri="{FF2B5EF4-FFF2-40B4-BE49-F238E27FC236}">
+                <a16:creationId xmlns:a16="http://schemas.microsoft.com/office/drawing/2014/main" id="{822DFD5E-28A2-205B-9CC7-9816F3E9FCF4}"/>
+              </a:ext>
+            </a:extLst>
+          </p:cNvPr>
+          <p:cNvCxnSpPr>
+            <a:stCxn id="23" idx="3"/>
+            <a:endCxn id="22" idx="1"/>
+          </p:cNvCxnSpPr>
+          <p:nvPr/>
+        </p:nvCxnSpPr>
+        <p:spPr>
+          <a:xfrm>
+            <a:off x="8935617" y="4301410"/>
+            <a:ext cx="234823" cy="44325"/>
+          </a:xfrm>
+          <a:prstGeom prst="straightConnector1">
+            <a:avLst/>
+          </a:prstGeom>
+          <a:ln w="28575">
+            <a:solidFill>
+              <a:srgbClr val="002060"/>
+            </a:solidFill>
+            <a:tailEnd type="triangle"/>
+          </a:ln>
+        </p:spPr>
+        <p:style>
+          <a:lnRef idx="1">
+            <a:schemeClr val="accent1"/>
+          </a:lnRef>
+          <a:fillRef idx="0">
+            <a:schemeClr val="accent1"/>
+          </a:fillRef>
+          <a:effectRef idx="0">
+            <a:schemeClr val="accent1"/>
+          </a:effectRef>
+          <a:fontRef idx="minor">
+            <a:schemeClr val="tx1"/>
+          </a:fontRef>
+        </p:style>
+      </p:cxnSp>
+      <p:cxnSp>
+        <p:nvCxnSpPr>
+          <p:cNvPr id="43" name="Connector: Elbow 42">
+            <a:extLst>
+              <a:ext uri="{FF2B5EF4-FFF2-40B4-BE49-F238E27FC236}">
+                <a16:creationId xmlns:a16="http://schemas.microsoft.com/office/drawing/2014/main" id="{89AB514D-0F08-347F-354C-50A12D3DE3F1}"/>
+              </a:ext>
+            </a:extLst>
+          </p:cNvPr>
+          <p:cNvCxnSpPr>
+            <a:stCxn id="22" idx="3"/>
+            <a:endCxn id="24" idx="3"/>
+          </p:cNvCxnSpPr>
+          <p:nvPr/>
+        </p:nvCxnSpPr>
+        <p:spPr>
+          <a:xfrm>
+            <a:off x="10825067" y="4345735"/>
+            <a:ext cx="17106" cy="690465"/>
+          </a:xfrm>
+          <a:prstGeom prst="bentConnector3">
+            <a:avLst>
+              <a:gd name="adj1" fmla="val 1436373"/>
+            </a:avLst>
+          </a:prstGeom>
+          <a:ln w="28575">
+            <a:solidFill>
+              <a:srgbClr val="002060"/>
+            </a:solidFill>
+            <a:tailEnd type="triangle"/>
+          </a:ln>
+        </p:spPr>
+        <p:style>
+          <a:lnRef idx="1">
+            <a:schemeClr val="accent1"/>
+          </a:lnRef>
+          <a:fillRef idx="0">
+            <a:schemeClr val="accent1"/>
+          </a:fillRef>
+          <a:effectRef idx="0">
+            <a:schemeClr val="accent1"/>
+          </a:effectRef>
+          <a:fontRef idx="minor">
+            <a:schemeClr val="tx1"/>
+          </a:fontRef>
+        </p:style>
+      </p:cxnSp>
+      <p:cxnSp>
+        <p:nvCxnSpPr>
+          <p:cNvPr id="45" name="Straight Arrow Connector 44">
+            <a:extLst>
+              <a:ext uri="{FF2B5EF4-FFF2-40B4-BE49-F238E27FC236}">
+                <a16:creationId xmlns:a16="http://schemas.microsoft.com/office/drawing/2014/main" id="{DD3C80D2-4838-69E5-6E16-B9E0993A7E55}"/>
+              </a:ext>
+            </a:extLst>
+          </p:cNvPr>
+          <p:cNvCxnSpPr>
+            <a:stCxn id="24" idx="1"/>
+            <a:endCxn id="25" idx="3"/>
+          </p:cNvCxnSpPr>
+          <p:nvPr/>
+        </p:nvCxnSpPr>
+        <p:spPr>
+          <a:xfrm flipH="1">
+            <a:off x="8744341" y="5036200"/>
+            <a:ext cx="443205" cy="9330"/>
+          </a:xfrm>
+          <a:prstGeom prst="straightConnector1">
+            <a:avLst/>
+          </a:prstGeom>
+          <a:ln w="28575">
+            <a:solidFill>
+              <a:srgbClr val="002060"/>
+            </a:solidFill>
+            <a:tailEnd type="triangle"/>
+          </a:ln>
+        </p:spPr>
+        <p:style>
+          <a:lnRef idx="1">
+            <a:schemeClr val="accent1"/>
+          </a:lnRef>
+          <a:fillRef idx="0">
+            <a:schemeClr val="accent1"/>
+          </a:fillRef>
+          <a:effectRef idx="0">
+            <a:schemeClr val="accent1"/>
+          </a:effectRef>
+          <a:fontRef idx="minor">
+            <a:schemeClr val="tx1"/>
+          </a:fontRef>
+        </p:style>
+      </p:cxnSp>
+      <p:cxnSp>
+        <p:nvCxnSpPr>
+          <p:cNvPr id="47" name="Straight Arrow Connector 46">
+            <a:extLst>
+              <a:ext uri="{FF2B5EF4-FFF2-40B4-BE49-F238E27FC236}">
+                <a16:creationId xmlns:a16="http://schemas.microsoft.com/office/drawing/2014/main" id="{825A5696-F11E-2B94-3E45-6E5ED18D2C64}"/>
+              </a:ext>
+            </a:extLst>
+          </p:cNvPr>
+          <p:cNvCxnSpPr>
+            <a:stCxn id="25" idx="1"/>
+            <a:endCxn id="26" idx="3"/>
+          </p:cNvCxnSpPr>
+          <p:nvPr/>
+        </p:nvCxnSpPr>
+        <p:spPr>
+          <a:xfrm flipH="1" flipV="1">
+            <a:off x="6564088" y="5036200"/>
+            <a:ext cx="525626" cy="9330"/>
+          </a:xfrm>
+          <a:prstGeom prst="straightConnector1">
+            <a:avLst/>
+          </a:prstGeom>
+          <a:ln w="28575">
+            <a:solidFill>
+              <a:srgbClr val="002060"/>
+            </a:solidFill>
+            <a:tailEnd type="triangle"/>
+          </a:ln>
+        </p:spPr>
+        <p:style>
+          <a:lnRef idx="1">
+            <a:schemeClr val="accent1"/>
+          </a:lnRef>
+          <a:fillRef idx="0">
+            <a:schemeClr val="accent1"/>
+          </a:fillRef>
+          <a:effectRef idx="0">
+            <a:schemeClr val="accent1"/>
+          </a:effectRef>
+          <a:fontRef idx="minor">
+            <a:schemeClr val="tx1"/>
+          </a:fontRef>
+        </p:style>
+      </p:cxnSp>
+      <p:cxnSp>
+        <p:nvCxnSpPr>
+          <p:cNvPr id="49" name="Straight Arrow Connector 48">
+            <a:extLst>
+              <a:ext uri="{FF2B5EF4-FFF2-40B4-BE49-F238E27FC236}">
+                <a16:creationId xmlns:a16="http://schemas.microsoft.com/office/drawing/2014/main" id="{95655338-6138-4BF6-B2E4-C1FFE02E08FF}"/>
+              </a:ext>
+            </a:extLst>
+          </p:cNvPr>
+          <p:cNvCxnSpPr>
+            <a:stCxn id="26" idx="1"/>
+            <a:endCxn id="27" idx="3"/>
+          </p:cNvCxnSpPr>
+          <p:nvPr/>
+        </p:nvCxnSpPr>
+        <p:spPr>
+          <a:xfrm flipH="1">
+            <a:off x="4182447" y="5036200"/>
+            <a:ext cx="727014" cy="0"/>
+          </a:xfrm>
+          <a:prstGeom prst="straightConnector1">
+            <a:avLst/>
+          </a:prstGeom>
+          <a:ln w="28575">
+            <a:solidFill>
+              <a:srgbClr val="002060"/>
+            </a:solidFill>
+            <a:tailEnd type="triangle"/>
+          </a:ln>
+        </p:spPr>
+        <p:style>
+          <a:lnRef idx="1">
+            <a:schemeClr val="accent1"/>
+          </a:lnRef>
+          <a:fillRef idx="0">
+            <a:schemeClr val="accent1"/>
+          </a:fillRef>
+          <a:effectRef idx="0">
+            <a:schemeClr val="accent1"/>
+          </a:effectRef>
+          <a:fontRef idx="minor">
+            <a:schemeClr val="tx1"/>
+          </a:fontRef>
+        </p:style>
+      </p:cxnSp>
+      <p:cxnSp>
+        <p:nvCxnSpPr>
+          <p:cNvPr id="53" name="Connector: Elbow 52">
+            <a:extLst>
+              <a:ext uri="{FF2B5EF4-FFF2-40B4-BE49-F238E27FC236}">
+                <a16:creationId xmlns:a16="http://schemas.microsoft.com/office/drawing/2014/main" id="{5784C2A4-5207-156C-C842-7A92CCAA03B8}"/>
+              </a:ext>
+            </a:extLst>
+          </p:cNvPr>
+          <p:cNvCxnSpPr>
+            <a:stCxn id="27" idx="1"/>
+            <a:endCxn id="28" idx="1"/>
+          </p:cNvCxnSpPr>
+          <p:nvPr/>
+        </p:nvCxnSpPr>
+        <p:spPr>
+          <a:xfrm rot="10800000" flipV="1">
+            <a:off x="905070" y="5036199"/>
+            <a:ext cx="1622751" cy="758111"/>
+          </a:xfrm>
+          <a:prstGeom prst="bentConnector3">
+            <a:avLst>
+              <a:gd name="adj1" fmla="val 114087"/>
+            </a:avLst>
+          </a:prstGeom>
+          <a:ln w="28575">
+            <a:solidFill>
+              <a:srgbClr val="002060"/>
+            </a:solidFill>
+            <a:tailEnd type="triangle"/>
+          </a:ln>
+        </p:spPr>
+        <p:style>
+          <a:lnRef idx="1">
+            <a:schemeClr val="accent1"/>
+          </a:lnRef>
+          <a:fillRef idx="0">
+            <a:schemeClr val="accent1"/>
+          </a:fillRef>
+          <a:effectRef idx="0">
+            <a:schemeClr val="accent1"/>
+          </a:effectRef>
+          <a:fontRef idx="minor">
+            <a:schemeClr val="tx1"/>
+          </a:fontRef>
+        </p:style>
+      </p:cxnSp>
+      <p:cxnSp>
+        <p:nvCxnSpPr>
+          <p:cNvPr id="55" name="Straight Arrow Connector 54">
+            <a:extLst>
+              <a:ext uri="{FF2B5EF4-FFF2-40B4-BE49-F238E27FC236}">
+                <a16:creationId xmlns:a16="http://schemas.microsoft.com/office/drawing/2014/main" id="{0F025C73-DFD1-7802-4FA3-6AF6FD2DC493}"/>
+              </a:ext>
+            </a:extLst>
+          </p:cNvPr>
+          <p:cNvCxnSpPr/>
+          <p:nvPr/>
+        </p:nvCxnSpPr>
+        <p:spPr>
+          <a:xfrm>
+            <a:off x="2772744" y="5770986"/>
+            <a:ext cx="1948546" cy="41987"/>
+          </a:xfrm>
+          <a:prstGeom prst="straightConnector1">
+            <a:avLst/>
+          </a:prstGeom>
+          <a:ln w="28575">
+            <a:solidFill>
+              <a:srgbClr val="002060"/>
+            </a:solidFill>
+            <a:prstDash val="lgDash"/>
+            <a:tailEnd type="triangle"/>
+          </a:ln>
+        </p:spPr>
+        <p:style>
+          <a:lnRef idx="1">
+            <a:schemeClr val="accent1"/>
+          </a:lnRef>
+          <a:fillRef idx="0">
+            <a:schemeClr val="accent1"/>
+          </a:fillRef>
+          <a:effectRef idx="0">
+            <a:schemeClr val="accent1"/>
+          </a:effectRef>
+          <a:fontRef idx="minor">
+            <a:schemeClr val="tx1"/>
+          </a:fontRef>
+        </p:style>
+      </p:cxnSp>
+      <p:cxnSp>
+        <p:nvCxnSpPr>
+          <p:cNvPr id="57" name="Connector: Elbow 56">
+            <a:extLst>
+              <a:ext uri="{FF2B5EF4-FFF2-40B4-BE49-F238E27FC236}">
+                <a16:creationId xmlns:a16="http://schemas.microsoft.com/office/drawing/2014/main" id="{0B5D07D9-3DBF-E583-C83F-2F82CD6F1BC9}"/>
+              </a:ext>
+            </a:extLst>
+          </p:cNvPr>
+          <p:cNvCxnSpPr>
+            <a:stCxn id="28" idx="3"/>
+            <a:endCxn id="31" idx="0"/>
+          </p:cNvCxnSpPr>
+          <p:nvPr/>
+        </p:nvCxnSpPr>
+        <p:spPr>
+          <a:xfrm>
+            <a:off x="6870441" y="5794311"/>
+            <a:ext cx="1821803" cy="429208"/>
+          </a:xfrm>
+          <a:prstGeom prst="bentConnector2">
+            <a:avLst/>
+          </a:prstGeom>
+          <a:ln w="28575">
+            <a:solidFill>
+              <a:srgbClr val="002060"/>
+            </a:solidFill>
+            <a:tailEnd type="triangle"/>
+          </a:ln>
+        </p:spPr>
+        <p:style>
+          <a:lnRef idx="1">
+            <a:schemeClr val="accent1"/>
+          </a:lnRef>
+          <a:fillRef idx="0">
+            <a:schemeClr val="accent1"/>
+          </a:fillRef>
+          <a:effectRef idx="0">
+            <a:schemeClr val="accent1"/>
+          </a:effectRef>
+          <a:fontRef idx="minor">
+            <a:schemeClr val="tx1"/>
+          </a:fontRef>
+        </p:style>
+      </p:cxnSp>
+      <p:sp>
+        <p:nvSpPr>
+          <p:cNvPr id="58" name="TextBox 57">
+            <a:extLst>
+              <a:ext uri="{FF2B5EF4-FFF2-40B4-BE49-F238E27FC236}">
+                <a16:creationId xmlns:a16="http://schemas.microsoft.com/office/drawing/2014/main" id="{68B9F07B-CE39-7D89-BFED-786701679872}"/>
+              </a:ext>
+            </a:extLst>
+          </p:cNvPr>
+          <p:cNvSpPr txBox="1"/>
+          <p:nvPr/>
+        </p:nvSpPr>
+        <p:spPr>
+          <a:xfrm>
+            <a:off x="9957319" y="5572708"/>
+            <a:ext cx="1821803" cy="369332"/>
+          </a:xfrm>
+          <a:prstGeom prst="rect">
+            <a:avLst/>
+          </a:prstGeom>
+          <a:noFill/>
+        </p:spPr>
+        <p:txBody>
+          <a:bodyPr wrap="square" rtlCol="0">
+            <a:spAutoFit/>
+          </a:bodyPr>
+          <a:lstStyle/>
+          <a:p>
+            <a:r>
+              <a:rPr lang="en-IN" dirty="0"/>
+              <a:t>HttpContext</a:t>
+            </a:r>
+            <a:endParaRPr lang="en-US" dirty="0"/>
+          </a:p>
+        </p:txBody>
+      </p:sp>
+      <p:cxnSp>
+        <p:nvCxnSpPr>
+          <p:cNvPr id="60" name="Connector: Elbow 59">
+            <a:extLst>
+              <a:ext uri="{FF2B5EF4-FFF2-40B4-BE49-F238E27FC236}">
+                <a16:creationId xmlns:a16="http://schemas.microsoft.com/office/drawing/2014/main" id="{2AE9DF4C-C720-7519-1B77-561B29A36507}"/>
+              </a:ext>
+            </a:extLst>
+          </p:cNvPr>
+          <p:cNvCxnSpPr>
+            <a:stCxn id="31" idx="1"/>
+            <a:endCxn id="28" idx="2"/>
+          </p:cNvCxnSpPr>
+          <p:nvPr/>
+        </p:nvCxnSpPr>
+        <p:spPr>
+          <a:xfrm rot="10800000">
+            <a:off x="3887755" y="6092891"/>
+            <a:ext cx="3680928" cy="396551"/>
+          </a:xfrm>
+          <a:prstGeom prst="bentConnector2">
+            <a:avLst/>
+          </a:prstGeom>
+          <a:ln w="28575">
+            <a:solidFill>
+              <a:srgbClr val="FFFF00"/>
+            </a:solidFill>
+            <a:tailEnd type="triangle"/>
+          </a:ln>
+        </p:spPr>
+        <p:style>
+          <a:lnRef idx="1">
+            <a:schemeClr val="accent1"/>
+          </a:lnRef>
+          <a:fillRef idx="0">
+            <a:schemeClr val="accent1"/>
+          </a:fillRef>
+          <a:effectRef idx="0">
+            <a:schemeClr val="accent1"/>
+          </a:effectRef>
+          <a:fontRef idx="minor">
+            <a:schemeClr val="tx1"/>
+          </a:fontRef>
+        </p:style>
+      </p:cxnSp>
+      <p:cxnSp>
+        <p:nvCxnSpPr>
+          <p:cNvPr id="62" name="Connector: Elbow 61">
+            <a:extLst>
+              <a:ext uri="{FF2B5EF4-FFF2-40B4-BE49-F238E27FC236}">
+                <a16:creationId xmlns:a16="http://schemas.microsoft.com/office/drawing/2014/main" id="{5E1486C8-BBD5-34B2-9690-730EF6676F1E}"/>
+              </a:ext>
+            </a:extLst>
+          </p:cNvPr>
+          <p:cNvCxnSpPr>
+            <a:cxnSpLocks/>
+            <a:stCxn id="28" idx="0"/>
+            <a:endCxn id="27" idx="2"/>
+          </p:cNvCxnSpPr>
+          <p:nvPr/>
+        </p:nvCxnSpPr>
+        <p:spPr>
+          <a:xfrm rot="16200000" flipV="1">
+            <a:off x="3502481" y="5110456"/>
+            <a:ext cx="237929" cy="532621"/>
+          </a:xfrm>
+          <a:prstGeom prst="bentConnector3">
+            <a:avLst>
+              <a:gd name="adj1" fmla="val 50000"/>
+            </a:avLst>
+          </a:prstGeom>
+          <a:ln w="28575">
+            <a:solidFill>
+              <a:srgbClr val="FFFF00"/>
+            </a:solidFill>
+            <a:tailEnd type="triangle"/>
+          </a:ln>
+        </p:spPr>
+        <p:style>
+          <a:lnRef idx="1">
+            <a:schemeClr val="accent1"/>
+          </a:lnRef>
+          <a:fillRef idx="0">
+            <a:schemeClr val="accent1"/>
+          </a:fillRef>
+          <a:effectRef idx="0">
+            <a:schemeClr val="accent1"/>
+          </a:effectRef>
+          <a:fontRef idx="minor">
+            <a:schemeClr val="tx1"/>
+          </a:fontRef>
+        </p:style>
+      </p:cxnSp>
+      <p:cxnSp>
+        <p:nvCxnSpPr>
+          <p:cNvPr id="66" name="Connector: Elbow 65">
+            <a:extLst>
+              <a:ext uri="{FF2B5EF4-FFF2-40B4-BE49-F238E27FC236}">
+                <a16:creationId xmlns:a16="http://schemas.microsoft.com/office/drawing/2014/main" id="{6523A427-2C70-B7EE-6569-23B7D1908BA4}"/>
+              </a:ext>
+            </a:extLst>
+          </p:cNvPr>
+          <p:cNvCxnSpPr>
+            <a:endCxn id="26" idx="2"/>
+          </p:cNvCxnSpPr>
+          <p:nvPr/>
+        </p:nvCxnSpPr>
+        <p:spPr>
+          <a:xfrm>
+            <a:off x="4182447" y="5036199"/>
+            <a:ext cx="1554328" cy="221603"/>
+          </a:xfrm>
+          <a:prstGeom prst="bentConnector4">
+            <a:avLst>
+              <a:gd name="adj1" fmla="val 23387"/>
+              <a:gd name="adj2" fmla="val 203157"/>
+            </a:avLst>
+          </a:prstGeom>
+          <a:ln w="28575">
+            <a:solidFill>
+              <a:srgbClr val="FFFF00"/>
+            </a:solidFill>
+            <a:tailEnd type="triangle"/>
+          </a:ln>
+        </p:spPr>
+        <p:style>
+          <a:lnRef idx="1">
+            <a:schemeClr val="accent1"/>
+          </a:lnRef>
+          <a:fillRef idx="0">
+            <a:schemeClr val="accent1"/>
+          </a:fillRef>
+          <a:effectRef idx="0">
+            <a:schemeClr val="accent1"/>
+          </a:effectRef>
+          <a:fontRef idx="minor">
+            <a:schemeClr val="tx1"/>
+          </a:fontRef>
+        </p:style>
+      </p:cxnSp>
+      <p:cxnSp>
+        <p:nvCxnSpPr>
+          <p:cNvPr id="68" name="Connector: Elbow 67">
+            <a:extLst>
+              <a:ext uri="{FF2B5EF4-FFF2-40B4-BE49-F238E27FC236}">
+                <a16:creationId xmlns:a16="http://schemas.microsoft.com/office/drawing/2014/main" id="{19CCFCC2-189D-98BC-4F51-A0E710EA6853}"/>
+              </a:ext>
+            </a:extLst>
+          </p:cNvPr>
+          <p:cNvCxnSpPr>
+            <a:stCxn id="26" idx="2"/>
+            <a:endCxn id="25" idx="2"/>
+          </p:cNvCxnSpPr>
+          <p:nvPr/>
+        </p:nvCxnSpPr>
+        <p:spPr>
+          <a:xfrm rot="16200000" flipH="1">
+            <a:off x="6822236" y="4172340"/>
+            <a:ext cx="9330" cy="2180253"/>
+          </a:xfrm>
+          <a:prstGeom prst="bentConnector3">
+            <a:avLst>
+              <a:gd name="adj1" fmla="val 2550161"/>
+            </a:avLst>
+          </a:prstGeom>
+          <a:ln>
+            <a:tailEnd type="triangle"/>
+          </a:ln>
+        </p:spPr>
+        <p:style>
+          <a:lnRef idx="1">
+            <a:schemeClr val="accent1"/>
+          </a:lnRef>
+          <a:fillRef idx="0">
+            <a:schemeClr val="accent1"/>
+          </a:fillRef>
+          <a:effectRef idx="0">
+            <a:schemeClr val="accent1"/>
+          </a:effectRef>
+          <a:fontRef idx="minor">
+            <a:schemeClr val="tx1"/>
+          </a:fontRef>
+        </p:style>
+      </p:cxnSp>
+      <p:cxnSp>
+        <p:nvCxnSpPr>
+          <p:cNvPr id="72" name="Connector: Elbow 71">
+            <a:extLst>
+              <a:ext uri="{FF2B5EF4-FFF2-40B4-BE49-F238E27FC236}">
+                <a16:creationId xmlns:a16="http://schemas.microsoft.com/office/drawing/2014/main" id="{386404E4-C5DC-2E84-04F9-489D06C0736F}"/>
+              </a:ext>
+            </a:extLst>
+          </p:cNvPr>
+          <p:cNvCxnSpPr>
+            <a:endCxn id="22" idx="2"/>
+          </p:cNvCxnSpPr>
+          <p:nvPr/>
+        </p:nvCxnSpPr>
+        <p:spPr>
+          <a:xfrm rot="5400000" flipH="1" flipV="1">
+            <a:off x="9857404" y="4667252"/>
+            <a:ext cx="240264" cy="40435"/>
+          </a:xfrm>
+          <a:prstGeom prst="bentConnector3">
+            <a:avLst/>
+          </a:prstGeom>
+          <a:ln>
+            <a:tailEnd type="triangle"/>
+          </a:ln>
+        </p:spPr>
+        <p:style>
+          <a:lnRef idx="1">
+            <a:schemeClr val="accent1"/>
+          </a:lnRef>
+          <a:fillRef idx="0">
+            <a:schemeClr val="accent1"/>
+          </a:fillRef>
+          <a:effectRef idx="0">
+            <a:schemeClr val="accent1"/>
+          </a:effectRef>
+          <a:fontRef idx="minor">
+            <a:schemeClr val="tx1"/>
+          </a:fontRef>
+        </p:style>
+      </p:cxnSp>
+      <p:cxnSp>
+        <p:nvCxnSpPr>
+          <p:cNvPr id="74" name="Connector: Elbow 73">
+            <a:extLst>
+              <a:ext uri="{FF2B5EF4-FFF2-40B4-BE49-F238E27FC236}">
+                <a16:creationId xmlns:a16="http://schemas.microsoft.com/office/drawing/2014/main" id="{B814E1C0-DFD7-2217-08F0-9E5312A0C110}"/>
+              </a:ext>
+            </a:extLst>
+          </p:cNvPr>
+          <p:cNvCxnSpPr>
+            <a:stCxn id="22" idx="2"/>
+            <a:endCxn id="23" idx="2"/>
+          </p:cNvCxnSpPr>
+          <p:nvPr/>
+        </p:nvCxnSpPr>
+        <p:spPr>
+          <a:xfrm rot="5400000" flipH="1">
+            <a:off x="9030866" y="3600450"/>
+            <a:ext cx="44325" cy="1889450"/>
+          </a:xfrm>
+          <a:prstGeom prst="bentConnector3">
+            <a:avLst>
+              <a:gd name="adj1" fmla="val -515736"/>
+            </a:avLst>
+          </a:prstGeom>
+          <a:ln w="28575">
+            <a:solidFill>
+              <a:srgbClr val="FFFF00"/>
+            </a:solidFill>
+            <a:tailEnd type="triangle"/>
+          </a:ln>
+        </p:spPr>
+        <p:style>
+          <a:lnRef idx="1">
+            <a:schemeClr val="accent1"/>
+          </a:lnRef>
+          <a:fillRef idx="0">
+            <a:schemeClr val="accent1"/>
+          </a:fillRef>
+          <a:effectRef idx="0">
+            <a:schemeClr val="accent1"/>
+          </a:effectRef>
+          <a:fontRef idx="minor">
+            <a:schemeClr val="tx1"/>
+          </a:fontRef>
+        </p:style>
+      </p:cxnSp>
+      <p:cxnSp>
+        <p:nvCxnSpPr>
+          <p:cNvPr id="76" name="Connector: Elbow 75">
+            <a:extLst>
+              <a:ext uri="{FF2B5EF4-FFF2-40B4-BE49-F238E27FC236}">
+                <a16:creationId xmlns:a16="http://schemas.microsoft.com/office/drawing/2014/main" id="{0BE26A8A-606B-AFB6-1FCF-A864107BBCC5}"/>
+              </a:ext>
+            </a:extLst>
+          </p:cNvPr>
+          <p:cNvCxnSpPr>
+            <a:stCxn id="23" idx="2"/>
+            <a:endCxn id="21" idx="2"/>
+          </p:cNvCxnSpPr>
+          <p:nvPr/>
+        </p:nvCxnSpPr>
+        <p:spPr>
+          <a:xfrm rot="5400000" flipH="1">
+            <a:off x="7024008" y="3438717"/>
+            <a:ext cx="25657" cy="2142934"/>
+          </a:xfrm>
+          <a:prstGeom prst="bentConnector3">
+            <a:avLst>
+              <a:gd name="adj1" fmla="val -890985"/>
+            </a:avLst>
+          </a:prstGeom>
+          <a:ln w="28575">
+            <a:solidFill>
+              <a:srgbClr val="FFFF00"/>
+            </a:solidFill>
+            <a:tailEnd type="triangle"/>
+          </a:ln>
+        </p:spPr>
+        <p:style>
+          <a:lnRef idx="1">
+            <a:schemeClr val="accent1"/>
+          </a:lnRef>
+          <a:fillRef idx="0">
+            <a:schemeClr val="accent1"/>
+          </a:fillRef>
+          <a:effectRef idx="0">
+            <a:schemeClr val="accent1"/>
+          </a:effectRef>
+          <a:fontRef idx="minor">
+            <a:schemeClr val="tx1"/>
+          </a:fontRef>
+        </p:style>
+      </p:cxnSp>
+      <p:cxnSp>
+        <p:nvCxnSpPr>
+          <p:cNvPr id="78" name="Connector: Elbow 77">
+            <a:extLst>
+              <a:ext uri="{FF2B5EF4-FFF2-40B4-BE49-F238E27FC236}">
+                <a16:creationId xmlns:a16="http://schemas.microsoft.com/office/drawing/2014/main" id="{5505C30B-43EE-FEAB-9164-9401EE87389E}"/>
+              </a:ext>
+            </a:extLst>
+          </p:cNvPr>
+          <p:cNvCxnSpPr>
+            <a:stCxn id="21" idx="2"/>
+            <a:endCxn id="20" idx="2"/>
+          </p:cNvCxnSpPr>
+          <p:nvPr/>
+        </p:nvCxnSpPr>
+        <p:spPr>
+          <a:xfrm rot="5400000">
+            <a:off x="4799823" y="3355132"/>
+            <a:ext cx="23324" cy="2307770"/>
+          </a:xfrm>
+          <a:prstGeom prst="bentConnector3">
+            <a:avLst>
+              <a:gd name="adj1" fmla="val 1080106"/>
+            </a:avLst>
+          </a:prstGeom>
+          <a:ln w="28575">
+            <a:solidFill>
+              <a:srgbClr val="FFFF00"/>
+            </a:solidFill>
+            <a:tailEnd type="triangle"/>
+          </a:ln>
+        </p:spPr>
+        <p:style>
+          <a:lnRef idx="1">
+            <a:schemeClr val="accent1"/>
+          </a:lnRef>
+          <a:fillRef idx="0">
+            <a:schemeClr val="accent1"/>
+          </a:fillRef>
+          <a:effectRef idx="0">
+            <a:schemeClr val="accent1"/>
+          </a:effectRef>
+          <a:fontRef idx="minor">
+            <a:schemeClr val="tx1"/>
+          </a:fontRef>
+        </p:style>
+      </p:cxnSp>
+      <p:cxnSp>
+        <p:nvCxnSpPr>
+          <p:cNvPr id="82" name="Connector: Elbow 81">
+            <a:extLst>
+              <a:ext uri="{FF2B5EF4-FFF2-40B4-BE49-F238E27FC236}">
+                <a16:creationId xmlns:a16="http://schemas.microsoft.com/office/drawing/2014/main" id="{0D78D6B5-9395-4E8D-EBB1-74EF6B59F957}"/>
+              </a:ext>
+            </a:extLst>
+          </p:cNvPr>
+          <p:cNvCxnSpPr>
+            <a:stCxn id="20" idx="2"/>
+            <a:endCxn id="19" idx="2"/>
+          </p:cNvCxnSpPr>
+          <p:nvPr/>
+        </p:nvCxnSpPr>
+        <p:spPr>
+          <a:xfrm rot="5400000" flipH="1">
+            <a:off x="2521600" y="3384679"/>
+            <a:ext cx="23324" cy="2248677"/>
+          </a:xfrm>
+          <a:prstGeom prst="bentConnector3">
+            <a:avLst>
+              <a:gd name="adj1" fmla="val -980106"/>
+            </a:avLst>
+          </a:prstGeom>
+          <a:ln w="28575">
+            <a:solidFill>
+              <a:srgbClr val="FFFF00"/>
+            </a:solidFill>
+            <a:tailEnd type="triangle"/>
+          </a:ln>
+        </p:spPr>
+        <p:style>
+          <a:lnRef idx="1">
+            <a:schemeClr val="accent1"/>
+          </a:lnRef>
+          <a:fillRef idx="0">
+            <a:schemeClr val="accent1"/>
+          </a:fillRef>
+          <a:effectRef idx="0">
+            <a:schemeClr val="accent1"/>
+          </a:effectRef>
+          <a:fontRef idx="minor">
+            <a:schemeClr val="tx1"/>
+          </a:fontRef>
+        </p:style>
+      </p:cxnSp>
+      <p:cxnSp>
+        <p:nvCxnSpPr>
+          <p:cNvPr id="84" name="Connector: Elbow 83">
+            <a:extLst>
+              <a:ext uri="{FF2B5EF4-FFF2-40B4-BE49-F238E27FC236}">
+                <a16:creationId xmlns:a16="http://schemas.microsoft.com/office/drawing/2014/main" id="{B424396C-621A-B214-A3D3-CA505FCD152B}"/>
+              </a:ext>
+            </a:extLst>
+          </p:cNvPr>
+          <p:cNvCxnSpPr>
+            <a:stCxn id="25" idx="2"/>
+            <a:endCxn id="24" idx="2"/>
+          </p:cNvCxnSpPr>
+          <p:nvPr/>
+        </p:nvCxnSpPr>
+        <p:spPr>
+          <a:xfrm rot="5400000" flipH="1" flipV="1">
+            <a:off x="8961279" y="4213551"/>
+            <a:ext cx="9330" cy="2097832"/>
+          </a:xfrm>
+          <a:prstGeom prst="bentConnector3">
+            <a:avLst>
+              <a:gd name="adj1" fmla="val -2450161"/>
+            </a:avLst>
+          </a:prstGeom>
+          <a:ln w="28575">
+            <a:solidFill>
+              <a:srgbClr val="FFFF00"/>
+            </a:solidFill>
+            <a:tailEnd type="triangle"/>
+          </a:ln>
+        </p:spPr>
+        <p:style>
+          <a:lnRef idx="1">
+            <a:schemeClr val="accent1"/>
+          </a:lnRef>
+          <a:fillRef idx="0">
+            <a:schemeClr val="accent1"/>
+          </a:fillRef>
+          <a:effectRef idx="0">
+            <a:schemeClr val="accent1"/>
+          </a:effectRef>
+          <a:fontRef idx="minor">
+            <a:schemeClr val="tx1"/>
+          </a:fontRef>
+        </p:style>
+      </p:cxnSp>
+      <p:cxnSp>
+        <p:nvCxnSpPr>
+          <p:cNvPr id="86" name="Connector: Elbow 85">
+            <a:extLst>
+              <a:ext uri="{FF2B5EF4-FFF2-40B4-BE49-F238E27FC236}">
+                <a16:creationId xmlns:a16="http://schemas.microsoft.com/office/drawing/2014/main" id="{761CD8BF-CCF7-2E96-B44A-C85B3D49B8C3}"/>
+              </a:ext>
+            </a:extLst>
+          </p:cNvPr>
+          <p:cNvCxnSpPr>
+            <a:stCxn id="17" idx="1"/>
+          </p:cNvCxnSpPr>
+          <p:nvPr/>
+        </p:nvCxnSpPr>
+        <p:spPr>
+          <a:xfrm rot="10800000" flipH="1">
+            <a:off x="363893" y="2052733"/>
+            <a:ext cx="83976" cy="3023118"/>
+          </a:xfrm>
+          <a:prstGeom prst="bentConnector4">
+            <a:avLst>
+              <a:gd name="adj1" fmla="val -272221"/>
+              <a:gd name="adj2" fmla="val 68364"/>
+            </a:avLst>
+          </a:prstGeom>
+          <a:ln w="76200">
+            <a:solidFill>
+              <a:srgbClr val="FFFF00"/>
+            </a:solidFill>
+            <a:tailEnd type="triangle"/>
+          </a:ln>
+        </p:spPr>
+        <p:style>
+          <a:lnRef idx="1">
+            <a:schemeClr val="accent1"/>
+          </a:lnRef>
+          <a:fillRef idx="0">
+            <a:schemeClr val="accent1"/>
+          </a:fillRef>
+          <a:effectRef idx="0">
+            <a:schemeClr val="accent1"/>
+          </a:effectRef>
+          <a:fontRef idx="minor">
+            <a:schemeClr val="tx1"/>
+          </a:fontRef>
+        </p:style>
+      </p:cxnSp>
+      <p:sp>
+        <p:nvSpPr>
+          <p:cNvPr id="87" name="TextBox 86">
+            <a:extLst>
+              <a:ext uri="{FF2B5EF4-FFF2-40B4-BE49-F238E27FC236}">
+                <a16:creationId xmlns:a16="http://schemas.microsoft.com/office/drawing/2014/main" id="{BC2114AD-2CBB-0ADF-267C-22855B3FA378}"/>
+              </a:ext>
+            </a:extLst>
+          </p:cNvPr>
+          <p:cNvSpPr txBox="1"/>
+          <p:nvPr/>
+        </p:nvSpPr>
+        <p:spPr>
+          <a:xfrm>
+            <a:off x="62207" y="1446245"/>
+            <a:ext cx="992152" cy="338554"/>
+          </a:xfrm>
+          <a:prstGeom prst="rect">
+            <a:avLst/>
+          </a:prstGeom>
+          <a:noFill/>
+        </p:spPr>
+        <p:txBody>
+          <a:bodyPr wrap="square" rtlCol="0">
+            <a:spAutoFit/>
+          </a:bodyPr>
+          <a:lstStyle/>
+          <a:p>
+            <a:r>
+              <a:rPr lang="en-IN" sz="1600" dirty="0"/>
+              <a:t>Response</a:t>
+            </a:r>
+            <a:endParaRPr lang="en-US" sz="1600" dirty="0"/>
+          </a:p>
+        </p:txBody>
+      </p:sp>
+    </p:spTree>
+    <p:extLst>
+      <p:ext uri="{BB962C8B-B14F-4D97-AF65-F5344CB8AC3E}">
+        <p14:creationId xmlns:p14="http://schemas.microsoft.com/office/powerpoint/2010/main" val="235609820"/>
+      </p:ext>
+    </p:extLst>
+  </p:cSld>
+  <p:clrMapOvr>
+    <a:masterClrMapping/>
+  </p:clrMapOvr>
+</p:sld>
+</file>
+
+<file path=ppt/slides/slide6.xml><?xml version="1.0" encoding="utf-8"?>
+<p:sld xmlns:a="http://schemas.openxmlformats.org/drawingml/2006/main" xmlns:r="http://schemas.openxmlformats.org/officeDocument/2006/relationships" xmlns:p="http://schemas.openxmlformats.org/presentationml/2006/main">
+  <p:cSld>
+    <p:spTree>
+      <p:nvGrpSpPr>
+        <p:cNvPr id="1" name=""/>
+        <p:cNvGrpSpPr/>
+        <p:nvPr/>
+      </p:nvGrpSpPr>
+      <p:grpSpPr>
+        <a:xfrm>
+          <a:off x="0" y="0"/>
+          <a:ext cx="0" cy="0"/>
+          <a:chOff x="0" y="0"/>
+          <a:chExt cx="0" cy="0"/>
+        </a:xfrm>
+      </p:grpSpPr>
+      <p:sp>
+        <p:nvSpPr>
+          <p:cNvPr id="2" name="Rectangle: Rounded Corners 1">
+            <a:extLst>
+              <a:ext uri="{FF2B5EF4-FFF2-40B4-BE49-F238E27FC236}">
+                <a16:creationId xmlns:a16="http://schemas.microsoft.com/office/drawing/2014/main" id="{828FCA1C-948E-D568-9B83-F5A5E483F544}"/>
+              </a:ext>
+            </a:extLst>
+          </p:cNvPr>
+          <p:cNvSpPr/>
+          <p:nvPr/>
+        </p:nvSpPr>
+        <p:spPr>
+          <a:xfrm>
+            <a:off x="158620" y="718458"/>
+            <a:ext cx="3564294" cy="1166326"/>
+          </a:xfrm>
+          <a:prstGeom prst="roundRect">
+            <a:avLst/>
+          </a:prstGeom>
+        </p:spPr>
+        <p:style>
+          <a:lnRef idx="2">
+            <a:schemeClr val="accent1">
+              <a:shade val="50000"/>
+            </a:schemeClr>
+          </a:lnRef>
+          <a:fillRef idx="1">
+            <a:schemeClr val="accent1"/>
+          </a:fillRef>
+          <a:effectRef idx="0">
+            <a:schemeClr val="accent1"/>
+          </a:effectRef>
+          <a:fontRef idx="minor">
+            <a:schemeClr val="lt1"/>
+          </a:fontRef>
+        </p:style>
+        <p:txBody>
+          <a:bodyPr rtlCol="0" anchor="ctr"/>
+          <a:lstStyle/>
+          <a:p>
+            <a:pPr algn="ctr"/>
+            <a:r>
+              <a:rPr lang="en-IN" dirty="0"/>
+              <a:t>The routing Middleware will read</a:t>
+            </a:r>
+          </a:p>
+          <a:p>
+            <a:pPr algn="ctr"/>
+            <a:r>
+              <a:rPr lang="en-IN" dirty="0" err="1">
+                <a:solidFill>
+                  <a:srgbClr val="FF0000"/>
+                </a:solidFill>
+                <a:highlight>
+                  <a:srgbClr val="FFFF00"/>
+                </a:highlight>
+              </a:rPr>
+              <a:t>Myapi</a:t>
+            </a:r>
+            <a:r>
+              <a:rPr lang="en-IN" dirty="0">
+                <a:solidFill>
+                  <a:srgbClr val="FF0000"/>
+                </a:solidFill>
+                <a:highlight>
+                  <a:srgbClr val="FFFF00"/>
+                </a:highlight>
+              </a:rPr>
+              <a:t> </a:t>
+            </a:r>
+            <a:r>
+              <a:rPr lang="en-IN" dirty="0"/>
+              <a:t>as the Controller Name</a:t>
+            </a:r>
+          </a:p>
+          <a:p>
+            <a:pPr algn="ctr"/>
+            <a:r>
+              <a:rPr lang="en-IN" dirty="0"/>
+              <a:t>As well as HTTP Request Type</a:t>
+            </a:r>
+          </a:p>
+          <a:p>
+            <a:pPr algn="ctr"/>
+            <a:r>
+              <a:rPr lang="en-IN" dirty="0"/>
+              <a:t>GET/POST/PUT/DELETE</a:t>
+            </a:r>
+            <a:endParaRPr lang="en-US" dirty="0"/>
+          </a:p>
+        </p:txBody>
+      </p:sp>
+      <p:sp>
+        <p:nvSpPr>
+          <p:cNvPr id="3" name="TextBox 2">
+            <a:extLst>
+              <a:ext uri="{FF2B5EF4-FFF2-40B4-BE49-F238E27FC236}">
+                <a16:creationId xmlns:a16="http://schemas.microsoft.com/office/drawing/2014/main" id="{29B1244A-55FD-2106-E2D1-61DC78077F76}"/>
+              </a:ext>
+            </a:extLst>
+          </p:cNvPr>
+          <p:cNvSpPr txBox="1"/>
+          <p:nvPr/>
+        </p:nvSpPr>
+        <p:spPr>
+          <a:xfrm>
+            <a:off x="158620" y="251927"/>
+            <a:ext cx="3694923" cy="369332"/>
+          </a:xfrm>
+          <a:prstGeom prst="rect">
+            <a:avLst/>
+          </a:prstGeom>
+          <a:noFill/>
+        </p:spPr>
+        <p:txBody>
+          <a:bodyPr wrap="square" rtlCol="0">
+            <a:spAutoFit/>
+          </a:bodyPr>
+          <a:lstStyle/>
+          <a:p>
+            <a:r>
+              <a:rPr lang="en-IN" dirty="0"/>
+              <a:t>https://myserver.com/api/myapi</a:t>
+            </a:r>
+            <a:endParaRPr lang="en-US" dirty="0"/>
+          </a:p>
+        </p:txBody>
+      </p:sp>
+      <p:sp>
+        <p:nvSpPr>
+          <p:cNvPr id="4" name="Rectangle: Rounded Corners 3">
+            <a:extLst>
+              <a:ext uri="{FF2B5EF4-FFF2-40B4-BE49-F238E27FC236}">
+                <a16:creationId xmlns:a16="http://schemas.microsoft.com/office/drawing/2014/main" id="{506A01D9-ECE3-740C-6E27-03868D16ED77}"/>
+              </a:ext>
+            </a:extLst>
+          </p:cNvPr>
+          <p:cNvSpPr/>
+          <p:nvPr/>
+        </p:nvSpPr>
+        <p:spPr>
+          <a:xfrm>
+            <a:off x="158620" y="2192694"/>
+            <a:ext cx="3592286" cy="1101012"/>
+          </a:xfrm>
+          <a:prstGeom prst="roundRect">
+            <a:avLst/>
+          </a:prstGeom>
+        </p:spPr>
+        <p:style>
+          <a:lnRef idx="2">
+            <a:schemeClr val="accent1">
+              <a:shade val="50000"/>
+            </a:schemeClr>
+          </a:lnRef>
+          <a:fillRef idx="1">
+            <a:schemeClr val="accent1"/>
+          </a:fillRef>
+          <a:effectRef idx="0">
+            <a:schemeClr val="accent1"/>
+          </a:effectRef>
+          <a:fontRef idx="minor">
+            <a:schemeClr val="lt1"/>
+          </a:fontRef>
+        </p:style>
+        <p:txBody>
+          <a:bodyPr rtlCol="0" anchor="ctr"/>
+          <a:lstStyle/>
+          <a:p>
+            <a:pPr algn="ctr"/>
+            <a:r>
+              <a:rPr lang="en-IN" dirty="0"/>
+              <a:t>Load the Controller and check for Authorization aka Access based on User Credentials / Token</a:t>
+            </a:r>
+            <a:endParaRPr lang="en-US" dirty="0"/>
+          </a:p>
+        </p:txBody>
+      </p:sp>
+      <p:sp>
+        <p:nvSpPr>
+          <p:cNvPr id="5" name="Arrow: Right 4">
+            <a:extLst>
+              <a:ext uri="{FF2B5EF4-FFF2-40B4-BE49-F238E27FC236}">
+                <a16:creationId xmlns:a16="http://schemas.microsoft.com/office/drawing/2014/main" id="{8DCCDE14-B658-AE43-05D2-B5F597B6B764}"/>
+              </a:ext>
+            </a:extLst>
+          </p:cNvPr>
+          <p:cNvSpPr/>
+          <p:nvPr/>
+        </p:nvSpPr>
+        <p:spPr>
+          <a:xfrm>
+            <a:off x="3750906" y="2575249"/>
+            <a:ext cx="1017037" cy="475861"/>
+          </a:xfrm>
+          <a:prstGeom prst="rightArrow">
+            <a:avLst/>
+          </a:prstGeom>
+        </p:spPr>
+        <p:style>
+          <a:lnRef idx="2">
+            <a:schemeClr val="accent1">
+              <a:shade val="50000"/>
+            </a:schemeClr>
+          </a:lnRef>
+          <a:fillRef idx="1">
+            <a:schemeClr val="accent1"/>
+          </a:fillRef>
+          <a:effectRef idx="0">
+            <a:schemeClr val="accent1"/>
+          </a:effectRef>
+          <a:fontRef idx="minor">
+            <a:schemeClr val="lt1"/>
+          </a:fontRef>
+        </p:style>
+        <p:txBody>
+          <a:bodyPr rtlCol="0" anchor="ctr"/>
+          <a:lstStyle/>
+          <a:p>
+            <a:pPr algn="ctr"/>
+            <a:r>
+              <a:rPr lang="en-IN" dirty="0"/>
+              <a:t>NO</a:t>
+            </a:r>
+            <a:endParaRPr lang="en-US" dirty="0"/>
+          </a:p>
+        </p:txBody>
+      </p:sp>
+      <p:sp>
+        <p:nvSpPr>
+          <p:cNvPr id="6" name="TextBox 5">
+            <a:extLst>
+              <a:ext uri="{FF2B5EF4-FFF2-40B4-BE49-F238E27FC236}">
+                <a16:creationId xmlns:a16="http://schemas.microsoft.com/office/drawing/2014/main" id="{EB256F0A-8DB4-17F2-F0AF-7027BC7640ED}"/>
+              </a:ext>
+            </a:extLst>
+          </p:cNvPr>
+          <p:cNvSpPr txBox="1"/>
+          <p:nvPr/>
+        </p:nvSpPr>
+        <p:spPr>
+          <a:xfrm>
+            <a:off x="4767942" y="2575249"/>
+            <a:ext cx="1110343" cy="523220"/>
+          </a:xfrm>
+          <a:prstGeom prst="rect">
+            <a:avLst/>
+          </a:prstGeom>
+          <a:noFill/>
+        </p:spPr>
+        <p:txBody>
+          <a:bodyPr wrap="square" rtlCol="0">
+            <a:spAutoFit/>
+          </a:bodyPr>
+          <a:lstStyle/>
+          <a:p>
+            <a:r>
+              <a:rPr lang="en-IN" sz="1400" dirty="0"/>
+              <a:t>401 Response</a:t>
+            </a:r>
+            <a:endParaRPr lang="en-US" sz="1400" dirty="0"/>
+          </a:p>
+        </p:txBody>
+      </p:sp>
+      <p:sp>
+        <p:nvSpPr>
+          <p:cNvPr id="7" name="Arrow: Down 6">
+            <a:extLst>
+              <a:ext uri="{FF2B5EF4-FFF2-40B4-BE49-F238E27FC236}">
+                <a16:creationId xmlns:a16="http://schemas.microsoft.com/office/drawing/2014/main" id="{77C15F62-2D5E-77A5-9490-86C866F79526}"/>
+              </a:ext>
+            </a:extLst>
+          </p:cNvPr>
+          <p:cNvSpPr/>
+          <p:nvPr/>
+        </p:nvSpPr>
+        <p:spPr>
+          <a:xfrm>
+            <a:off x="1726163" y="1884784"/>
+            <a:ext cx="317241" cy="307910"/>
+          </a:xfrm>
+          <a:prstGeom prst="downArrow">
+            <a:avLst/>
+          </a:prstGeom>
+        </p:spPr>
+        <p:style>
+          <a:lnRef idx="2">
+            <a:schemeClr val="accent1">
+              <a:shade val="50000"/>
+            </a:schemeClr>
+          </a:lnRef>
+          <a:fillRef idx="1">
+            <a:schemeClr val="accent1"/>
+          </a:fillRef>
+          <a:effectRef idx="0">
+            <a:schemeClr val="accent1"/>
+          </a:effectRef>
+          <a:fontRef idx="minor">
+            <a:schemeClr val="lt1"/>
+          </a:fontRef>
+        </p:style>
+        <p:txBody>
+          <a:bodyPr rtlCol="0" anchor="ctr"/>
+          <a:lstStyle/>
+          <a:p>
+            <a:pPr algn="ctr"/>
+            <a:endParaRPr lang="en-US"/>
+          </a:p>
+        </p:txBody>
+      </p:sp>
+      <p:sp>
+        <p:nvSpPr>
+          <p:cNvPr id="8" name="Arrow: Down 7">
+            <a:extLst>
+              <a:ext uri="{FF2B5EF4-FFF2-40B4-BE49-F238E27FC236}">
+                <a16:creationId xmlns:a16="http://schemas.microsoft.com/office/drawing/2014/main" id="{D2F3A9BD-719B-69AE-3456-C9C58122900E}"/>
+              </a:ext>
+            </a:extLst>
+          </p:cNvPr>
+          <p:cNvSpPr/>
+          <p:nvPr/>
+        </p:nvSpPr>
+        <p:spPr>
+          <a:xfrm>
+            <a:off x="1726163" y="3256385"/>
+            <a:ext cx="317241" cy="307910"/>
+          </a:xfrm>
+          <a:prstGeom prst="downArrow">
+            <a:avLst/>
+          </a:prstGeom>
+        </p:spPr>
+        <p:style>
+          <a:lnRef idx="2">
+            <a:schemeClr val="accent1">
+              <a:shade val="50000"/>
+            </a:schemeClr>
+          </a:lnRef>
+          <a:fillRef idx="1">
+            <a:schemeClr val="accent1"/>
+          </a:fillRef>
+          <a:effectRef idx="0">
+            <a:schemeClr val="accent1"/>
+          </a:effectRef>
+          <a:fontRef idx="minor">
+            <a:schemeClr val="lt1"/>
+          </a:fontRef>
+        </p:style>
+        <p:txBody>
+          <a:bodyPr rtlCol="0" anchor="ctr"/>
+          <a:lstStyle/>
+          <a:p>
+            <a:pPr algn="ctr"/>
+            <a:endParaRPr lang="en-US"/>
+          </a:p>
+        </p:txBody>
+      </p:sp>
+      <p:sp>
+        <p:nvSpPr>
+          <p:cNvPr id="9" name="Rectangle: Rounded Corners 8">
+            <a:extLst>
+              <a:ext uri="{FF2B5EF4-FFF2-40B4-BE49-F238E27FC236}">
+                <a16:creationId xmlns:a16="http://schemas.microsoft.com/office/drawing/2014/main" id="{643E7D13-07F3-A587-96DD-3B9A22320B06}"/>
+              </a:ext>
+            </a:extLst>
+          </p:cNvPr>
+          <p:cNvSpPr/>
+          <p:nvPr/>
+        </p:nvSpPr>
+        <p:spPr>
+          <a:xfrm>
+            <a:off x="158620" y="3564295"/>
+            <a:ext cx="3592286" cy="582389"/>
+          </a:xfrm>
+          <a:prstGeom prst="roundRect">
+            <a:avLst/>
+          </a:prstGeom>
+        </p:spPr>
+        <p:style>
+          <a:lnRef idx="2">
+            <a:schemeClr val="accent1">
+              <a:shade val="50000"/>
+            </a:schemeClr>
+          </a:lnRef>
+          <a:fillRef idx="1">
+            <a:schemeClr val="accent1"/>
+          </a:fillRef>
+          <a:effectRef idx="0">
+            <a:schemeClr val="accent1"/>
+          </a:effectRef>
+          <a:fontRef idx="minor">
+            <a:schemeClr val="lt1"/>
+          </a:fontRef>
+        </p:style>
+        <p:txBody>
+          <a:bodyPr rtlCol="0" anchor="ctr"/>
+          <a:lstStyle/>
+          <a:p>
+            <a:pPr algn="ctr"/>
+            <a:r>
+              <a:rPr lang="en-IN" dirty="0"/>
+              <a:t>Inject All Dependencies passed through Constructor</a:t>
+            </a:r>
+            <a:endParaRPr lang="en-US" dirty="0"/>
+          </a:p>
+        </p:txBody>
+      </p:sp>
+      <p:sp>
+        <p:nvSpPr>
+          <p:cNvPr id="10" name="Rectangle: Rounded Corners 9">
+            <a:extLst>
+              <a:ext uri="{FF2B5EF4-FFF2-40B4-BE49-F238E27FC236}">
+                <a16:creationId xmlns:a16="http://schemas.microsoft.com/office/drawing/2014/main" id="{8E486606-0768-E73D-C616-DD5B26FC3A61}"/>
+              </a:ext>
+            </a:extLst>
+          </p:cNvPr>
+          <p:cNvSpPr/>
+          <p:nvPr/>
+        </p:nvSpPr>
+        <p:spPr>
+          <a:xfrm>
+            <a:off x="130628" y="4454594"/>
+            <a:ext cx="3620278" cy="994484"/>
+          </a:xfrm>
+          <a:prstGeom prst="roundRect">
+            <a:avLst/>
+          </a:prstGeom>
+        </p:spPr>
+        <p:style>
+          <a:lnRef idx="2">
+            <a:schemeClr val="accent1">
+              <a:shade val="50000"/>
+            </a:schemeClr>
+          </a:lnRef>
+          <a:fillRef idx="1">
+            <a:schemeClr val="accent1"/>
+          </a:fillRef>
+          <a:effectRef idx="0">
+            <a:schemeClr val="accent1"/>
+          </a:effectRef>
+          <a:fontRef idx="minor">
+            <a:schemeClr val="lt1"/>
+          </a:fontRef>
+        </p:style>
+        <p:txBody>
+          <a:bodyPr rtlCol="0" anchor="ctr"/>
+          <a:lstStyle/>
+          <a:p>
+            <a:pPr algn="ctr"/>
+            <a:r>
+              <a:rPr lang="en-IN" dirty="0"/>
+              <a:t>Map the Http Request to Action Method</a:t>
+            </a:r>
+          </a:p>
+          <a:p>
+            <a:pPr algn="ctr"/>
+            <a:r>
+              <a:rPr lang="en-IN" dirty="0"/>
+              <a:t>GET / POST /PUT/DELETE  </a:t>
+            </a:r>
+            <a:endParaRPr lang="en-US" dirty="0"/>
+          </a:p>
+        </p:txBody>
+      </p:sp>
+      <p:sp>
+        <p:nvSpPr>
+          <p:cNvPr id="11" name="Arrow: Down 10">
+            <a:extLst>
+              <a:ext uri="{FF2B5EF4-FFF2-40B4-BE49-F238E27FC236}">
+                <a16:creationId xmlns:a16="http://schemas.microsoft.com/office/drawing/2014/main" id="{03AFFF2A-430E-736E-38EB-CE4B7E812696}"/>
+              </a:ext>
+            </a:extLst>
+          </p:cNvPr>
+          <p:cNvSpPr/>
+          <p:nvPr/>
+        </p:nvSpPr>
+        <p:spPr>
+          <a:xfrm>
+            <a:off x="1688840" y="4146684"/>
+            <a:ext cx="317241" cy="307910"/>
+          </a:xfrm>
+          <a:prstGeom prst="downArrow">
+            <a:avLst/>
+          </a:prstGeom>
+        </p:spPr>
+        <p:style>
+          <a:lnRef idx="2">
+            <a:schemeClr val="accent1">
+              <a:shade val="50000"/>
+            </a:schemeClr>
+          </a:lnRef>
+          <a:fillRef idx="1">
+            <a:schemeClr val="accent1"/>
+          </a:fillRef>
+          <a:effectRef idx="0">
+            <a:schemeClr val="accent1"/>
+          </a:effectRef>
+          <a:fontRef idx="minor">
+            <a:schemeClr val="lt1"/>
+          </a:fontRef>
+        </p:style>
+        <p:txBody>
+          <a:bodyPr rtlCol="0" anchor="ctr"/>
+          <a:lstStyle/>
+          <a:p>
+            <a:pPr algn="ctr"/>
+            <a:endParaRPr lang="en-US"/>
+          </a:p>
+        </p:txBody>
+      </p:sp>
+      <p:sp>
+        <p:nvSpPr>
+          <p:cNvPr id="12" name="Rectangle: Rounded Corners 11">
+            <a:extLst>
+              <a:ext uri="{FF2B5EF4-FFF2-40B4-BE49-F238E27FC236}">
+                <a16:creationId xmlns:a16="http://schemas.microsoft.com/office/drawing/2014/main" id="{DD42AE3B-C022-3BDF-F968-5811F750DAAD}"/>
+              </a:ext>
+            </a:extLst>
+          </p:cNvPr>
+          <p:cNvSpPr/>
+          <p:nvPr/>
+        </p:nvSpPr>
+        <p:spPr>
+          <a:xfrm>
+            <a:off x="130628" y="5735232"/>
+            <a:ext cx="3620278" cy="870841"/>
+          </a:xfrm>
+          <a:prstGeom prst="roundRect">
+            <a:avLst/>
+          </a:prstGeom>
+        </p:spPr>
+        <p:style>
+          <a:lnRef idx="2">
+            <a:schemeClr val="accent1">
+              <a:shade val="50000"/>
+            </a:schemeClr>
+          </a:lnRef>
+          <a:fillRef idx="1">
+            <a:schemeClr val="accent1"/>
+          </a:fillRef>
+          <a:effectRef idx="0">
+            <a:schemeClr val="accent1"/>
+          </a:effectRef>
+          <a:fontRef idx="minor">
+            <a:schemeClr val="lt1"/>
+          </a:fontRef>
+        </p:style>
+        <p:txBody>
+          <a:bodyPr rtlCol="0" anchor="ctr"/>
+          <a:lstStyle/>
+          <a:p>
+            <a:pPr algn="ctr"/>
+            <a:r>
+              <a:rPr lang="en-IN" dirty="0"/>
+              <a:t>Check for Action Based Authorization based on User Credentials / Token</a:t>
+            </a:r>
+            <a:endParaRPr lang="en-US" dirty="0"/>
+          </a:p>
+        </p:txBody>
+      </p:sp>
+      <p:sp>
+        <p:nvSpPr>
+          <p:cNvPr id="13" name="Arrow: Down 12">
+            <a:extLst>
+              <a:ext uri="{FF2B5EF4-FFF2-40B4-BE49-F238E27FC236}">
+                <a16:creationId xmlns:a16="http://schemas.microsoft.com/office/drawing/2014/main" id="{20DA4A3F-27C1-44A2-1517-DDE3D01AC403}"/>
+              </a:ext>
+            </a:extLst>
+          </p:cNvPr>
+          <p:cNvSpPr/>
+          <p:nvPr/>
+        </p:nvSpPr>
+        <p:spPr>
+          <a:xfrm>
+            <a:off x="1688840" y="5427322"/>
+            <a:ext cx="317241" cy="307910"/>
+          </a:xfrm>
+          <a:prstGeom prst="downArrow">
+            <a:avLst/>
+          </a:prstGeom>
+        </p:spPr>
+        <p:style>
+          <a:lnRef idx="2">
+            <a:schemeClr val="accent1">
+              <a:shade val="50000"/>
+            </a:schemeClr>
+          </a:lnRef>
+          <a:fillRef idx="1">
+            <a:schemeClr val="accent1"/>
+          </a:fillRef>
+          <a:effectRef idx="0">
+            <a:schemeClr val="accent1"/>
+          </a:effectRef>
+          <a:fontRef idx="minor">
+            <a:schemeClr val="lt1"/>
+          </a:fontRef>
+        </p:style>
+        <p:txBody>
+          <a:bodyPr rtlCol="0" anchor="ctr"/>
+          <a:lstStyle/>
+          <a:p>
+            <a:pPr algn="ctr"/>
+            <a:endParaRPr lang="en-US"/>
+          </a:p>
+        </p:txBody>
+      </p:sp>
+      <p:cxnSp>
+        <p:nvCxnSpPr>
+          <p:cNvPr id="15" name="Connector: Elbow 14">
+            <a:extLst>
+              <a:ext uri="{FF2B5EF4-FFF2-40B4-BE49-F238E27FC236}">
+                <a16:creationId xmlns:a16="http://schemas.microsoft.com/office/drawing/2014/main" id="{8BE69203-6255-66B3-7B60-435F4F414A53}"/>
+              </a:ext>
+            </a:extLst>
+          </p:cNvPr>
+          <p:cNvCxnSpPr>
+            <a:cxnSpLocks/>
+            <a:stCxn id="12" idx="3"/>
+            <a:endCxn id="6" idx="2"/>
+          </p:cNvCxnSpPr>
+          <p:nvPr/>
+        </p:nvCxnSpPr>
+        <p:spPr>
+          <a:xfrm flipV="1">
+            <a:off x="3750906" y="3098469"/>
+            <a:ext cx="1572208" cy="3072184"/>
+          </a:xfrm>
+          <a:prstGeom prst="bentConnector2">
+            <a:avLst/>
+          </a:prstGeom>
+          <a:ln>
+            <a:tailEnd type="triangle"/>
+          </a:ln>
+        </p:spPr>
+        <p:style>
+          <a:lnRef idx="1">
+            <a:schemeClr val="accent1"/>
+          </a:lnRef>
+          <a:fillRef idx="0">
+            <a:schemeClr val="accent1"/>
+          </a:fillRef>
+          <a:effectRef idx="0">
+            <a:schemeClr val="accent1"/>
+          </a:effectRef>
+          <a:fontRef idx="minor">
+            <a:schemeClr val="tx1"/>
+          </a:fontRef>
+        </p:style>
+      </p:cxnSp>
+      <p:sp>
+        <p:nvSpPr>
+          <p:cNvPr id="16" name="TextBox 15">
+            <a:extLst>
+              <a:ext uri="{FF2B5EF4-FFF2-40B4-BE49-F238E27FC236}">
+                <a16:creationId xmlns:a16="http://schemas.microsoft.com/office/drawing/2014/main" id="{F7342EFF-3689-4BB5-C303-8B0D007D5849}"/>
+              </a:ext>
+            </a:extLst>
+          </p:cNvPr>
+          <p:cNvSpPr txBox="1"/>
+          <p:nvPr/>
+        </p:nvSpPr>
+        <p:spPr>
+          <a:xfrm>
+            <a:off x="3937518" y="6008914"/>
+            <a:ext cx="970384" cy="369332"/>
+          </a:xfrm>
+          <a:prstGeom prst="rect">
+            <a:avLst/>
+          </a:prstGeom>
+          <a:noFill/>
+        </p:spPr>
+        <p:txBody>
+          <a:bodyPr wrap="square" rtlCol="0">
+            <a:spAutoFit/>
+          </a:bodyPr>
+          <a:lstStyle/>
+          <a:p>
+            <a:r>
+              <a:rPr lang="en-IN" dirty="0"/>
+              <a:t>NO</a:t>
+            </a:r>
+            <a:endParaRPr lang="en-US" dirty="0"/>
+          </a:p>
+        </p:txBody>
+      </p:sp>
+      <p:sp>
+        <p:nvSpPr>
+          <p:cNvPr id="17" name="Rectangle: Rounded Corners 16">
+            <a:extLst>
+              <a:ext uri="{FF2B5EF4-FFF2-40B4-BE49-F238E27FC236}">
+                <a16:creationId xmlns:a16="http://schemas.microsoft.com/office/drawing/2014/main" id="{72D66349-87CF-FA60-5491-C4B794E1360E}"/>
+              </a:ext>
+            </a:extLst>
+          </p:cNvPr>
+          <p:cNvSpPr/>
+          <p:nvPr/>
+        </p:nvSpPr>
+        <p:spPr>
+          <a:xfrm>
+            <a:off x="6658949" y="307137"/>
+            <a:ext cx="3620278" cy="994484"/>
+          </a:xfrm>
+          <a:prstGeom prst="roundRect">
+            <a:avLst/>
+          </a:prstGeom>
+        </p:spPr>
+        <p:style>
+          <a:lnRef idx="2">
+            <a:schemeClr val="accent1">
+              <a:shade val="50000"/>
+            </a:schemeClr>
+          </a:lnRef>
+          <a:fillRef idx="1">
+            <a:schemeClr val="accent1"/>
+          </a:fillRef>
+          <a:effectRef idx="0">
+            <a:schemeClr val="accent1"/>
+          </a:effectRef>
+          <a:fontRef idx="minor">
+            <a:schemeClr val="lt1"/>
+          </a:fontRef>
+        </p:style>
+        <p:txBody>
+          <a:bodyPr rtlCol="0" anchor="ctr"/>
+          <a:lstStyle/>
+          <a:p>
+            <a:pPr algn="ctr"/>
+            <a:r>
+              <a:rPr lang="en-IN" dirty="0"/>
+              <a:t>Execute Action Method</a:t>
+            </a:r>
+          </a:p>
+          <a:p>
+            <a:pPr algn="ctr"/>
+            <a:r>
+              <a:rPr lang="en-IN" dirty="0"/>
+              <a:t>If Exception Occur then </a:t>
+            </a:r>
+            <a:endParaRPr lang="en-US" dirty="0"/>
+          </a:p>
+        </p:txBody>
+      </p:sp>
+      <p:cxnSp>
+        <p:nvCxnSpPr>
+          <p:cNvPr id="19" name="Connector: Elbow 18">
+            <a:extLst>
+              <a:ext uri="{FF2B5EF4-FFF2-40B4-BE49-F238E27FC236}">
+                <a16:creationId xmlns:a16="http://schemas.microsoft.com/office/drawing/2014/main" id="{94D0AA91-8ECA-AB0F-4ED1-DF1493E8F032}"/>
+              </a:ext>
+            </a:extLst>
+          </p:cNvPr>
+          <p:cNvCxnSpPr>
+            <a:cxnSpLocks/>
+            <a:stCxn id="12" idx="2"/>
+            <a:endCxn id="17" idx="0"/>
+          </p:cNvCxnSpPr>
+          <p:nvPr/>
+        </p:nvCxnSpPr>
+        <p:spPr>
+          <a:xfrm rot="5400000" flipH="1" flipV="1">
+            <a:off x="2055459" y="192444"/>
+            <a:ext cx="6298936" cy="6528321"/>
+          </a:xfrm>
+          <a:prstGeom prst="bentConnector5">
+            <a:avLst>
+              <a:gd name="adj1" fmla="val -3629"/>
+              <a:gd name="adj2" fmla="val 50000"/>
+              <a:gd name="adj3" fmla="val 103629"/>
+            </a:avLst>
+          </a:prstGeom>
+          <a:ln>
+            <a:tailEnd type="triangle"/>
+          </a:ln>
+        </p:spPr>
+        <p:style>
+          <a:lnRef idx="1">
+            <a:schemeClr val="accent1"/>
+          </a:lnRef>
+          <a:fillRef idx="0">
+            <a:schemeClr val="accent1"/>
+          </a:fillRef>
+          <a:effectRef idx="0">
+            <a:schemeClr val="accent1"/>
+          </a:effectRef>
+          <a:fontRef idx="minor">
+            <a:schemeClr val="tx1"/>
+          </a:fontRef>
+        </p:style>
+      </p:cxnSp>
+      <p:cxnSp>
+        <p:nvCxnSpPr>
+          <p:cNvPr id="24" name="Straight Arrow Connector 23">
+            <a:extLst>
+              <a:ext uri="{FF2B5EF4-FFF2-40B4-BE49-F238E27FC236}">
+                <a16:creationId xmlns:a16="http://schemas.microsoft.com/office/drawing/2014/main" id="{29BE5135-BEAB-6709-702D-380E41F9A469}"/>
+              </a:ext>
+            </a:extLst>
+          </p:cNvPr>
+          <p:cNvCxnSpPr>
+            <a:stCxn id="17" idx="3"/>
+          </p:cNvCxnSpPr>
+          <p:nvPr/>
+        </p:nvCxnSpPr>
+        <p:spPr>
+          <a:xfrm>
+            <a:off x="10279227" y="804379"/>
+            <a:ext cx="1533328" cy="26045"/>
+          </a:xfrm>
+          <a:prstGeom prst="straightConnector1">
+            <a:avLst/>
+          </a:prstGeom>
+          <a:ln>
+            <a:tailEnd type="triangle"/>
+          </a:ln>
+        </p:spPr>
+        <p:style>
+          <a:lnRef idx="1">
+            <a:schemeClr val="accent1"/>
+          </a:lnRef>
+          <a:fillRef idx="0">
+            <a:schemeClr val="accent1"/>
+          </a:fillRef>
+          <a:effectRef idx="0">
+            <a:schemeClr val="accent1"/>
+          </a:effectRef>
+          <a:fontRef idx="minor">
+            <a:schemeClr val="tx1"/>
+          </a:fontRef>
+        </p:style>
+      </p:cxnSp>
+      <p:sp>
+        <p:nvSpPr>
+          <p:cNvPr id="25" name="TextBox 24">
+            <a:extLst>
+              <a:ext uri="{FF2B5EF4-FFF2-40B4-BE49-F238E27FC236}">
+                <a16:creationId xmlns:a16="http://schemas.microsoft.com/office/drawing/2014/main" id="{FC782EF3-9224-AD31-641E-717381490E95}"/>
+              </a:ext>
+            </a:extLst>
+          </p:cNvPr>
+          <p:cNvSpPr txBox="1"/>
+          <p:nvPr/>
+        </p:nvSpPr>
+        <p:spPr>
+          <a:xfrm>
+            <a:off x="10450288" y="477406"/>
+            <a:ext cx="1648411" cy="923330"/>
+          </a:xfrm>
+          <a:prstGeom prst="rect">
+            <a:avLst/>
+          </a:prstGeom>
+          <a:noFill/>
+        </p:spPr>
+        <p:txBody>
+          <a:bodyPr wrap="square" rtlCol="0">
+            <a:spAutoFit/>
+          </a:bodyPr>
+          <a:lstStyle/>
+          <a:p>
+            <a:r>
+              <a:rPr lang="en-IN" dirty="0"/>
+              <a:t>Error Response using Exception Middleware</a:t>
+            </a:r>
+            <a:endParaRPr lang="en-US" dirty="0"/>
+          </a:p>
+        </p:txBody>
+      </p:sp>
+      <p:sp>
+        <p:nvSpPr>
+          <p:cNvPr id="26" name="Arrow: Down 25">
+            <a:extLst>
+              <a:ext uri="{FF2B5EF4-FFF2-40B4-BE49-F238E27FC236}">
+                <a16:creationId xmlns:a16="http://schemas.microsoft.com/office/drawing/2014/main" id="{E8362CA4-1F3B-974E-6E5D-C12C068473C2}"/>
+              </a:ext>
+            </a:extLst>
+          </p:cNvPr>
+          <p:cNvSpPr/>
+          <p:nvPr/>
+        </p:nvSpPr>
+        <p:spPr>
+          <a:xfrm>
+            <a:off x="8310467" y="1307082"/>
+            <a:ext cx="317241" cy="307910"/>
+          </a:xfrm>
+          <a:prstGeom prst="downArrow">
+            <a:avLst/>
+          </a:prstGeom>
+        </p:spPr>
+        <p:style>
+          <a:lnRef idx="2">
+            <a:schemeClr val="accent1">
+              <a:shade val="50000"/>
+            </a:schemeClr>
+          </a:lnRef>
+          <a:fillRef idx="1">
+            <a:schemeClr val="accent1"/>
+          </a:fillRef>
+          <a:effectRef idx="0">
+            <a:schemeClr val="accent1"/>
+          </a:effectRef>
+          <a:fontRef idx="minor">
+            <a:schemeClr val="lt1"/>
+          </a:fontRef>
+        </p:style>
+        <p:txBody>
+          <a:bodyPr rtlCol="0" anchor="ctr"/>
+          <a:lstStyle/>
+          <a:p>
+            <a:pPr algn="ctr"/>
+            <a:endParaRPr lang="en-US"/>
+          </a:p>
+        </p:txBody>
+      </p:sp>
+      <p:sp>
+        <p:nvSpPr>
+          <p:cNvPr id="27" name="Rectangle: Rounded Corners 26">
+            <a:extLst>
+              <a:ext uri="{FF2B5EF4-FFF2-40B4-BE49-F238E27FC236}">
+                <a16:creationId xmlns:a16="http://schemas.microsoft.com/office/drawing/2014/main" id="{8E0DA69E-E9CF-C76C-97FF-4107E1347E1F}"/>
+              </a:ext>
+            </a:extLst>
+          </p:cNvPr>
+          <p:cNvSpPr/>
+          <p:nvPr/>
+        </p:nvSpPr>
+        <p:spPr>
+          <a:xfrm>
+            <a:off x="6658949" y="1628594"/>
+            <a:ext cx="3620278" cy="994484"/>
+          </a:xfrm>
+          <a:prstGeom prst="roundRect">
+            <a:avLst/>
+          </a:prstGeom>
+        </p:spPr>
+        <p:style>
+          <a:lnRef idx="2">
+            <a:schemeClr val="accent1">
+              <a:shade val="50000"/>
+            </a:schemeClr>
+          </a:lnRef>
+          <a:fillRef idx="1">
+            <a:schemeClr val="accent1"/>
+          </a:fillRef>
+          <a:effectRef idx="0">
+            <a:schemeClr val="accent1"/>
+          </a:effectRef>
+          <a:fontRef idx="minor">
+            <a:schemeClr val="lt1"/>
+          </a:fontRef>
+        </p:style>
+        <p:txBody>
+          <a:bodyPr rtlCol="0" anchor="ctr"/>
+          <a:lstStyle/>
+          <a:p>
+            <a:pPr algn="ctr"/>
+            <a:r>
+              <a:rPr lang="en-IN" dirty="0"/>
+              <a:t>Generate </a:t>
+            </a:r>
+            <a:r>
+              <a:rPr lang="en-IN"/>
+              <a:t>JSON Response / File</a:t>
+            </a:r>
+            <a:endParaRPr lang="en-US" dirty="0"/>
+          </a:p>
+        </p:txBody>
+      </p:sp>
+      <p:sp>
+        <p:nvSpPr>
+          <p:cNvPr id="28" name="Arrow: Down 27">
+            <a:extLst>
+              <a:ext uri="{FF2B5EF4-FFF2-40B4-BE49-F238E27FC236}">
+                <a16:creationId xmlns:a16="http://schemas.microsoft.com/office/drawing/2014/main" id="{00CE2890-CA97-C88F-0C88-6B3C9D2201D7}"/>
+              </a:ext>
+            </a:extLst>
+          </p:cNvPr>
+          <p:cNvSpPr/>
+          <p:nvPr/>
+        </p:nvSpPr>
+        <p:spPr>
+          <a:xfrm>
+            <a:off x="8310466" y="2623077"/>
+            <a:ext cx="317241" cy="1230465"/>
+          </a:xfrm>
+          <a:prstGeom prst="downArrow">
+            <a:avLst/>
+          </a:prstGeom>
+        </p:spPr>
+        <p:style>
+          <a:lnRef idx="2">
+            <a:schemeClr val="accent1">
+              <a:shade val="50000"/>
+            </a:schemeClr>
+          </a:lnRef>
+          <a:fillRef idx="1">
+            <a:schemeClr val="accent1"/>
+          </a:fillRef>
+          <a:effectRef idx="0">
+            <a:schemeClr val="accent1"/>
+          </a:effectRef>
+          <a:fontRef idx="minor">
+            <a:schemeClr val="lt1"/>
+          </a:fontRef>
+        </p:style>
+        <p:txBody>
+          <a:bodyPr rtlCol="0" anchor="ctr"/>
+          <a:lstStyle/>
+          <a:p>
+            <a:pPr algn="ctr"/>
+            <a:endParaRPr lang="en-US"/>
+          </a:p>
+        </p:txBody>
+      </p:sp>
+      <p:sp>
+        <p:nvSpPr>
+          <p:cNvPr id="29" name="TextBox 28">
+            <a:extLst>
+              <a:ext uri="{FF2B5EF4-FFF2-40B4-BE49-F238E27FC236}">
+                <a16:creationId xmlns:a16="http://schemas.microsoft.com/office/drawing/2014/main" id="{F29B58D9-79C7-6201-8F1D-BDE2DF643BFE}"/>
+              </a:ext>
+            </a:extLst>
+          </p:cNvPr>
+          <p:cNvSpPr txBox="1"/>
+          <p:nvPr/>
+        </p:nvSpPr>
+        <p:spPr>
+          <a:xfrm>
+            <a:off x="6904653" y="3853542"/>
+            <a:ext cx="3545635" cy="646331"/>
+          </a:xfrm>
+          <a:prstGeom prst="rect">
+            <a:avLst/>
+          </a:prstGeom>
+          <a:noFill/>
+        </p:spPr>
+        <p:txBody>
+          <a:bodyPr wrap="square" rtlCol="0">
+            <a:spAutoFit/>
+          </a:bodyPr>
+          <a:lstStyle/>
+          <a:p>
+            <a:pPr algn="ctr"/>
+            <a:r>
+              <a:rPr lang="en-IN" b="1" dirty="0"/>
+              <a:t>Request is Completed by The HttpContext</a:t>
+            </a:r>
+            <a:endParaRPr lang="en-US" b="1" dirty="0"/>
+          </a:p>
+        </p:txBody>
+      </p:sp>
+      <p:cxnSp>
+        <p:nvCxnSpPr>
+          <p:cNvPr id="31" name="Connector: Elbow 30">
+            <a:extLst>
+              <a:ext uri="{FF2B5EF4-FFF2-40B4-BE49-F238E27FC236}">
+                <a16:creationId xmlns:a16="http://schemas.microsoft.com/office/drawing/2014/main" id="{B7A4D730-0FA2-A8DE-CDF7-B3183B194947}"/>
+              </a:ext>
+            </a:extLst>
+          </p:cNvPr>
+          <p:cNvCxnSpPr>
+            <a:stCxn id="6" idx="3"/>
+            <a:endCxn id="29" idx="1"/>
+          </p:cNvCxnSpPr>
+          <p:nvPr/>
+        </p:nvCxnSpPr>
+        <p:spPr>
+          <a:xfrm>
+            <a:off x="5878285" y="2836859"/>
+            <a:ext cx="1026368" cy="1339849"/>
+          </a:xfrm>
+          <a:prstGeom prst="bentConnector3">
+            <a:avLst/>
+          </a:prstGeom>
+          <a:ln>
+            <a:tailEnd type="triangle"/>
+          </a:ln>
+        </p:spPr>
+        <p:style>
+          <a:lnRef idx="1">
+            <a:schemeClr val="accent1"/>
+          </a:lnRef>
+          <a:fillRef idx="0">
+            <a:schemeClr val="accent1"/>
+          </a:fillRef>
+          <a:effectRef idx="0">
+            <a:schemeClr val="accent1"/>
+          </a:effectRef>
+          <a:fontRef idx="minor">
+            <a:schemeClr val="tx1"/>
+          </a:fontRef>
+        </p:style>
+      </p:cxnSp>
+      <p:cxnSp>
+        <p:nvCxnSpPr>
+          <p:cNvPr id="33" name="Connector: Elbow 32">
+            <a:extLst>
+              <a:ext uri="{FF2B5EF4-FFF2-40B4-BE49-F238E27FC236}">
+                <a16:creationId xmlns:a16="http://schemas.microsoft.com/office/drawing/2014/main" id="{B322A0D2-BE70-D375-3474-76151F077E3A}"/>
+              </a:ext>
+            </a:extLst>
+          </p:cNvPr>
+          <p:cNvCxnSpPr>
+            <a:stCxn id="25" idx="2"/>
+            <a:endCxn id="29" idx="3"/>
+          </p:cNvCxnSpPr>
+          <p:nvPr/>
+        </p:nvCxnSpPr>
+        <p:spPr>
+          <a:xfrm rot="5400000">
+            <a:off x="9474405" y="2376619"/>
+            <a:ext cx="2775972" cy="824206"/>
+          </a:xfrm>
+          <a:prstGeom prst="bentConnector2">
+            <a:avLst/>
+          </a:prstGeom>
+          <a:ln>
+            <a:tailEnd type="triangle"/>
+          </a:ln>
+        </p:spPr>
+        <p:style>
+          <a:lnRef idx="1">
+            <a:schemeClr val="accent1"/>
+          </a:lnRef>
+          <a:fillRef idx="0">
+            <a:schemeClr val="accent1"/>
+          </a:fillRef>
+          <a:effectRef idx="0">
+            <a:schemeClr val="accent1"/>
+          </a:effectRef>
+          <a:fontRef idx="minor">
+            <a:schemeClr val="tx1"/>
+          </a:fontRef>
+        </p:style>
+      </p:cxnSp>
+    </p:spTree>
+    <p:extLst>
+      <p:ext uri="{BB962C8B-B14F-4D97-AF65-F5344CB8AC3E}">
+        <p14:creationId xmlns:p14="http://schemas.microsoft.com/office/powerpoint/2010/main" val="3928655137"/>
       </p:ext>
     </p:extLst>
   </p:cSld>

--- a/PPts.pptx
+++ b/PPts.pptx
@@ -9480,11 +9480,7 @@
             <a:pPr algn="ctr"/>
             <a:r>
               <a:rPr lang="en-IN" dirty="0"/>
-              <a:t>Generate </a:t>
-            </a:r>
-            <a:r>
-              <a:rPr lang="en-IN"/>
-              <a:t>JSON Response / File</a:t>
+              <a:t>Generate JSON Response / File</a:t>
             </a:r>
             <a:endParaRPr lang="en-US" dirty="0"/>
           </a:p>

--- a/PPts.pptx
+++ b/PPts.pptx
@@ -11,6 +11,8 @@
     <p:sldId id="259" r:id="rId5"/>
     <p:sldId id="260" r:id="rId6"/>
     <p:sldId id="261" r:id="rId7"/>
+    <p:sldId id="262" r:id="rId8"/>
+    <p:sldId id="263" r:id="rId9"/>
   </p:sldIdLst>
   <p:sldSz cx="12192000" cy="6858000"/>
   <p:notesSz cx="6858000" cy="9144000"/>
@@ -264,7 +266,7 @@
           <a:p>
             <a:fld id="{56C5A6DE-F3FE-450E-B6D7-DFB343F61E0E}" type="datetimeFigureOut">
               <a:rPr lang="en-US" smtClean="0"/>
-              <a:t>3/9/2023</a:t>
+              <a:t>3/11/2023</a:t>
             </a:fld>
             <a:endParaRPr lang="en-US"/>
           </a:p>
@@ -462,7 +464,7 @@
           <a:p>
             <a:fld id="{56C5A6DE-F3FE-450E-B6D7-DFB343F61E0E}" type="datetimeFigureOut">
               <a:rPr lang="en-US" smtClean="0"/>
-              <a:t>3/9/2023</a:t>
+              <a:t>3/11/2023</a:t>
             </a:fld>
             <a:endParaRPr lang="en-US"/>
           </a:p>
@@ -670,7 +672,7 @@
           <a:p>
             <a:fld id="{56C5A6DE-F3FE-450E-B6D7-DFB343F61E0E}" type="datetimeFigureOut">
               <a:rPr lang="en-US" smtClean="0"/>
-              <a:t>3/9/2023</a:t>
+              <a:t>3/11/2023</a:t>
             </a:fld>
             <a:endParaRPr lang="en-US"/>
           </a:p>
@@ -868,7 +870,7 @@
           <a:p>
             <a:fld id="{56C5A6DE-F3FE-450E-B6D7-DFB343F61E0E}" type="datetimeFigureOut">
               <a:rPr lang="en-US" smtClean="0"/>
-              <a:t>3/9/2023</a:t>
+              <a:t>3/11/2023</a:t>
             </a:fld>
             <a:endParaRPr lang="en-US"/>
           </a:p>
@@ -1143,7 +1145,7 @@
           <a:p>
             <a:fld id="{56C5A6DE-F3FE-450E-B6D7-DFB343F61E0E}" type="datetimeFigureOut">
               <a:rPr lang="en-US" smtClean="0"/>
-              <a:t>3/9/2023</a:t>
+              <a:t>3/11/2023</a:t>
             </a:fld>
             <a:endParaRPr lang="en-US"/>
           </a:p>
@@ -1408,7 +1410,7 @@
           <a:p>
             <a:fld id="{56C5A6DE-F3FE-450E-B6D7-DFB343F61E0E}" type="datetimeFigureOut">
               <a:rPr lang="en-US" smtClean="0"/>
-              <a:t>3/9/2023</a:t>
+              <a:t>3/11/2023</a:t>
             </a:fld>
             <a:endParaRPr lang="en-US"/>
           </a:p>
@@ -1820,7 +1822,7 @@
           <a:p>
             <a:fld id="{56C5A6DE-F3FE-450E-B6D7-DFB343F61E0E}" type="datetimeFigureOut">
               <a:rPr lang="en-US" smtClean="0"/>
-              <a:t>3/9/2023</a:t>
+              <a:t>3/11/2023</a:t>
             </a:fld>
             <a:endParaRPr lang="en-US"/>
           </a:p>
@@ -1961,7 +1963,7 @@
           <a:p>
             <a:fld id="{56C5A6DE-F3FE-450E-B6D7-DFB343F61E0E}" type="datetimeFigureOut">
               <a:rPr lang="en-US" smtClean="0"/>
-              <a:t>3/9/2023</a:t>
+              <a:t>3/11/2023</a:t>
             </a:fld>
             <a:endParaRPr lang="en-US"/>
           </a:p>
@@ -2074,7 +2076,7 @@
           <a:p>
             <a:fld id="{56C5A6DE-F3FE-450E-B6D7-DFB343F61E0E}" type="datetimeFigureOut">
               <a:rPr lang="en-US" smtClean="0"/>
-              <a:t>3/9/2023</a:t>
+              <a:t>3/11/2023</a:t>
             </a:fld>
             <a:endParaRPr lang="en-US"/>
           </a:p>
@@ -2385,7 +2387,7 @@
           <a:p>
             <a:fld id="{56C5A6DE-F3FE-450E-B6D7-DFB343F61E0E}" type="datetimeFigureOut">
               <a:rPr lang="en-US" smtClean="0"/>
-              <a:t>3/9/2023</a:t>
+              <a:t>3/11/2023</a:t>
             </a:fld>
             <a:endParaRPr lang="en-US"/>
           </a:p>
@@ -2673,7 +2675,7 @@
           <a:p>
             <a:fld id="{56C5A6DE-F3FE-450E-B6D7-DFB343F61E0E}" type="datetimeFigureOut">
               <a:rPr lang="en-US" smtClean="0"/>
-              <a:t>3/9/2023</a:t>
+              <a:t>3/11/2023</a:t>
             </a:fld>
             <a:endParaRPr lang="en-US"/>
           </a:p>
@@ -2914,7 +2916,7 @@
           <a:p>
             <a:fld id="{56C5A6DE-F3FE-450E-B6D7-DFB343F61E0E}" type="datetimeFigureOut">
               <a:rPr lang="en-US" smtClean="0"/>
-              <a:t>3/9/2023</a:t>
+              <a:t>3/11/2023</a:t>
             </a:fld>
             <a:endParaRPr lang="en-US"/>
           </a:p>
@@ -9666,6 +9668,1161 @@
 </p:sld>
 </file>
 
+<file path=ppt/slides/slide7.xml><?xml version="1.0" encoding="utf-8"?>
+<p:sld xmlns:a="http://schemas.openxmlformats.org/drawingml/2006/main" xmlns:r="http://schemas.openxmlformats.org/officeDocument/2006/relationships" xmlns:p="http://schemas.openxmlformats.org/presentationml/2006/main">
+  <p:cSld>
+    <p:spTree>
+      <p:nvGrpSpPr>
+        <p:cNvPr id="1" name=""/>
+        <p:cNvGrpSpPr/>
+        <p:nvPr/>
+      </p:nvGrpSpPr>
+      <p:grpSpPr>
+        <a:xfrm>
+          <a:off x="0" y="0"/>
+          <a:ext cx="0" cy="0"/>
+          <a:chOff x="0" y="0"/>
+          <a:chExt cx="0" cy="0"/>
+        </a:xfrm>
+      </p:grpSpPr>
+      <p:sp>
+        <p:nvSpPr>
+          <p:cNvPr id="2" name="Rectangle 1">
+            <a:extLst>
+              <a:ext uri="{FF2B5EF4-FFF2-40B4-BE49-F238E27FC236}">
+                <a16:creationId xmlns:a16="http://schemas.microsoft.com/office/drawing/2014/main" id="{E4148C36-6CFD-8D46-8CA4-E4F9A1B1BF32}"/>
+              </a:ext>
+            </a:extLst>
+          </p:cNvPr>
+          <p:cNvSpPr/>
+          <p:nvPr/>
+        </p:nvSpPr>
+        <p:spPr>
+          <a:xfrm>
+            <a:off x="8229600" y="2141375"/>
+            <a:ext cx="2435290" cy="2575249"/>
+          </a:xfrm>
+          <a:prstGeom prst="rect">
+            <a:avLst/>
+          </a:prstGeom>
+        </p:spPr>
+        <p:style>
+          <a:lnRef idx="2">
+            <a:schemeClr val="accent2">
+              <a:shade val="50000"/>
+            </a:schemeClr>
+          </a:lnRef>
+          <a:fillRef idx="1">
+            <a:schemeClr val="accent2"/>
+          </a:fillRef>
+          <a:effectRef idx="0">
+            <a:schemeClr val="accent2"/>
+          </a:effectRef>
+          <a:fontRef idx="minor">
+            <a:schemeClr val="lt1"/>
+          </a:fontRef>
+        </p:style>
+        <p:txBody>
+          <a:bodyPr rtlCol="0" anchor="ctr"/>
+          <a:lstStyle/>
+          <a:p>
+            <a:pPr algn="ctr"/>
+            <a:r>
+              <a:rPr lang="en-IN" dirty="0"/>
+              <a:t>App</a:t>
+            </a:r>
+            <a:endParaRPr lang="en-US" dirty="0"/>
+          </a:p>
+        </p:txBody>
+      </p:sp>
+      <p:sp>
+        <p:nvSpPr>
+          <p:cNvPr id="3" name="Rectangle 2">
+            <a:extLst>
+              <a:ext uri="{FF2B5EF4-FFF2-40B4-BE49-F238E27FC236}">
+                <a16:creationId xmlns:a16="http://schemas.microsoft.com/office/drawing/2014/main" id="{656D298D-748E-ECE9-2222-057DFE7DD506}"/>
+              </a:ext>
+            </a:extLst>
+          </p:cNvPr>
+          <p:cNvSpPr/>
+          <p:nvPr/>
+        </p:nvSpPr>
+        <p:spPr>
+          <a:xfrm>
+            <a:off x="4808375" y="157066"/>
+            <a:ext cx="2435290" cy="887964"/>
+          </a:xfrm>
+          <a:prstGeom prst="rect">
+            <a:avLst/>
+          </a:prstGeom>
+        </p:spPr>
+        <p:style>
+          <a:lnRef idx="2">
+            <a:schemeClr val="accent1">
+              <a:shade val="50000"/>
+            </a:schemeClr>
+          </a:lnRef>
+          <a:fillRef idx="1">
+            <a:schemeClr val="accent1"/>
+          </a:fillRef>
+          <a:effectRef idx="0">
+            <a:schemeClr val="accent1"/>
+          </a:effectRef>
+          <a:fontRef idx="minor">
+            <a:schemeClr val="lt1"/>
+          </a:fontRef>
+        </p:style>
+        <p:txBody>
+          <a:bodyPr rtlCol="0" anchor="ctr"/>
+          <a:lstStyle/>
+          <a:p>
+            <a:pPr algn="ctr"/>
+            <a:r>
+              <a:rPr lang="en-IN" dirty="0"/>
+              <a:t>Issuer</a:t>
+            </a:r>
+            <a:endParaRPr lang="en-US" dirty="0"/>
+          </a:p>
+        </p:txBody>
+      </p:sp>
+      <p:sp>
+        <p:nvSpPr>
+          <p:cNvPr id="4" name="Rectangle 3">
+            <a:extLst>
+              <a:ext uri="{FF2B5EF4-FFF2-40B4-BE49-F238E27FC236}">
+                <a16:creationId xmlns:a16="http://schemas.microsoft.com/office/drawing/2014/main" id="{121FB7E4-ACE3-05F7-4A6A-D9541F0A7AE7}"/>
+              </a:ext>
+            </a:extLst>
+          </p:cNvPr>
+          <p:cNvSpPr/>
+          <p:nvPr/>
+        </p:nvSpPr>
+        <p:spPr>
+          <a:xfrm>
+            <a:off x="506964" y="2141374"/>
+            <a:ext cx="2435290" cy="2575249"/>
+          </a:xfrm>
+          <a:prstGeom prst="rect">
+            <a:avLst/>
+          </a:prstGeom>
+        </p:spPr>
+        <p:style>
+          <a:lnRef idx="2">
+            <a:schemeClr val="accent1">
+              <a:shade val="50000"/>
+            </a:schemeClr>
+          </a:lnRef>
+          <a:fillRef idx="1">
+            <a:schemeClr val="accent1"/>
+          </a:fillRef>
+          <a:effectRef idx="0">
+            <a:schemeClr val="accent1"/>
+          </a:effectRef>
+          <a:fontRef idx="minor">
+            <a:schemeClr val="lt1"/>
+          </a:fontRef>
+        </p:style>
+        <p:txBody>
+          <a:bodyPr rtlCol="0" anchor="ctr"/>
+          <a:lstStyle/>
+          <a:p>
+            <a:pPr algn="ctr"/>
+            <a:r>
+              <a:rPr lang="en-IN" dirty="0"/>
+              <a:t>Client </a:t>
+            </a:r>
+            <a:endParaRPr lang="en-US" dirty="0"/>
+          </a:p>
+        </p:txBody>
+      </p:sp>
+      <p:cxnSp>
+        <p:nvCxnSpPr>
+          <p:cNvPr id="6" name="Straight Arrow Connector 5">
+            <a:extLst>
+              <a:ext uri="{FF2B5EF4-FFF2-40B4-BE49-F238E27FC236}">
+                <a16:creationId xmlns:a16="http://schemas.microsoft.com/office/drawing/2014/main" id="{C3980ED3-BD0F-5229-0474-0115938A3820}"/>
+              </a:ext>
+            </a:extLst>
+          </p:cNvPr>
+          <p:cNvCxnSpPr/>
+          <p:nvPr/>
+        </p:nvCxnSpPr>
+        <p:spPr>
+          <a:xfrm>
+            <a:off x="2942254" y="2304661"/>
+            <a:ext cx="5240693" cy="74645"/>
+          </a:xfrm>
+          <a:prstGeom prst="straightConnector1">
+            <a:avLst/>
+          </a:prstGeom>
+          <a:ln>
+            <a:tailEnd type="triangle"/>
+          </a:ln>
+        </p:spPr>
+        <p:style>
+          <a:lnRef idx="1">
+            <a:schemeClr val="accent1"/>
+          </a:lnRef>
+          <a:fillRef idx="0">
+            <a:schemeClr val="accent1"/>
+          </a:fillRef>
+          <a:effectRef idx="0">
+            <a:schemeClr val="accent1"/>
+          </a:effectRef>
+          <a:fontRef idx="minor">
+            <a:schemeClr val="tx1"/>
+          </a:fontRef>
+        </p:style>
+      </p:cxnSp>
+      <p:sp>
+        <p:nvSpPr>
+          <p:cNvPr id="7" name="TextBox 6">
+            <a:extLst>
+              <a:ext uri="{FF2B5EF4-FFF2-40B4-BE49-F238E27FC236}">
+                <a16:creationId xmlns:a16="http://schemas.microsoft.com/office/drawing/2014/main" id="{E7B68A19-75F3-7F45-30E0-C40EA88457F3}"/>
+              </a:ext>
+            </a:extLst>
+          </p:cNvPr>
+          <p:cNvSpPr txBox="1"/>
+          <p:nvPr/>
+        </p:nvSpPr>
+        <p:spPr>
+          <a:xfrm>
+            <a:off x="3097763" y="1987420"/>
+            <a:ext cx="2304661" cy="369332"/>
+          </a:xfrm>
+          <a:prstGeom prst="rect">
+            <a:avLst/>
+          </a:prstGeom>
+          <a:noFill/>
+        </p:spPr>
+        <p:txBody>
+          <a:bodyPr wrap="square" rtlCol="0">
+            <a:spAutoFit/>
+          </a:bodyPr>
+          <a:lstStyle/>
+          <a:p>
+            <a:r>
+              <a:rPr lang="en-IN" dirty="0"/>
+              <a:t>3. Request</a:t>
+            </a:r>
+            <a:endParaRPr lang="en-US" dirty="0"/>
+          </a:p>
+        </p:txBody>
+      </p:sp>
+      <p:cxnSp>
+        <p:nvCxnSpPr>
+          <p:cNvPr id="9" name="Straight Arrow Connector 8">
+            <a:extLst>
+              <a:ext uri="{FF2B5EF4-FFF2-40B4-BE49-F238E27FC236}">
+                <a16:creationId xmlns:a16="http://schemas.microsoft.com/office/drawing/2014/main" id="{7AFBE62E-398C-1174-CF8E-99D7B7DC04B6}"/>
+              </a:ext>
+            </a:extLst>
+          </p:cNvPr>
+          <p:cNvCxnSpPr>
+            <a:cxnSpLocks/>
+          </p:cNvCxnSpPr>
+          <p:nvPr/>
+        </p:nvCxnSpPr>
+        <p:spPr>
+          <a:xfrm flipH="1">
+            <a:off x="2895601" y="2696547"/>
+            <a:ext cx="5287346" cy="93306"/>
+          </a:xfrm>
+          <a:prstGeom prst="straightConnector1">
+            <a:avLst/>
+          </a:prstGeom>
+          <a:ln>
+            <a:tailEnd type="triangle"/>
+          </a:ln>
+        </p:spPr>
+        <p:style>
+          <a:lnRef idx="1">
+            <a:schemeClr val="accent1"/>
+          </a:lnRef>
+          <a:fillRef idx="0">
+            <a:schemeClr val="accent1"/>
+          </a:fillRef>
+          <a:effectRef idx="0">
+            <a:schemeClr val="accent1"/>
+          </a:effectRef>
+          <a:fontRef idx="minor">
+            <a:schemeClr val="tx1"/>
+          </a:fontRef>
+        </p:style>
+      </p:cxnSp>
+      <p:sp>
+        <p:nvSpPr>
+          <p:cNvPr id="11" name="TextBox 10">
+            <a:extLst>
+              <a:ext uri="{FF2B5EF4-FFF2-40B4-BE49-F238E27FC236}">
+                <a16:creationId xmlns:a16="http://schemas.microsoft.com/office/drawing/2014/main" id="{3DB915C4-B2CC-3A1B-2DEA-0083D786451C}"/>
+              </a:ext>
+            </a:extLst>
+          </p:cNvPr>
+          <p:cNvSpPr txBox="1"/>
+          <p:nvPr/>
+        </p:nvSpPr>
+        <p:spPr>
+          <a:xfrm>
+            <a:off x="3097763" y="2766139"/>
+            <a:ext cx="4795935" cy="369332"/>
+          </a:xfrm>
+          <a:prstGeom prst="rect">
+            <a:avLst/>
+          </a:prstGeom>
+          <a:noFill/>
+        </p:spPr>
+        <p:txBody>
+          <a:bodyPr wrap="square" rtlCol="0">
+            <a:spAutoFit/>
+          </a:bodyPr>
+          <a:lstStyle/>
+          <a:p>
+            <a:r>
+              <a:rPr lang="en-IN" dirty="0"/>
+              <a:t>4. Ask for Login e.g. Gmail, FB, etc</a:t>
+            </a:r>
+            <a:endParaRPr lang="en-US" dirty="0"/>
+          </a:p>
+        </p:txBody>
+      </p:sp>
+      <p:cxnSp>
+        <p:nvCxnSpPr>
+          <p:cNvPr id="13" name="Connector: Elbow 12">
+            <a:extLst>
+              <a:ext uri="{FF2B5EF4-FFF2-40B4-BE49-F238E27FC236}">
+                <a16:creationId xmlns:a16="http://schemas.microsoft.com/office/drawing/2014/main" id="{29E29F19-409D-2A97-DEF4-E8C8B0003728}"/>
+              </a:ext>
+            </a:extLst>
+          </p:cNvPr>
+          <p:cNvCxnSpPr>
+            <a:stCxn id="2" idx="0"/>
+            <a:endCxn id="3" idx="3"/>
+          </p:cNvCxnSpPr>
+          <p:nvPr/>
+        </p:nvCxnSpPr>
+        <p:spPr>
+          <a:xfrm rot="16200000" flipV="1">
+            <a:off x="7575292" y="269422"/>
+            <a:ext cx="1540327" cy="2203580"/>
+          </a:xfrm>
+          <a:prstGeom prst="bentConnector2">
+            <a:avLst/>
+          </a:prstGeom>
+          <a:ln>
+            <a:tailEnd type="triangle"/>
+          </a:ln>
+        </p:spPr>
+        <p:style>
+          <a:lnRef idx="1">
+            <a:schemeClr val="accent1"/>
+          </a:lnRef>
+          <a:fillRef idx="0">
+            <a:schemeClr val="accent1"/>
+          </a:fillRef>
+          <a:effectRef idx="0">
+            <a:schemeClr val="accent1"/>
+          </a:effectRef>
+          <a:fontRef idx="minor">
+            <a:schemeClr val="tx1"/>
+          </a:fontRef>
+        </p:style>
+      </p:cxnSp>
+      <p:sp>
+        <p:nvSpPr>
+          <p:cNvPr id="14" name="TextBox 13">
+            <a:extLst>
+              <a:ext uri="{FF2B5EF4-FFF2-40B4-BE49-F238E27FC236}">
+                <a16:creationId xmlns:a16="http://schemas.microsoft.com/office/drawing/2014/main" id="{ACAF154D-1D05-E9C5-645B-C14ED73359C7}"/>
+              </a:ext>
+            </a:extLst>
+          </p:cNvPr>
+          <p:cNvSpPr txBox="1"/>
+          <p:nvPr/>
+        </p:nvSpPr>
+        <p:spPr>
+          <a:xfrm>
+            <a:off x="8033657" y="157066"/>
+            <a:ext cx="3219061" cy="646331"/>
+          </a:xfrm>
+          <a:prstGeom prst="rect">
+            <a:avLst/>
+          </a:prstGeom>
+          <a:noFill/>
+        </p:spPr>
+        <p:txBody>
+          <a:bodyPr wrap="square" rtlCol="0">
+            <a:spAutoFit/>
+          </a:bodyPr>
+          <a:lstStyle/>
+          <a:p>
+            <a:r>
+              <a:rPr lang="en-IN" dirty="0"/>
+              <a:t>1. App Registration against the Issuer e.g. Google</a:t>
+            </a:r>
+            <a:endParaRPr lang="en-US" dirty="0"/>
+          </a:p>
+        </p:txBody>
+      </p:sp>
+      <p:cxnSp>
+        <p:nvCxnSpPr>
+          <p:cNvPr id="16" name="Connector: Elbow 15">
+            <a:extLst>
+              <a:ext uri="{FF2B5EF4-FFF2-40B4-BE49-F238E27FC236}">
+                <a16:creationId xmlns:a16="http://schemas.microsoft.com/office/drawing/2014/main" id="{76E3A95B-E54A-F58A-627E-C03101AC50BF}"/>
+              </a:ext>
+            </a:extLst>
+          </p:cNvPr>
+          <p:cNvCxnSpPr>
+            <a:stCxn id="3" idx="2"/>
+            <a:endCxn id="2" idx="3"/>
+          </p:cNvCxnSpPr>
+          <p:nvPr/>
+        </p:nvCxnSpPr>
+        <p:spPr>
+          <a:xfrm rot="16200000" flipH="1">
+            <a:off x="7153470" y="-82420"/>
+            <a:ext cx="2383970" cy="4638870"/>
+          </a:xfrm>
+          <a:prstGeom prst="bentConnector4">
+            <a:avLst>
+              <a:gd name="adj1" fmla="val 22994"/>
+              <a:gd name="adj2" fmla="val 104928"/>
+            </a:avLst>
+          </a:prstGeom>
+          <a:ln>
+            <a:tailEnd type="triangle"/>
+          </a:ln>
+        </p:spPr>
+        <p:style>
+          <a:lnRef idx="1">
+            <a:schemeClr val="accent1"/>
+          </a:lnRef>
+          <a:fillRef idx="0">
+            <a:schemeClr val="accent1"/>
+          </a:fillRef>
+          <a:effectRef idx="0">
+            <a:schemeClr val="accent1"/>
+          </a:effectRef>
+          <a:fontRef idx="minor">
+            <a:schemeClr val="tx1"/>
+          </a:fontRef>
+        </p:style>
+      </p:cxnSp>
+      <p:sp>
+        <p:nvSpPr>
+          <p:cNvPr id="17" name="TextBox 16">
+            <a:extLst>
+              <a:ext uri="{FF2B5EF4-FFF2-40B4-BE49-F238E27FC236}">
+                <a16:creationId xmlns:a16="http://schemas.microsoft.com/office/drawing/2014/main" id="{D49539FB-A68B-AD58-245B-96F71CEDB35E}"/>
+              </a:ext>
+            </a:extLst>
+          </p:cNvPr>
+          <p:cNvSpPr txBox="1"/>
+          <p:nvPr/>
+        </p:nvSpPr>
+        <p:spPr>
+          <a:xfrm>
+            <a:off x="9946433" y="1119675"/>
+            <a:ext cx="2090057" cy="646331"/>
+          </a:xfrm>
+          <a:prstGeom prst="rect">
+            <a:avLst/>
+          </a:prstGeom>
+          <a:noFill/>
+        </p:spPr>
+        <p:txBody>
+          <a:bodyPr wrap="square" rtlCol="0">
+            <a:spAutoFit/>
+          </a:bodyPr>
+          <a:lstStyle/>
+          <a:p>
+            <a:r>
+              <a:rPr lang="en-IN" dirty="0"/>
+              <a:t>2. Client Id and Client Secret</a:t>
+            </a:r>
+            <a:endParaRPr lang="en-US" dirty="0"/>
+          </a:p>
+        </p:txBody>
+      </p:sp>
+      <p:cxnSp>
+        <p:nvCxnSpPr>
+          <p:cNvPr id="21" name="Straight Arrow Connector 20">
+            <a:extLst>
+              <a:ext uri="{FF2B5EF4-FFF2-40B4-BE49-F238E27FC236}">
+                <a16:creationId xmlns:a16="http://schemas.microsoft.com/office/drawing/2014/main" id="{549C5417-FCA3-CE60-3894-C496592A5F2D}"/>
+              </a:ext>
+            </a:extLst>
+          </p:cNvPr>
+          <p:cNvCxnSpPr>
+            <a:stCxn id="4" idx="3"/>
+            <a:endCxn id="2" idx="1"/>
+          </p:cNvCxnSpPr>
+          <p:nvPr/>
+        </p:nvCxnSpPr>
+        <p:spPr>
+          <a:xfrm>
+            <a:off x="2942254" y="3428999"/>
+            <a:ext cx="5287346" cy="1"/>
+          </a:xfrm>
+          <a:prstGeom prst="straightConnector1">
+            <a:avLst/>
+          </a:prstGeom>
+          <a:ln>
+            <a:tailEnd type="triangle"/>
+          </a:ln>
+        </p:spPr>
+        <p:style>
+          <a:lnRef idx="1">
+            <a:schemeClr val="accent1"/>
+          </a:lnRef>
+          <a:fillRef idx="0">
+            <a:schemeClr val="accent1"/>
+          </a:fillRef>
+          <a:effectRef idx="0">
+            <a:schemeClr val="accent1"/>
+          </a:effectRef>
+          <a:fontRef idx="minor">
+            <a:schemeClr val="tx1"/>
+          </a:fontRef>
+        </p:style>
+      </p:cxnSp>
+      <p:sp>
+        <p:nvSpPr>
+          <p:cNvPr id="22" name="TextBox 21">
+            <a:extLst>
+              <a:ext uri="{FF2B5EF4-FFF2-40B4-BE49-F238E27FC236}">
+                <a16:creationId xmlns:a16="http://schemas.microsoft.com/office/drawing/2014/main" id="{8D278700-9142-F1D4-5725-FEDDCB5FFFB7}"/>
+              </a:ext>
+            </a:extLst>
+          </p:cNvPr>
+          <p:cNvSpPr txBox="1"/>
+          <p:nvPr/>
+        </p:nvSpPr>
+        <p:spPr>
+          <a:xfrm>
+            <a:off x="3293706" y="3237721"/>
+            <a:ext cx="3806890" cy="369332"/>
+          </a:xfrm>
+          <a:prstGeom prst="rect">
+            <a:avLst/>
+          </a:prstGeom>
+          <a:noFill/>
+        </p:spPr>
+        <p:txBody>
+          <a:bodyPr wrap="square" rtlCol="0">
+            <a:spAutoFit/>
+          </a:bodyPr>
+          <a:lstStyle/>
+          <a:p>
+            <a:r>
+              <a:rPr lang="en-IN" dirty="0"/>
+              <a:t>5. Client Choose to Login using Google</a:t>
+            </a:r>
+            <a:endParaRPr lang="en-US" dirty="0"/>
+          </a:p>
+        </p:txBody>
+      </p:sp>
+      <p:cxnSp>
+        <p:nvCxnSpPr>
+          <p:cNvPr id="24" name="Straight Arrow Connector 23">
+            <a:extLst>
+              <a:ext uri="{FF2B5EF4-FFF2-40B4-BE49-F238E27FC236}">
+                <a16:creationId xmlns:a16="http://schemas.microsoft.com/office/drawing/2014/main" id="{C347CB7E-B05D-E933-D924-3D080ED1B83D}"/>
+              </a:ext>
+            </a:extLst>
+          </p:cNvPr>
+          <p:cNvCxnSpPr/>
+          <p:nvPr/>
+        </p:nvCxnSpPr>
+        <p:spPr>
+          <a:xfrm flipH="1">
+            <a:off x="2942254" y="3722530"/>
+            <a:ext cx="5287346" cy="150452"/>
+          </a:xfrm>
+          <a:prstGeom prst="straightConnector1">
+            <a:avLst/>
+          </a:prstGeom>
+          <a:ln>
+            <a:tailEnd type="triangle"/>
+          </a:ln>
+        </p:spPr>
+        <p:style>
+          <a:lnRef idx="1">
+            <a:schemeClr val="accent1"/>
+          </a:lnRef>
+          <a:fillRef idx="0">
+            <a:schemeClr val="accent1"/>
+          </a:fillRef>
+          <a:effectRef idx="0">
+            <a:schemeClr val="accent1"/>
+          </a:effectRef>
+          <a:fontRef idx="minor">
+            <a:schemeClr val="tx1"/>
+          </a:fontRef>
+        </p:style>
+      </p:cxnSp>
+      <p:sp>
+        <p:nvSpPr>
+          <p:cNvPr id="25" name="TextBox 24">
+            <a:extLst>
+              <a:ext uri="{FF2B5EF4-FFF2-40B4-BE49-F238E27FC236}">
+                <a16:creationId xmlns:a16="http://schemas.microsoft.com/office/drawing/2014/main" id="{99EE88AF-8381-F686-1001-86F6E35115DB}"/>
+              </a:ext>
+            </a:extLst>
+          </p:cNvPr>
+          <p:cNvSpPr txBox="1"/>
+          <p:nvPr/>
+        </p:nvSpPr>
+        <p:spPr>
+          <a:xfrm>
+            <a:off x="3293706" y="3722528"/>
+            <a:ext cx="4376057" cy="646331"/>
+          </a:xfrm>
+          <a:prstGeom prst="rect">
+            <a:avLst/>
+          </a:prstGeom>
+          <a:noFill/>
+        </p:spPr>
+        <p:txBody>
+          <a:bodyPr wrap="square" rtlCol="0">
+            <a:spAutoFit/>
+          </a:bodyPr>
+          <a:lstStyle/>
+          <a:p>
+            <a:r>
+              <a:rPr lang="en-IN" dirty="0"/>
+              <a:t>6. Render Google Login Page with the Return URL to the App Home Page</a:t>
+            </a:r>
+            <a:endParaRPr lang="en-US" dirty="0"/>
+          </a:p>
+        </p:txBody>
+      </p:sp>
+      <p:cxnSp>
+        <p:nvCxnSpPr>
+          <p:cNvPr id="27" name="Connector: Elbow 26">
+            <a:extLst>
+              <a:ext uri="{FF2B5EF4-FFF2-40B4-BE49-F238E27FC236}">
+                <a16:creationId xmlns:a16="http://schemas.microsoft.com/office/drawing/2014/main" id="{D81A5A39-E2CD-0742-9BDA-FA3B60AFEDA8}"/>
+              </a:ext>
+            </a:extLst>
+          </p:cNvPr>
+          <p:cNvCxnSpPr>
+            <a:stCxn id="4" idx="0"/>
+            <a:endCxn id="3" idx="1"/>
+          </p:cNvCxnSpPr>
+          <p:nvPr/>
+        </p:nvCxnSpPr>
+        <p:spPr>
+          <a:xfrm rot="5400000" flipH="1" flipV="1">
+            <a:off x="2496329" y="-170672"/>
+            <a:ext cx="1540326" cy="3083766"/>
+          </a:xfrm>
+          <a:prstGeom prst="bentConnector2">
+            <a:avLst/>
+          </a:prstGeom>
+          <a:ln>
+            <a:tailEnd type="triangle"/>
+          </a:ln>
+        </p:spPr>
+        <p:style>
+          <a:lnRef idx="1">
+            <a:schemeClr val="accent1"/>
+          </a:lnRef>
+          <a:fillRef idx="0">
+            <a:schemeClr val="accent1"/>
+          </a:fillRef>
+          <a:effectRef idx="0">
+            <a:schemeClr val="accent1"/>
+          </a:effectRef>
+          <a:fontRef idx="minor">
+            <a:schemeClr val="tx1"/>
+          </a:fontRef>
+        </p:style>
+      </p:cxnSp>
+      <p:sp>
+        <p:nvSpPr>
+          <p:cNvPr id="28" name="TextBox 27">
+            <a:extLst>
+              <a:ext uri="{FF2B5EF4-FFF2-40B4-BE49-F238E27FC236}">
+                <a16:creationId xmlns:a16="http://schemas.microsoft.com/office/drawing/2014/main" id="{EBDF0C6B-9965-2135-DFA0-4B2699638B5B}"/>
+              </a:ext>
+            </a:extLst>
+          </p:cNvPr>
+          <p:cNvSpPr txBox="1"/>
+          <p:nvPr/>
+        </p:nvSpPr>
+        <p:spPr>
+          <a:xfrm>
+            <a:off x="783771" y="769777"/>
+            <a:ext cx="3083766" cy="369332"/>
+          </a:xfrm>
+          <a:prstGeom prst="rect">
+            <a:avLst/>
+          </a:prstGeom>
+          <a:noFill/>
+        </p:spPr>
+        <p:txBody>
+          <a:bodyPr wrap="square" rtlCol="0">
+            <a:spAutoFit/>
+          </a:bodyPr>
+          <a:lstStyle/>
+          <a:p>
+            <a:r>
+              <a:rPr lang="en-IN" dirty="0"/>
+              <a:t>7. Login with Google</a:t>
+            </a:r>
+            <a:endParaRPr lang="en-US" dirty="0"/>
+          </a:p>
+        </p:txBody>
+      </p:sp>
+      <p:sp>
+        <p:nvSpPr>
+          <p:cNvPr id="29" name="TextBox 28">
+            <a:extLst>
+              <a:ext uri="{FF2B5EF4-FFF2-40B4-BE49-F238E27FC236}">
+                <a16:creationId xmlns:a16="http://schemas.microsoft.com/office/drawing/2014/main" id="{2FD05B51-EE63-5602-BBB8-9CC9AB9C4B60}"/>
+              </a:ext>
+            </a:extLst>
+          </p:cNvPr>
+          <p:cNvSpPr txBox="1"/>
+          <p:nvPr/>
+        </p:nvSpPr>
+        <p:spPr>
+          <a:xfrm>
+            <a:off x="4898571" y="214604"/>
+            <a:ext cx="2345094" cy="923330"/>
+          </a:xfrm>
+          <a:prstGeom prst="rect">
+            <a:avLst/>
+          </a:prstGeom>
+          <a:noFill/>
+        </p:spPr>
+        <p:txBody>
+          <a:bodyPr wrap="square" rtlCol="0">
+            <a:spAutoFit/>
+          </a:bodyPr>
+          <a:lstStyle/>
+          <a:p>
+            <a:r>
+              <a:rPr lang="en-IN" dirty="0"/>
+              <a:t>8. Verify the Client Secret first and then verify the User</a:t>
+            </a:r>
+            <a:endParaRPr lang="en-US" dirty="0"/>
+          </a:p>
+        </p:txBody>
+      </p:sp>
+      <p:cxnSp>
+        <p:nvCxnSpPr>
+          <p:cNvPr id="31" name="Connector: Elbow 30">
+            <a:extLst>
+              <a:ext uri="{FF2B5EF4-FFF2-40B4-BE49-F238E27FC236}">
+                <a16:creationId xmlns:a16="http://schemas.microsoft.com/office/drawing/2014/main" id="{D2AC3DE4-DCA5-1F07-7822-D2E145986AF6}"/>
+              </a:ext>
+            </a:extLst>
+          </p:cNvPr>
+          <p:cNvCxnSpPr>
+            <a:stCxn id="29" idx="2"/>
+            <a:endCxn id="2" idx="2"/>
+          </p:cNvCxnSpPr>
+          <p:nvPr/>
+        </p:nvCxnSpPr>
+        <p:spPr>
+          <a:xfrm rot="16200000" flipH="1">
+            <a:off x="5969836" y="1239215"/>
+            <a:ext cx="3578690" cy="3376127"/>
+          </a:xfrm>
+          <a:prstGeom prst="bentConnector3">
+            <a:avLst>
+              <a:gd name="adj1" fmla="val 106388"/>
+            </a:avLst>
+          </a:prstGeom>
+          <a:ln>
+            <a:tailEnd type="triangle"/>
+          </a:ln>
+        </p:spPr>
+        <p:style>
+          <a:lnRef idx="1">
+            <a:schemeClr val="accent1"/>
+          </a:lnRef>
+          <a:fillRef idx="0">
+            <a:schemeClr val="accent1"/>
+          </a:fillRef>
+          <a:effectRef idx="0">
+            <a:schemeClr val="accent1"/>
+          </a:effectRef>
+          <a:fontRef idx="minor">
+            <a:schemeClr val="tx1"/>
+          </a:fontRef>
+        </p:style>
+      </p:cxnSp>
+      <p:sp>
+        <p:nvSpPr>
+          <p:cNvPr id="32" name="TextBox 31">
+            <a:extLst>
+              <a:ext uri="{FF2B5EF4-FFF2-40B4-BE49-F238E27FC236}">
+                <a16:creationId xmlns:a16="http://schemas.microsoft.com/office/drawing/2014/main" id="{EAD7368E-ADA8-254A-D177-56CF2B513FEA}"/>
+              </a:ext>
+            </a:extLst>
+          </p:cNvPr>
+          <p:cNvSpPr txBox="1"/>
+          <p:nvPr/>
+        </p:nvSpPr>
+        <p:spPr>
+          <a:xfrm>
+            <a:off x="6302827" y="5178490"/>
+            <a:ext cx="3643606" cy="646331"/>
+          </a:xfrm>
+          <a:prstGeom prst="rect">
+            <a:avLst/>
+          </a:prstGeom>
+          <a:noFill/>
+        </p:spPr>
+        <p:txBody>
+          <a:bodyPr wrap="square" rtlCol="0">
+            <a:spAutoFit/>
+          </a:bodyPr>
+          <a:lstStyle/>
+          <a:p>
+            <a:r>
+              <a:rPr lang="en-IN" dirty="0"/>
+              <a:t>9. Redirect to the App Home Page for App Access</a:t>
+            </a:r>
+            <a:endParaRPr lang="en-US" dirty="0"/>
+          </a:p>
+        </p:txBody>
+      </p:sp>
+      <p:cxnSp>
+        <p:nvCxnSpPr>
+          <p:cNvPr id="34" name="Straight Arrow Connector 33">
+            <a:extLst>
+              <a:ext uri="{FF2B5EF4-FFF2-40B4-BE49-F238E27FC236}">
+                <a16:creationId xmlns:a16="http://schemas.microsoft.com/office/drawing/2014/main" id="{21E43510-2227-CF78-2374-75CA8490D407}"/>
+              </a:ext>
+            </a:extLst>
+          </p:cNvPr>
+          <p:cNvCxnSpPr/>
+          <p:nvPr/>
+        </p:nvCxnSpPr>
+        <p:spPr>
+          <a:xfrm flipH="1">
+            <a:off x="2895601" y="4185164"/>
+            <a:ext cx="5287346" cy="410563"/>
+          </a:xfrm>
+          <a:prstGeom prst="straightConnector1">
+            <a:avLst/>
+          </a:prstGeom>
+          <a:ln>
+            <a:tailEnd type="triangle"/>
+          </a:ln>
+        </p:spPr>
+        <p:style>
+          <a:lnRef idx="1">
+            <a:schemeClr val="accent1"/>
+          </a:lnRef>
+          <a:fillRef idx="0">
+            <a:schemeClr val="accent1"/>
+          </a:fillRef>
+          <a:effectRef idx="0">
+            <a:schemeClr val="accent1"/>
+          </a:effectRef>
+          <a:fontRef idx="minor">
+            <a:schemeClr val="tx1"/>
+          </a:fontRef>
+        </p:style>
+      </p:cxnSp>
+      <p:sp>
+        <p:nvSpPr>
+          <p:cNvPr id="35" name="TextBox 34">
+            <a:extLst>
+              <a:ext uri="{FF2B5EF4-FFF2-40B4-BE49-F238E27FC236}">
+                <a16:creationId xmlns:a16="http://schemas.microsoft.com/office/drawing/2014/main" id="{B37B4322-25CD-E592-6E9A-2B7FE5958BDB}"/>
+              </a:ext>
+            </a:extLst>
+          </p:cNvPr>
+          <p:cNvSpPr txBox="1"/>
+          <p:nvPr/>
+        </p:nvSpPr>
+        <p:spPr>
+          <a:xfrm>
+            <a:off x="2987351" y="4894676"/>
+            <a:ext cx="2415073" cy="646331"/>
+          </a:xfrm>
+          <a:prstGeom prst="rect">
+            <a:avLst/>
+          </a:prstGeom>
+          <a:noFill/>
+        </p:spPr>
+        <p:txBody>
+          <a:bodyPr wrap="square" rtlCol="0">
+            <a:spAutoFit/>
+          </a:bodyPr>
+          <a:lstStyle/>
+          <a:p>
+            <a:r>
+              <a:rPr lang="en-IN" dirty="0"/>
+              <a:t>10. Grant App Access to </a:t>
+            </a:r>
+            <a:r>
+              <a:rPr lang="en-IN" dirty="0" err="1"/>
+              <a:t>CLient</a:t>
+            </a:r>
+            <a:endParaRPr lang="en-US" dirty="0"/>
+          </a:p>
+        </p:txBody>
+      </p:sp>
+    </p:spTree>
+    <p:extLst>
+      <p:ext uri="{BB962C8B-B14F-4D97-AF65-F5344CB8AC3E}">
+        <p14:creationId xmlns:p14="http://schemas.microsoft.com/office/powerpoint/2010/main" val="678146122"/>
+      </p:ext>
+    </p:extLst>
+  </p:cSld>
+  <p:clrMapOvr>
+    <a:masterClrMapping/>
+  </p:clrMapOvr>
+</p:sld>
+</file>
+
+<file path=ppt/slides/slide8.xml><?xml version="1.0" encoding="utf-8"?>
+<p:sld xmlns:a="http://schemas.openxmlformats.org/drawingml/2006/main" xmlns:r="http://schemas.openxmlformats.org/officeDocument/2006/relationships" xmlns:p="http://schemas.openxmlformats.org/presentationml/2006/main">
+  <p:cSld>
+    <p:spTree>
+      <p:nvGrpSpPr>
+        <p:cNvPr id="1" name=""/>
+        <p:cNvGrpSpPr/>
+        <p:nvPr/>
+      </p:nvGrpSpPr>
+      <p:grpSpPr>
+        <a:xfrm>
+          <a:off x="0" y="0"/>
+          <a:ext cx="0" cy="0"/>
+          <a:chOff x="0" y="0"/>
+          <a:chExt cx="0" cy="0"/>
+        </a:xfrm>
+      </p:grpSpPr>
+      <p:sp>
+        <p:nvSpPr>
+          <p:cNvPr id="2" name="Isosceles Triangle 1">
+            <a:extLst>
+              <a:ext uri="{FF2B5EF4-FFF2-40B4-BE49-F238E27FC236}">
+                <a16:creationId xmlns:a16="http://schemas.microsoft.com/office/drawing/2014/main" id="{87B5AA97-E8EF-BFD3-CF01-1CA76708545E}"/>
+              </a:ext>
+            </a:extLst>
+          </p:cNvPr>
+          <p:cNvSpPr/>
+          <p:nvPr/>
+        </p:nvSpPr>
+        <p:spPr>
+          <a:xfrm>
+            <a:off x="2407298" y="0"/>
+            <a:ext cx="7548466" cy="6419461"/>
+          </a:xfrm>
+          <a:prstGeom prst="triangle">
+            <a:avLst/>
+          </a:prstGeom>
+        </p:spPr>
+        <p:style>
+          <a:lnRef idx="2">
+            <a:schemeClr val="accent6"/>
+          </a:lnRef>
+          <a:fillRef idx="1">
+            <a:schemeClr val="lt1"/>
+          </a:fillRef>
+          <a:effectRef idx="0">
+            <a:schemeClr val="accent6"/>
+          </a:effectRef>
+          <a:fontRef idx="minor">
+            <a:schemeClr val="dk1"/>
+          </a:fontRef>
+        </p:style>
+        <p:txBody>
+          <a:bodyPr rtlCol="0" anchor="ctr"/>
+          <a:lstStyle/>
+          <a:p>
+            <a:pPr algn="ctr"/>
+            <a:endParaRPr lang="en-US"/>
+          </a:p>
+        </p:txBody>
+      </p:sp>
+      <p:sp>
+        <p:nvSpPr>
+          <p:cNvPr id="3" name="Rectangle 2">
+            <a:extLst>
+              <a:ext uri="{FF2B5EF4-FFF2-40B4-BE49-F238E27FC236}">
+                <a16:creationId xmlns:a16="http://schemas.microsoft.com/office/drawing/2014/main" id="{10B2B2E8-8665-30DC-39D3-7F4662E24DC8}"/>
+              </a:ext>
+            </a:extLst>
+          </p:cNvPr>
+          <p:cNvSpPr/>
+          <p:nvPr/>
+        </p:nvSpPr>
+        <p:spPr>
+          <a:xfrm>
+            <a:off x="3536302" y="4525347"/>
+            <a:ext cx="5318449" cy="223935"/>
+          </a:xfrm>
+          <a:prstGeom prst="rect">
+            <a:avLst/>
+          </a:prstGeom>
+        </p:spPr>
+        <p:style>
+          <a:lnRef idx="2">
+            <a:schemeClr val="accent1">
+              <a:shade val="50000"/>
+            </a:schemeClr>
+          </a:lnRef>
+          <a:fillRef idx="1">
+            <a:schemeClr val="accent1"/>
+          </a:fillRef>
+          <a:effectRef idx="0">
+            <a:schemeClr val="accent1"/>
+          </a:effectRef>
+          <a:fontRef idx="minor">
+            <a:schemeClr val="lt1"/>
+          </a:fontRef>
+        </p:style>
+        <p:txBody>
+          <a:bodyPr rtlCol="0" anchor="ctr"/>
+          <a:lstStyle/>
+          <a:p>
+            <a:pPr algn="ctr"/>
+            <a:endParaRPr lang="en-US"/>
+          </a:p>
+        </p:txBody>
+      </p:sp>
+      <p:sp>
+        <p:nvSpPr>
+          <p:cNvPr id="4" name="TextBox 3">
+            <a:extLst>
+              <a:ext uri="{FF2B5EF4-FFF2-40B4-BE49-F238E27FC236}">
+                <a16:creationId xmlns:a16="http://schemas.microsoft.com/office/drawing/2014/main" id="{7B2DAC20-D261-B96C-756E-FB8FAF531FF1}"/>
+              </a:ext>
+            </a:extLst>
+          </p:cNvPr>
+          <p:cNvSpPr txBox="1"/>
+          <p:nvPr/>
+        </p:nvSpPr>
+        <p:spPr>
+          <a:xfrm>
+            <a:off x="3461657" y="4898571"/>
+            <a:ext cx="5561045" cy="369332"/>
+          </a:xfrm>
+          <a:prstGeom prst="rect">
+            <a:avLst/>
+          </a:prstGeom>
+          <a:noFill/>
+        </p:spPr>
+        <p:txBody>
+          <a:bodyPr wrap="square" rtlCol="0">
+            <a:spAutoFit/>
+          </a:bodyPr>
+          <a:lstStyle/>
+          <a:p>
+            <a:r>
+              <a:rPr lang="en-IN" dirty="0"/>
+              <a:t>Unit Tests</a:t>
+            </a:r>
+            <a:endParaRPr lang="en-US" dirty="0"/>
+          </a:p>
+        </p:txBody>
+      </p:sp>
+      <p:sp>
+        <p:nvSpPr>
+          <p:cNvPr id="5" name="Rectangle 4">
+            <a:extLst>
+              <a:ext uri="{FF2B5EF4-FFF2-40B4-BE49-F238E27FC236}">
+                <a16:creationId xmlns:a16="http://schemas.microsoft.com/office/drawing/2014/main" id="{FFC94EC3-C4CF-53B7-361B-071A6BC564C2}"/>
+              </a:ext>
+            </a:extLst>
+          </p:cNvPr>
+          <p:cNvSpPr/>
+          <p:nvPr/>
+        </p:nvSpPr>
+        <p:spPr>
+          <a:xfrm>
+            <a:off x="4183225" y="3205065"/>
+            <a:ext cx="3925077" cy="223935"/>
+          </a:xfrm>
+          <a:prstGeom prst="rect">
+            <a:avLst/>
+          </a:prstGeom>
+        </p:spPr>
+        <p:style>
+          <a:lnRef idx="2">
+            <a:schemeClr val="accent1">
+              <a:shade val="50000"/>
+            </a:schemeClr>
+          </a:lnRef>
+          <a:fillRef idx="1">
+            <a:schemeClr val="accent1"/>
+          </a:fillRef>
+          <a:effectRef idx="0">
+            <a:schemeClr val="accent1"/>
+          </a:effectRef>
+          <a:fontRef idx="minor">
+            <a:schemeClr val="lt1"/>
+          </a:fontRef>
+        </p:style>
+        <p:txBody>
+          <a:bodyPr rtlCol="0" anchor="ctr"/>
+          <a:lstStyle/>
+          <a:p>
+            <a:pPr algn="ctr"/>
+            <a:endParaRPr lang="en-US"/>
+          </a:p>
+        </p:txBody>
+      </p:sp>
+      <p:sp>
+        <p:nvSpPr>
+          <p:cNvPr id="6" name="TextBox 5">
+            <a:extLst>
+              <a:ext uri="{FF2B5EF4-FFF2-40B4-BE49-F238E27FC236}">
+                <a16:creationId xmlns:a16="http://schemas.microsoft.com/office/drawing/2014/main" id="{EEFD4B5C-61DF-48FF-02EC-AB2EAD87584E}"/>
+              </a:ext>
+            </a:extLst>
+          </p:cNvPr>
+          <p:cNvSpPr txBox="1"/>
+          <p:nvPr/>
+        </p:nvSpPr>
+        <p:spPr>
+          <a:xfrm>
+            <a:off x="4217437" y="3601616"/>
+            <a:ext cx="4037936" cy="369332"/>
+          </a:xfrm>
+          <a:prstGeom prst="rect">
+            <a:avLst/>
+          </a:prstGeom>
+          <a:noFill/>
+        </p:spPr>
+        <p:txBody>
+          <a:bodyPr wrap="square" rtlCol="0">
+            <a:spAutoFit/>
+          </a:bodyPr>
+          <a:lstStyle/>
+          <a:p>
+            <a:r>
+              <a:rPr lang="en-IN" dirty="0"/>
+              <a:t>Integration Test</a:t>
+            </a:r>
+            <a:endParaRPr lang="en-US" dirty="0"/>
+          </a:p>
+        </p:txBody>
+      </p:sp>
+    </p:spTree>
+    <p:extLst>
+      <p:ext uri="{BB962C8B-B14F-4D97-AF65-F5344CB8AC3E}">
+        <p14:creationId xmlns:p14="http://schemas.microsoft.com/office/powerpoint/2010/main" val="1537492655"/>
+      </p:ext>
+    </p:extLst>
+  </p:cSld>
+  <p:clrMapOvr>
+    <a:masterClrMapping/>
+  </p:clrMapOvr>
+</p:sld>
+</file>
+
 <file path=ppt/theme/theme1.xml><?xml version="1.0" encoding="utf-8"?>
 <a:theme xmlns:a="http://schemas.openxmlformats.org/drawingml/2006/main" name="Office Theme">
   <a:themeElements>
